--- a/FIGURES.pptx
+++ b/FIGURES.pptx
@@ -105,6 +105,11 @@
       </a:defRPr>
     </a:lvl9pPr>
   </p:defaultTextStyle>
+  <p:extLst>
+    <p:ext uri="{EFAFB233-063F-42B5-8137-9DF3F51BA10A}">
+      <p15:sldGuideLst xmlns:p15="http://schemas.microsoft.com/office/powerpoint/2012/main"/>
+    </p:ext>
+  </p:extLst>
 </p:presentation>
 </file>
 
@@ -2958,7 +2963,7 @@
     <p:bg>
       <p:bgPr>
         <a:solidFill>
-          <a:schemeClr val="tx1"/>
+          <a:schemeClr val="bg1"/>
         </a:solidFill>
         <a:effectLst/>
       </p:bgPr>
@@ -3038,8 +3043,8 @@
         </p:nvSpPr>
         <p:spPr>
           <a:xfrm>
-            <a:off x="2562215" y="1126156"/>
-            <a:ext cx="1440000" cy="3416403"/>
+            <a:off x="2129077" y="1126156"/>
+            <a:ext cx="2466986" cy="3416403"/>
           </a:xfrm>
           <a:prstGeom prst="rect">
             <a:avLst/>
@@ -3069,7 +3074,7 @@
             <a:r>
               <a:rPr lang="de-DE" dirty="0">
                 <a:solidFill>
-                  <a:schemeClr val="tx1"/>
+                  <a:schemeClr val="bg1"/>
                 </a:solidFill>
                 <a:latin typeface="CMU Serif" panose="02000603000000000000" pitchFamily="2" charset="0"/>
                 <a:ea typeface="CMU Serif" panose="02000603000000000000" pitchFamily="2" charset="0"/>
@@ -3080,596 +3085,6 @@
           </a:p>
         </p:txBody>
       </p:sp>
-      <mc:AlternateContent xmlns:mc="http://schemas.openxmlformats.org/markup-compatibility/2006">
-        <mc:Choice xmlns:a14="http://schemas.microsoft.com/office/drawing/2010/main" Requires="a14">
-          <p:sp>
-            <p:nvSpPr>
-              <p:cNvPr id="5" name="Rectangle 4">
-                <a:extLst>
-                  <a:ext uri="{FF2B5EF4-FFF2-40B4-BE49-F238E27FC236}">
-                    <a16:creationId xmlns:a16="http://schemas.microsoft.com/office/drawing/2014/main" id="{C3AE36A3-43AF-447C-A6F2-CD3469E0C1ED}"/>
-                  </a:ext>
-                </a:extLst>
-              </p:cNvPr>
-              <p:cNvSpPr/>
-              <p:nvPr/>
-            </p:nvSpPr>
-            <p:spPr>
-              <a:xfrm>
-                <a:off x="2743200" y="1520788"/>
-                <a:ext cx="1078030" cy="720000"/>
-              </a:xfrm>
-              <a:prstGeom prst="rect">
-                <a:avLst/>
-              </a:prstGeom>
-              <a:ln w="28575"/>
-            </p:spPr>
-            <p:style>
-              <a:lnRef idx="2">
-                <a:schemeClr val="dk1"/>
-              </a:lnRef>
-              <a:fillRef idx="1">
-                <a:schemeClr val="lt1"/>
-              </a:fillRef>
-              <a:effectRef idx="0">
-                <a:schemeClr val="dk1"/>
-              </a:effectRef>
-              <a:fontRef idx="minor">
-                <a:schemeClr val="dk1"/>
-              </a:fontRef>
-            </p:style>
-            <p:txBody>
-              <a:bodyPr rtlCol="0" anchor="ctr"/>
-              <a:lstStyle/>
-              <a:p>
-                <a:pPr algn="ctr"/>
-                <a:r>
-                  <a:rPr lang="de-DE" dirty="0">
-                    <a:latin typeface="CMU Serif" panose="02000603000000000000" pitchFamily="2" charset="0"/>
-                    <a:ea typeface="CMU Serif" panose="02000603000000000000" pitchFamily="2" charset="0"/>
-                    <a:cs typeface="CMU Serif" panose="02000603000000000000" pitchFamily="2" charset="0"/>
-                  </a:rPr>
-                  <a:t>Class 1</a:t>
-                </a:r>
-              </a:p>
-              <a:p>
-                <a:pPr algn="ctr"/>
-                <a14:m>
-                  <m:oMathPara xmlns:m="http://schemas.openxmlformats.org/officeDocument/2006/math">
-                    <m:oMathParaPr>
-                      <m:jc m:val="centerGroup"/>
-                    </m:oMathParaPr>
-                    <m:oMath xmlns:m="http://schemas.openxmlformats.org/officeDocument/2006/math">
-                      <m:sSub>
-                        <m:sSubPr>
-                          <m:ctrlPr>
-                            <a:rPr lang="de-DE" sz="1200" i="1" smtClean="0">
-                              <a:latin typeface="Cambria Math" panose="02040503050406030204" pitchFamily="18" charset="0"/>
-                              <a:ea typeface="CMU Serif" panose="02000603000000000000" pitchFamily="2" charset="0"/>
-                              <a:cs typeface="CMU Serif" panose="02000603000000000000" pitchFamily="2" charset="0"/>
-                            </a:rPr>
-                          </m:ctrlPr>
-                        </m:sSubPr>
-                        <m:e>
-                          <m:r>
-                            <a:rPr lang="de-DE" sz="1200" b="0" i="1" smtClean="0">
-                              <a:latin typeface="Cambria Math" panose="02040503050406030204" pitchFamily="18" charset="0"/>
-                              <a:ea typeface="CMU Serif" panose="02000603000000000000" pitchFamily="2" charset="0"/>
-                              <a:cs typeface="CMU Serif" panose="02000603000000000000" pitchFamily="2" charset="0"/>
-                            </a:rPr>
-                            <m:t>𝑁</m:t>
-                          </m:r>
-                        </m:e>
-                        <m:sub>
-                          <m:r>
-                            <a:rPr lang="de-DE" sz="1200" b="0" i="1" smtClean="0">
-                              <a:latin typeface="Cambria Math" panose="02040503050406030204" pitchFamily="18" charset="0"/>
-                              <a:ea typeface="CMU Serif" panose="02000603000000000000" pitchFamily="2" charset="0"/>
-                              <a:cs typeface="CMU Serif" panose="02000603000000000000" pitchFamily="2" charset="0"/>
-                            </a:rPr>
-                            <m:t>1</m:t>
-                          </m:r>
-                        </m:sub>
-                      </m:sSub>
-                      <m:r>
-                        <a:rPr lang="de-DE" sz="1200" b="0" i="1" smtClean="0">
-                          <a:latin typeface="Cambria Math" panose="02040503050406030204" pitchFamily="18" charset="0"/>
-                          <a:ea typeface="CMU Serif" panose="02000603000000000000" pitchFamily="2" charset="0"/>
-                          <a:cs typeface="CMU Serif" panose="02000603000000000000" pitchFamily="2" charset="0"/>
-                        </a:rPr>
-                        <m:t>=15</m:t>
-                      </m:r>
-                    </m:oMath>
-                  </m:oMathPara>
-                </a14:m>
-                <a:endParaRPr lang="de-DE" dirty="0">
-                  <a:latin typeface="CMU Serif" panose="02000603000000000000" pitchFamily="2" charset="0"/>
-                  <a:ea typeface="CMU Serif" panose="02000603000000000000" pitchFamily="2" charset="0"/>
-                  <a:cs typeface="CMU Serif" panose="02000603000000000000" pitchFamily="2" charset="0"/>
-                </a:endParaRPr>
-              </a:p>
-            </p:txBody>
-          </p:sp>
-        </mc:Choice>
-        <mc:Fallback>
-          <p:sp>
-            <p:nvSpPr>
-              <p:cNvPr id="5" name="Rectangle 4">
-                <a:extLst>
-                  <a:ext uri="{FF2B5EF4-FFF2-40B4-BE49-F238E27FC236}">
-                    <a16:creationId xmlns:a16="http://schemas.microsoft.com/office/drawing/2014/main" id="{C3AE36A3-43AF-447C-A6F2-CD3469E0C1ED}"/>
-                  </a:ext>
-                </a:extLst>
-              </p:cNvPr>
-              <p:cNvSpPr>
-                <a:spLocks noRot="1" noChangeAspect="1" noMove="1" noResize="1" noEditPoints="1" noAdjustHandles="1" noChangeArrowheads="1" noChangeShapeType="1" noTextEdit="1"/>
-              </p:cNvSpPr>
-              <p:nvPr/>
-            </p:nvSpPr>
-            <p:spPr>
-              <a:xfrm>
-                <a:off x="2743200" y="1520788"/>
-                <a:ext cx="1078030" cy="720000"/>
-              </a:xfrm>
-              <a:prstGeom prst="rect">
-                <a:avLst/>
-              </a:prstGeom>
-              <a:blipFill>
-                <a:blip r:embed="rId2"/>
-                <a:stretch>
-                  <a:fillRect/>
-                </a:stretch>
-              </a:blipFill>
-              <a:ln w="28575"/>
-            </p:spPr>
-            <p:txBody>
-              <a:bodyPr/>
-              <a:lstStyle/>
-              <a:p>
-                <a:r>
-                  <a:rPr lang="de-DE">
-                    <a:noFill/>
-                  </a:rPr>
-                  <a:t> </a:t>
-                </a:r>
-              </a:p>
-            </p:txBody>
-          </p:sp>
-        </mc:Fallback>
-      </mc:AlternateContent>
-      <mc:AlternateContent xmlns:mc="http://schemas.openxmlformats.org/markup-compatibility/2006">
-        <mc:Choice xmlns:a14="http://schemas.microsoft.com/office/drawing/2010/main" Requires="a14">
-          <p:sp>
-            <p:nvSpPr>
-              <p:cNvPr id="7" name="Rectangle 6">
-                <a:extLst>
-                  <a:ext uri="{FF2B5EF4-FFF2-40B4-BE49-F238E27FC236}">
-                    <a16:creationId xmlns:a16="http://schemas.microsoft.com/office/drawing/2014/main" id="{87E806A9-B77B-4C0B-9C58-641B429FE1CD}"/>
-                  </a:ext>
-                </a:extLst>
-              </p:cNvPr>
-              <p:cNvSpPr/>
-              <p:nvPr/>
-            </p:nvSpPr>
-            <p:spPr>
-              <a:xfrm>
-                <a:off x="2743200" y="2343814"/>
-                <a:ext cx="1078030" cy="540000"/>
-              </a:xfrm>
-              <a:prstGeom prst="rect">
-                <a:avLst/>
-              </a:prstGeom>
-              <a:ln w="28575"/>
-            </p:spPr>
-            <p:style>
-              <a:lnRef idx="2">
-                <a:schemeClr val="dk1"/>
-              </a:lnRef>
-              <a:fillRef idx="1">
-                <a:schemeClr val="lt1"/>
-              </a:fillRef>
-              <a:effectRef idx="0">
-                <a:schemeClr val="dk1"/>
-              </a:effectRef>
-              <a:fontRef idx="minor">
-                <a:schemeClr val="dk1"/>
-              </a:fontRef>
-            </p:style>
-            <p:txBody>
-              <a:bodyPr rtlCol="0" anchor="ctr"/>
-              <a:lstStyle/>
-              <a:p>
-                <a:pPr algn="ctr"/>
-                <a:r>
-                  <a:rPr lang="de-DE" dirty="0">
-                    <a:latin typeface="CMU Serif" panose="02000603000000000000" pitchFamily="2" charset="0"/>
-                    <a:ea typeface="CMU Serif" panose="02000603000000000000" pitchFamily="2" charset="0"/>
-                    <a:cs typeface="CMU Serif" panose="02000603000000000000" pitchFamily="2" charset="0"/>
-                  </a:rPr>
-                  <a:t>Class 2</a:t>
-                </a:r>
-              </a:p>
-              <a:p>
-                <a:pPr algn="ctr"/>
-                <a14:m>
-                  <m:oMathPara xmlns:m="http://schemas.openxmlformats.org/officeDocument/2006/math">
-                    <m:oMathParaPr>
-                      <m:jc m:val="centerGroup"/>
-                    </m:oMathParaPr>
-                    <m:oMath xmlns:m="http://schemas.openxmlformats.org/officeDocument/2006/math">
-                      <m:sSub>
-                        <m:sSubPr>
-                          <m:ctrlPr>
-                            <a:rPr lang="de-DE" sz="1200" i="1" smtClean="0">
-                              <a:latin typeface="Cambria Math" panose="02040503050406030204" pitchFamily="18" charset="0"/>
-                              <a:ea typeface="CMU Serif" panose="02000603000000000000" pitchFamily="2" charset="0"/>
-                              <a:cs typeface="CMU Serif" panose="02000603000000000000" pitchFamily="2" charset="0"/>
-                            </a:rPr>
-                          </m:ctrlPr>
-                        </m:sSubPr>
-                        <m:e>
-                          <m:r>
-                            <a:rPr lang="de-DE" sz="1200" b="0" i="1" smtClean="0">
-                              <a:latin typeface="Cambria Math" panose="02040503050406030204" pitchFamily="18" charset="0"/>
-                              <a:ea typeface="CMU Serif" panose="02000603000000000000" pitchFamily="2" charset="0"/>
-                              <a:cs typeface="CMU Serif" panose="02000603000000000000" pitchFamily="2" charset="0"/>
-                            </a:rPr>
-                            <m:t>𝑁</m:t>
-                          </m:r>
-                        </m:e>
-                        <m:sub>
-                          <m:r>
-                            <a:rPr lang="de-DE" sz="1200" b="0" i="1" smtClean="0">
-                              <a:latin typeface="Cambria Math" panose="02040503050406030204" pitchFamily="18" charset="0"/>
-                              <a:ea typeface="CMU Serif" panose="02000603000000000000" pitchFamily="2" charset="0"/>
-                              <a:cs typeface="CMU Serif" panose="02000603000000000000" pitchFamily="2" charset="0"/>
-                            </a:rPr>
-                            <m:t>2</m:t>
-                          </m:r>
-                        </m:sub>
-                      </m:sSub>
-                      <m:r>
-                        <a:rPr lang="de-DE" sz="1200" b="0" i="1" smtClean="0">
-                          <a:latin typeface="Cambria Math" panose="02040503050406030204" pitchFamily="18" charset="0"/>
-                          <a:ea typeface="CMU Serif" panose="02000603000000000000" pitchFamily="2" charset="0"/>
-                          <a:cs typeface="CMU Serif" panose="02000603000000000000" pitchFamily="2" charset="0"/>
-                        </a:rPr>
-                        <m:t>=10</m:t>
-                      </m:r>
-                    </m:oMath>
-                  </m:oMathPara>
-                </a14:m>
-                <a:endParaRPr lang="de-DE" dirty="0">
-                  <a:latin typeface="CMU Serif" panose="02000603000000000000" pitchFamily="2" charset="0"/>
-                  <a:ea typeface="CMU Serif" panose="02000603000000000000" pitchFamily="2" charset="0"/>
-                  <a:cs typeface="CMU Serif" panose="02000603000000000000" pitchFamily="2" charset="0"/>
-                </a:endParaRPr>
-              </a:p>
-            </p:txBody>
-          </p:sp>
-        </mc:Choice>
-        <mc:Fallback>
-          <p:sp>
-            <p:nvSpPr>
-              <p:cNvPr id="7" name="Rectangle 6">
-                <a:extLst>
-                  <a:ext uri="{FF2B5EF4-FFF2-40B4-BE49-F238E27FC236}">
-                    <a16:creationId xmlns:a16="http://schemas.microsoft.com/office/drawing/2014/main" id="{87E806A9-B77B-4C0B-9C58-641B429FE1CD}"/>
-                  </a:ext>
-                </a:extLst>
-              </p:cNvPr>
-              <p:cNvSpPr>
-                <a:spLocks noRot="1" noChangeAspect="1" noMove="1" noResize="1" noEditPoints="1" noAdjustHandles="1" noChangeArrowheads="1" noChangeShapeType="1" noTextEdit="1"/>
-              </p:cNvSpPr>
-              <p:nvPr/>
-            </p:nvSpPr>
-            <p:spPr>
-              <a:xfrm>
-                <a:off x="2743200" y="2343814"/>
-                <a:ext cx="1078030" cy="540000"/>
-              </a:xfrm>
-              <a:prstGeom prst="rect">
-                <a:avLst/>
-              </a:prstGeom>
-              <a:blipFill>
-                <a:blip r:embed="rId3"/>
-                <a:stretch>
-                  <a:fillRect t="-4255"/>
-                </a:stretch>
-              </a:blipFill>
-              <a:ln w="28575"/>
-            </p:spPr>
-            <p:txBody>
-              <a:bodyPr/>
-              <a:lstStyle/>
-              <a:p>
-                <a:r>
-                  <a:rPr lang="de-DE">
-                    <a:noFill/>
-                  </a:rPr>
-                  <a:t> </a:t>
-                </a:r>
-              </a:p>
-            </p:txBody>
-          </p:sp>
-        </mc:Fallback>
-      </mc:AlternateContent>
-      <mc:AlternateContent xmlns:mc="http://schemas.openxmlformats.org/markup-compatibility/2006">
-        <mc:Choice xmlns:a14="http://schemas.microsoft.com/office/drawing/2010/main" Requires="a14">
-          <p:sp>
-            <p:nvSpPr>
-              <p:cNvPr id="8" name="Rectangle 7">
-                <a:extLst>
-                  <a:ext uri="{FF2B5EF4-FFF2-40B4-BE49-F238E27FC236}">
-                    <a16:creationId xmlns:a16="http://schemas.microsoft.com/office/drawing/2014/main" id="{54C390C1-F597-494D-95C1-07DBEF06C334}"/>
-                  </a:ext>
-                </a:extLst>
-              </p:cNvPr>
-              <p:cNvSpPr/>
-              <p:nvPr/>
-            </p:nvSpPr>
-            <p:spPr>
-              <a:xfrm>
-                <a:off x="2743200" y="3629866"/>
-                <a:ext cx="1078030" cy="768692"/>
-              </a:xfrm>
-              <a:prstGeom prst="rect">
-                <a:avLst/>
-              </a:prstGeom>
-              <a:ln w="28575"/>
-            </p:spPr>
-            <p:style>
-              <a:lnRef idx="2">
-                <a:schemeClr val="dk1"/>
-              </a:lnRef>
-              <a:fillRef idx="1">
-                <a:schemeClr val="lt1"/>
-              </a:fillRef>
-              <a:effectRef idx="0">
-                <a:schemeClr val="dk1"/>
-              </a:effectRef>
-              <a:fontRef idx="minor">
-                <a:schemeClr val="dk1"/>
-              </a:fontRef>
-            </p:style>
-            <p:txBody>
-              <a:bodyPr rtlCol="0" anchor="ctr"/>
-              <a:lstStyle/>
-              <a:p>
-                <a:pPr algn="ctr"/>
-                <a:r>
-                  <a:rPr lang="de-DE" dirty="0">
-                    <a:latin typeface="CMU Serif" panose="02000603000000000000" pitchFamily="2" charset="0"/>
-                    <a:ea typeface="CMU Serif" panose="02000603000000000000" pitchFamily="2" charset="0"/>
-                    <a:cs typeface="CMU Serif" panose="02000603000000000000" pitchFamily="2" charset="0"/>
-                  </a:rPr>
-                  <a:t>Class G</a:t>
-                </a:r>
-              </a:p>
-              <a:p>
-                <a:pPr algn="ctr"/>
-                <a14:m>
-                  <m:oMathPara xmlns:m="http://schemas.openxmlformats.org/officeDocument/2006/math">
-                    <m:oMathParaPr>
-                      <m:jc m:val="centerGroup"/>
-                    </m:oMathParaPr>
-                    <m:oMath xmlns:m="http://schemas.openxmlformats.org/officeDocument/2006/math">
-                      <m:sSub>
-                        <m:sSubPr>
-                          <m:ctrlPr>
-                            <a:rPr lang="de-DE" sz="1200" i="1" smtClean="0">
-                              <a:latin typeface="Cambria Math" panose="02040503050406030204" pitchFamily="18" charset="0"/>
-                              <a:ea typeface="CMU Serif" panose="02000603000000000000" pitchFamily="2" charset="0"/>
-                              <a:cs typeface="CMU Serif" panose="02000603000000000000" pitchFamily="2" charset="0"/>
-                            </a:rPr>
-                          </m:ctrlPr>
-                        </m:sSubPr>
-                        <m:e>
-                          <m:r>
-                            <a:rPr lang="de-DE" sz="1200" b="0" i="1" smtClean="0">
-                              <a:latin typeface="Cambria Math" panose="02040503050406030204" pitchFamily="18" charset="0"/>
-                              <a:ea typeface="CMU Serif" panose="02000603000000000000" pitchFamily="2" charset="0"/>
-                              <a:cs typeface="CMU Serif" panose="02000603000000000000" pitchFamily="2" charset="0"/>
-                            </a:rPr>
-                            <m:t>𝑁</m:t>
-                          </m:r>
-                        </m:e>
-                        <m:sub>
-                          <m:r>
-                            <a:rPr lang="de-DE" sz="1200" b="0" i="1" smtClean="0">
-                              <a:latin typeface="Cambria Math" panose="02040503050406030204" pitchFamily="18" charset="0"/>
-                              <a:ea typeface="CMU Serif" panose="02000603000000000000" pitchFamily="2" charset="0"/>
-                              <a:cs typeface="CMU Serif" panose="02000603000000000000" pitchFamily="2" charset="0"/>
-                            </a:rPr>
-                            <m:t>𝐺</m:t>
-                          </m:r>
-                        </m:sub>
-                      </m:sSub>
-                      <m:r>
-                        <a:rPr lang="de-DE" sz="1200" b="0" i="1" smtClean="0">
-                          <a:latin typeface="Cambria Math" panose="02040503050406030204" pitchFamily="18" charset="0"/>
-                          <a:ea typeface="CMU Serif" panose="02000603000000000000" pitchFamily="2" charset="0"/>
-                          <a:cs typeface="CMU Serif" panose="02000603000000000000" pitchFamily="2" charset="0"/>
-                        </a:rPr>
-                        <m:t>=20</m:t>
-                      </m:r>
-                    </m:oMath>
-                  </m:oMathPara>
-                </a14:m>
-                <a:endParaRPr lang="de-DE" dirty="0">
-                  <a:latin typeface="CMU Serif" panose="02000603000000000000" pitchFamily="2" charset="0"/>
-                  <a:ea typeface="CMU Serif" panose="02000603000000000000" pitchFamily="2" charset="0"/>
-                  <a:cs typeface="CMU Serif" panose="02000603000000000000" pitchFamily="2" charset="0"/>
-                </a:endParaRPr>
-              </a:p>
-            </p:txBody>
-          </p:sp>
-        </mc:Choice>
-        <mc:Fallback>
-          <p:sp>
-            <p:nvSpPr>
-              <p:cNvPr id="8" name="Rectangle 7">
-                <a:extLst>
-                  <a:ext uri="{FF2B5EF4-FFF2-40B4-BE49-F238E27FC236}">
-                    <a16:creationId xmlns:a16="http://schemas.microsoft.com/office/drawing/2014/main" id="{54C390C1-F597-494D-95C1-07DBEF06C334}"/>
-                  </a:ext>
-                </a:extLst>
-              </p:cNvPr>
-              <p:cNvSpPr>
-                <a:spLocks noRot="1" noChangeAspect="1" noMove="1" noResize="1" noEditPoints="1" noAdjustHandles="1" noChangeArrowheads="1" noChangeShapeType="1" noTextEdit="1"/>
-              </p:cNvSpPr>
-              <p:nvPr/>
-            </p:nvSpPr>
-            <p:spPr>
-              <a:xfrm>
-                <a:off x="2743200" y="3629866"/>
-                <a:ext cx="1078030" cy="768692"/>
-              </a:xfrm>
-              <a:prstGeom prst="rect">
-                <a:avLst/>
-              </a:prstGeom>
-              <a:blipFill>
-                <a:blip r:embed="rId4"/>
-                <a:stretch>
-                  <a:fillRect/>
-                </a:stretch>
-              </a:blipFill>
-              <a:ln w="28575"/>
-            </p:spPr>
-            <p:txBody>
-              <a:bodyPr/>
-              <a:lstStyle/>
-              <a:p>
-                <a:r>
-                  <a:rPr lang="de-DE">
-                    <a:noFill/>
-                  </a:rPr>
-                  <a:t> </a:t>
-                </a:r>
-              </a:p>
-            </p:txBody>
-          </p:sp>
-        </mc:Fallback>
-      </mc:AlternateContent>
-      <mc:AlternateContent xmlns:mc="http://schemas.openxmlformats.org/markup-compatibility/2006">
-        <mc:Choice xmlns:a14="http://schemas.microsoft.com/office/drawing/2010/main" Requires="a14">
-          <p:sp>
-            <p:nvSpPr>
-              <p:cNvPr id="9" name="Rectangle 8">
-                <a:extLst>
-                  <a:ext uri="{FF2B5EF4-FFF2-40B4-BE49-F238E27FC236}">
-                    <a16:creationId xmlns:a16="http://schemas.microsoft.com/office/drawing/2014/main" id="{B1EC2E20-B89C-4B88-8FA3-A82211BA806A}"/>
-                  </a:ext>
-                </a:extLst>
-              </p:cNvPr>
-              <p:cNvSpPr/>
-              <p:nvPr/>
-            </p:nvSpPr>
-            <p:spPr>
-              <a:xfrm>
-                <a:off x="2743200" y="2986840"/>
-                <a:ext cx="1078030" cy="540000"/>
-              </a:xfrm>
-              <a:prstGeom prst="rect">
-                <a:avLst/>
-              </a:prstGeom>
-              <a:ln w="28575">
-                <a:noFill/>
-              </a:ln>
-            </p:spPr>
-            <p:style>
-              <a:lnRef idx="2">
-                <a:schemeClr val="dk1"/>
-              </a:lnRef>
-              <a:fillRef idx="1">
-                <a:schemeClr val="lt1"/>
-              </a:fillRef>
-              <a:effectRef idx="0">
-                <a:schemeClr val="dk1"/>
-              </a:effectRef>
-              <a:fontRef idx="minor">
-                <a:schemeClr val="dk1"/>
-              </a:fontRef>
-            </p:style>
-            <p:txBody>
-              <a:bodyPr rtlCol="0" anchor="ctr"/>
-              <a:lstStyle/>
-              <a:p>
-                <a:pPr algn="ctr"/>
-                <a14:m>
-                  <m:oMathPara xmlns:m="http://schemas.openxmlformats.org/officeDocument/2006/math">
-                    <m:oMathParaPr>
-                      <m:jc m:val="center"/>
-                    </m:oMathParaPr>
-                    <m:oMath xmlns:m="http://schemas.openxmlformats.org/officeDocument/2006/math">
-                      <m:r>
-                        <a:rPr lang="de-DE" b="0" i="1" smtClean="0">
-                          <a:latin typeface="Cambria Math" panose="02040503050406030204" pitchFamily="18" charset="0"/>
-                          <a:ea typeface="CMU Serif" panose="02000603000000000000" pitchFamily="2" charset="0"/>
-                          <a:cs typeface="CMU Serif" panose="02000603000000000000" pitchFamily="2" charset="0"/>
-                        </a:rPr>
-                        <m:t>⋮</m:t>
-                      </m:r>
-                    </m:oMath>
-                  </m:oMathPara>
-                </a14:m>
-                <a:endParaRPr lang="de-DE" dirty="0">
-                  <a:latin typeface="CMU Serif" panose="02000603000000000000" pitchFamily="2" charset="0"/>
-                  <a:ea typeface="CMU Serif" panose="02000603000000000000" pitchFamily="2" charset="0"/>
-                  <a:cs typeface="CMU Serif" panose="02000603000000000000" pitchFamily="2" charset="0"/>
-                </a:endParaRPr>
-              </a:p>
-            </p:txBody>
-          </p:sp>
-        </mc:Choice>
-        <mc:Fallback>
-          <p:sp>
-            <p:nvSpPr>
-              <p:cNvPr id="9" name="Rectangle 8">
-                <a:extLst>
-                  <a:ext uri="{FF2B5EF4-FFF2-40B4-BE49-F238E27FC236}">
-                    <a16:creationId xmlns:a16="http://schemas.microsoft.com/office/drawing/2014/main" id="{B1EC2E20-B89C-4B88-8FA3-A82211BA806A}"/>
-                  </a:ext>
-                </a:extLst>
-              </p:cNvPr>
-              <p:cNvSpPr>
-                <a:spLocks noRot="1" noChangeAspect="1" noMove="1" noResize="1" noEditPoints="1" noAdjustHandles="1" noChangeArrowheads="1" noChangeShapeType="1" noTextEdit="1"/>
-              </p:cNvSpPr>
-              <p:nvPr/>
-            </p:nvSpPr>
-            <p:spPr>
-              <a:xfrm>
-                <a:off x="2743200" y="2986840"/>
-                <a:ext cx="1078030" cy="540000"/>
-              </a:xfrm>
-              <a:prstGeom prst="rect">
-                <a:avLst/>
-              </a:prstGeom>
-              <a:blipFill>
-                <a:blip r:embed="rId5"/>
-                <a:stretch>
-                  <a:fillRect/>
-                </a:stretch>
-              </a:blipFill>
-              <a:ln w="28575">
-                <a:noFill/>
-              </a:ln>
-            </p:spPr>
-            <p:txBody>
-              <a:bodyPr/>
-              <a:lstStyle/>
-              <a:p>
-                <a:r>
-                  <a:rPr lang="de-DE">
-                    <a:noFill/>
-                  </a:rPr>
-                  <a:t> </a:t>
-                </a:r>
-              </a:p>
-            </p:txBody>
-          </p:sp>
-        </mc:Fallback>
-      </mc:AlternateContent>
       <p:sp>
         <p:nvSpPr>
           <p:cNvPr id="20" name="Rectangle 19">
@@ -3684,8 +3099,8 @@
         </p:nvSpPr>
         <p:spPr>
           <a:xfrm>
-            <a:off x="6386653" y="1126156"/>
-            <a:ext cx="1440000" cy="3416403"/>
+            <a:off x="6060963" y="1139988"/>
+            <a:ext cx="2466986" cy="3416403"/>
           </a:xfrm>
           <a:prstGeom prst="rect">
             <a:avLst/>
@@ -3715,7 +3130,7 @@
             <a:r>
               <a:rPr lang="de-DE" dirty="0">
                 <a:solidFill>
-                  <a:schemeClr val="tx1"/>
+                  <a:schemeClr val="bg1"/>
                 </a:solidFill>
                 <a:latin typeface="CMU Serif" panose="02000603000000000000" pitchFamily="2" charset="0"/>
                 <a:ea typeface="CMU Serif" panose="02000603000000000000" pitchFamily="2" charset="0"/>
@@ -3742,7 +3157,7 @@
             </p:nvSpPr>
             <p:spPr>
               <a:xfrm>
-                <a:off x="6567638" y="1520788"/>
+                <a:off x="6241949" y="1534620"/>
                 <a:ext cx="1078030" cy="468000"/>
               </a:xfrm>
               <a:prstGeom prst="rect">
@@ -3854,14 +3269,14 @@
             </p:nvSpPr>
             <p:spPr>
               <a:xfrm>
-                <a:off x="6567638" y="1520788"/>
+                <a:off x="6241949" y="1534620"/>
                 <a:ext cx="1078030" cy="468000"/>
               </a:xfrm>
               <a:prstGeom prst="rect">
                 <a:avLst/>
               </a:prstGeom>
               <a:blipFill>
-                <a:blip r:embed="rId6"/>
+                <a:blip r:embed="rId2"/>
                 <a:stretch>
                   <a:fillRect t="-12195"/>
                 </a:stretch>
@@ -3899,7 +3314,7 @@
             </p:nvSpPr>
             <p:spPr>
               <a:xfrm>
-                <a:off x="6567638" y="2088169"/>
+                <a:off x="6241949" y="2102001"/>
                 <a:ext cx="1078030" cy="720000"/>
               </a:xfrm>
               <a:prstGeom prst="rect">
@@ -4011,16 +3426,16 @@
             </p:nvSpPr>
             <p:spPr>
               <a:xfrm>
-                <a:off x="6567638" y="2088169"/>
+                <a:off x="6241949" y="2102001"/>
                 <a:ext cx="1078030" cy="720000"/>
               </a:xfrm>
               <a:prstGeom prst="rect">
                 <a:avLst/>
               </a:prstGeom>
               <a:blipFill>
-                <a:blip r:embed="rId7"/>
+                <a:blip r:embed="rId3"/>
                 <a:stretch>
-                  <a:fillRect l="-549"/>
+                  <a:fillRect l="-1099"/>
                 </a:stretch>
               </a:blipFill>
               <a:ln w="28575"/>
@@ -4056,7 +3471,7 @@
             </p:nvSpPr>
             <p:spPr>
               <a:xfrm>
-                <a:off x="6567638" y="3629866"/>
+                <a:off x="6238844" y="3632471"/>
                 <a:ext cx="1078030" cy="768692"/>
               </a:xfrm>
               <a:prstGeom prst="rect">
@@ -4161,14 +3576,37 @@
                           </m:r>
                         </m:e>
                         <m:sub>
-                          <m:r>
-                            <a:rPr lang="de-DE" sz="1200" b="0" i="1" smtClean="0">
-                              <a:latin typeface="Cambria Math" panose="02040503050406030204" pitchFamily="18" charset="0"/>
-                              <a:ea typeface="CMU Serif" panose="02000603000000000000" pitchFamily="2" charset="0"/>
-                              <a:cs typeface="CMU Serif" panose="02000603000000000000" pitchFamily="2" charset="0"/>
-                            </a:rPr>
-                            <m:t>𝐺</m:t>
-                          </m:r>
+                          <m:sSub>
+                            <m:sSubPr>
+                              <m:ctrlPr>
+                                <a:rPr lang="de-DE" sz="1200" b="0" i="1" smtClean="0">
+                                  <a:latin typeface="Cambria Math" panose="02040503050406030204" pitchFamily="18" charset="0"/>
+                                  <a:ea typeface="CMU Serif" panose="02000603000000000000" pitchFamily="2" charset="0"/>
+                                  <a:cs typeface="CMU Serif" panose="02000603000000000000" pitchFamily="2" charset="0"/>
+                                </a:rPr>
+                              </m:ctrlPr>
+                            </m:sSubPr>
+                            <m:e>
+                              <m:r>
+                                <a:rPr lang="de-DE" sz="1200" b="0" i="1" smtClean="0">
+                                  <a:latin typeface="Cambria Math" panose="02040503050406030204" pitchFamily="18" charset="0"/>
+                                  <a:ea typeface="CMU Serif" panose="02000603000000000000" pitchFamily="2" charset="0"/>
+                                  <a:cs typeface="CMU Serif" panose="02000603000000000000" pitchFamily="2" charset="0"/>
+                                </a:rPr>
+                                <m:t>𝐺</m:t>
+                              </m:r>
+                            </m:e>
+                            <m:sub>
+                              <m:r>
+                                <a:rPr lang="de-DE" sz="1200" b="0" i="1" smtClean="0">
+                                  <a:latin typeface="Cambria Math" panose="02040503050406030204" pitchFamily="18" charset="0"/>
+                                  <a:ea typeface="CMU Serif" panose="02000603000000000000" pitchFamily="2" charset="0"/>
+                                  <a:cs typeface="CMU Serif" panose="02000603000000000000" pitchFamily="2" charset="0"/>
+                                </a:rPr>
+                                <m:t>𝑏</m:t>
+                              </m:r>
+                            </m:sub>
+                          </m:sSub>
                         </m:sub>
                       </m:sSub>
                       <m:r>
@@ -4208,14 +3646,14 @@
             </p:nvSpPr>
             <p:spPr>
               <a:xfrm>
-                <a:off x="6567638" y="3629866"/>
+                <a:off x="6238844" y="3632471"/>
                 <a:ext cx="1078030" cy="768692"/>
               </a:xfrm>
               <a:prstGeom prst="rect">
                 <a:avLst/>
               </a:prstGeom>
               <a:blipFill>
-                <a:blip r:embed="rId8"/>
+                <a:blip r:embed="rId4"/>
                 <a:stretch>
                   <a:fillRect l="-1099"/>
                 </a:stretch>
@@ -4253,15 +3691,13 @@
             </p:nvSpPr>
             <p:spPr>
               <a:xfrm>
-                <a:off x="6567638" y="2986840"/>
-                <a:ext cx="1078030" cy="540000"/>
+                <a:off x="6238844" y="2897646"/>
+                <a:ext cx="1078030" cy="643026"/>
               </a:xfrm>
               <a:prstGeom prst="rect">
                 <a:avLst/>
               </a:prstGeom>
-              <a:ln w="28575">
-                <a:noFill/>
-              </a:ln>
+              <a:ln w="28575"/>
             </p:spPr>
             <p:style>
               <a:lnRef idx="2">
@@ -4289,21 +3725,13 @@
                     </m:oMathParaPr>
                     <m:oMath xmlns:m="http://schemas.openxmlformats.org/officeDocument/2006/math">
                       <m:r>
-                        <a:rPr lang="de-DE" b="0" i="1" smtClean="0">
-                          <a:latin typeface="Cambria Math" panose="02040503050406030204" pitchFamily="18" charset="0"/>
-                          <a:ea typeface="CMU Serif" panose="02000603000000000000" pitchFamily="2" charset="0"/>
-                          <a:cs typeface="CMU Serif" panose="02000603000000000000" pitchFamily="2" charset="0"/>
-                        </a:rPr>
+                        <a:rPr lang="de-DE"/>
                         <m:t>⋮</m:t>
                       </m:r>
                     </m:oMath>
                   </m:oMathPara>
                 </a14:m>
-                <a:endParaRPr lang="de-DE" dirty="0">
-                  <a:latin typeface="CMU Serif" panose="02000603000000000000" pitchFamily="2" charset="0"/>
-                  <a:ea typeface="CMU Serif" panose="02000603000000000000" pitchFamily="2" charset="0"/>
-                  <a:cs typeface="CMU Serif" panose="02000603000000000000" pitchFamily="2" charset="0"/>
-                </a:endParaRPr>
+                <a:endParaRPr lang="de-DE" dirty="0"/>
               </a:p>
             </p:txBody>
           </p:sp>
@@ -4325,21 +3753,19 @@
             </p:nvSpPr>
             <p:spPr>
               <a:xfrm>
-                <a:off x="6567638" y="2986840"/>
-                <a:ext cx="1078030" cy="540000"/>
+                <a:off x="6238844" y="2897646"/>
+                <a:ext cx="1078030" cy="643026"/>
               </a:xfrm>
               <a:prstGeom prst="rect">
                 <a:avLst/>
               </a:prstGeom>
               <a:blipFill>
-                <a:blip r:embed="rId9"/>
+                <a:blip r:embed="rId5"/>
                 <a:stretch>
                   <a:fillRect/>
                 </a:stretch>
               </a:blipFill>
-              <a:ln w="28575">
-                <a:noFill/>
-              </a:ln>
+              <a:ln w="28575"/>
             </p:spPr>
             <p:txBody>
               <a:bodyPr/>
@@ -4372,8 +3798,8 @@
             </p:nvSpPr>
             <p:spPr>
               <a:xfrm flipH="1">
-                <a:off x="4110687" y="2311519"/>
-                <a:ext cx="2174610" cy="993300"/>
+                <a:off x="4550551" y="1943067"/>
+                <a:ext cx="1592996" cy="1909156"/>
               </a:xfrm>
               <a:prstGeom prst="leftArrow">
                 <a:avLst/>
@@ -4512,10 +3938,591 @@
             </p:nvSpPr>
             <p:spPr>
               <a:xfrm flipH="1">
-                <a:off x="4110687" y="2311519"/>
-                <a:ext cx="2174610" cy="993300"/>
+                <a:off x="4550551" y="1943067"/>
+                <a:ext cx="1592996" cy="1909156"/>
               </a:xfrm>
               <a:prstGeom prst="leftArrow">
+                <a:avLst/>
+              </a:prstGeom>
+              <a:blipFill>
+                <a:blip r:embed="rId6"/>
+                <a:stretch>
+                  <a:fillRect/>
+                </a:stretch>
+              </a:blipFill>
+            </p:spPr>
+            <p:txBody>
+              <a:bodyPr/>
+              <a:lstStyle/>
+              <a:p>
+                <a:r>
+                  <a:rPr lang="de-DE">
+                    <a:noFill/>
+                  </a:rPr>
+                  <a:t> </a:t>
+                </a:r>
+              </a:p>
+            </p:txBody>
+          </p:sp>
+        </mc:Fallback>
+      </mc:AlternateContent>
+      <mc:AlternateContent xmlns:mc="http://schemas.openxmlformats.org/markup-compatibility/2006">
+        <mc:Choice xmlns:a14="http://schemas.microsoft.com/office/drawing/2010/main" Requires="a14">
+          <p:sp>
+            <p:nvSpPr>
+              <p:cNvPr id="14" name="Rectangle 13">
+                <a:extLst>
+                  <a:ext uri="{FF2B5EF4-FFF2-40B4-BE49-F238E27FC236}">
+                    <a16:creationId xmlns:a16="http://schemas.microsoft.com/office/drawing/2014/main" id="{8A7D6663-CA0D-4522-9AD1-BDD5AFFEC0FE}"/>
+                  </a:ext>
+                </a:extLst>
+              </p:cNvPr>
+              <p:cNvSpPr/>
+              <p:nvPr/>
+            </p:nvSpPr>
+            <p:spPr>
+              <a:xfrm>
+                <a:off x="2265121" y="1523393"/>
+                <a:ext cx="1078030" cy="720000"/>
+              </a:xfrm>
+              <a:prstGeom prst="rect">
+                <a:avLst/>
+              </a:prstGeom>
+              <a:ln w="28575"/>
+            </p:spPr>
+            <p:style>
+              <a:lnRef idx="2">
+                <a:schemeClr val="dk1"/>
+              </a:lnRef>
+              <a:fillRef idx="1">
+                <a:schemeClr val="lt1"/>
+              </a:fillRef>
+              <a:effectRef idx="0">
+                <a:schemeClr val="dk1"/>
+              </a:effectRef>
+              <a:fontRef idx="minor">
+                <a:schemeClr val="dk1"/>
+              </a:fontRef>
+            </p:style>
+            <p:txBody>
+              <a:bodyPr rtlCol="0" anchor="ctr"/>
+              <a:lstStyle/>
+              <a:p>
+                <a:pPr algn="ctr"/>
+                <a:r>
+                  <a:rPr lang="de-DE" dirty="0">
+                    <a:latin typeface="CMU Serif" panose="02000603000000000000" pitchFamily="2" charset="0"/>
+                    <a:ea typeface="CMU Serif" panose="02000603000000000000" pitchFamily="2" charset="0"/>
+                    <a:cs typeface="CMU Serif" panose="02000603000000000000" pitchFamily="2" charset="0"/>
+                  </a:rPr>
+                  <a:t>Class 1</a:t>
+                </a:r>
+              </a:p>
+              <a:p>
+                <a:pPr algn="ctr"/>
+                <a14:m>
+                  <m:oMathPara xmlns:m="http://schemas.openxmlformats.org/officeDocument/2006/math">
+                    <m:oMathParaPr>
+                      <m:jc m:val="centerGroup"/>
+                    </m:oMathParaPr>
+                    <m:oMath xmlns:m="http://schemas.openxmlformats.org/officeDocument/2006/math">
+                      <m:sSub>
+                        <m:sSubPr>
+                          <m:ctrlPr>
+                            <a:rPr lang="de-DE" sz="1200" i="1" smtClean="0">
+                              <a:latin typeface="Cambria Math" panose="02040503050406030204" pitchFamily="18" charset="0"/>
+                              <a:ea typeface="CMU Serif" panose="02000603000000000000" pitchFamily="2" charset="0"/>
+                              <a:cs typeface="CMU Serif" panose="02000603000000000000" pitchFamily="2" charset="0"/>
+                            </a:rPr>
+                          </m:ctrlPr>
+                        </m:sSubPr>
+                        <m:e>
+                          <m:r>
+                            <a:rPr lang="de-DE" sz="1200" b="0" i="1" smtClean="0">
+                              <a:latin typeface="Cambria Math" panose="02040503050406030204" pitchFamily="18" charset="0"/>
+                              <a:ea typeface="CMU Serif" panose="02000603000000000000" pitchFamily="2" charset="0"/>
+                              <a:cs typeface="CMU Serif" panose="02000603000000000000" pitchFamily="2" charset="0"/>
+                            </a:rPr>
+                            <m:t>𝑁</m:t>
+                          </m:r>
+                        </m:e>
+                        <m:sub>
+                          <m:r>
+                            <a:rPr lang="de-DE" sz="1200" b="0" i="1" smtClean="0">
+                              <a:latin typeface="Cambria Math" panose="02040503050406030204" pitchFamily="18" charset="0"/>
+                              <a:ea typeface="CMU Serif" panose="02000603000000000000" pitchFamily="2" charset="0"/>
+                              <a:cs typeface="CMU Serif" panose="02000603000000000000" pitchFamily="2" charset="0"/>
+                            </a:rPr>
+                            <m:t>1</m:t>
+                          </m:r>
+                        </m:sub>
+                      </m:sSub>
+                      <m:r>
+                        <a:rPr lang="de-DE" sz="1200" b="0" i="1" smtClean="0">
+                          <a:latin typeface="Cambria Math" panose="02040503050406030204" pitchFamily="18" charset="0"/>
+                          <a:ea typeface="CMU Serif" panose="02000603000000000000" pitchFamily="2" charset="0"/>
+                          <a:cs typeface="CMU Serif" panose="02000603000000000000" pitchFamily="2" charset="0"/>
+                        </a:rPr>
+                        <m:t>=15</m:t>
+                      </m:r>
+                    </m:oMath>
+                  </m:oMathPara>
+                </a14:m>
+                <a:endParaRPr lang="de-DE" dirty="0">
+                  <a:latin typeface="CMU Serif" panose="02000603000000000000" pitchFamily="2" charset="0"/>
+                  <a:ea typeface="CMU Serif" panose="02000603000000000000" pitchFamily="2" charset="0"/>
+                  <a:cs typeface="CMU Serif" panose="02000603000000000000" pitchFamily="2" charset="0"/>
+                </a:endParaRPr>
+              </a:p>
+            </p:txBody>
+          </p:sp>
+        </mc:Choice>
+        <mc:Fallback>
+          <p:sp>
+            <p:nvSpPr>
+              <p:cNvPr id="14" name="Rectangle 13">
+                <a:extLst>
+                  <a:ext uri="{FF2B5EF4-FFF2-40B4-BE49-F238E27FC236}">
+                    <a16:creationId xmlns:a16="http://schemas.microsoft.com/office/drawing/2014/main" id="{8A7D6663-CA0D-4522-9AD1-BDD5AFFEC0FE}"/>
+                  </a:ext>
+                </a:extLst>
+              </p:cNvPr>
+              <p:cNvSpPr>
+                <a:spLocks noRot="1" noChangeAspect="1" noMove="1" noResize="1" noEditPoints="1" noAdjustHandles="1" noChangeArrowheads="1" noChangeShapeType="1" noTextEdit="1"/>
+              </p:cNvSpPr>
+              <p:nvPr/>
+            </p:nvSpPr>
+            <p:spPr>
+              <a:xfrm>
+                <a:off x="2265121" y="1523393"/>
+                <a:ext cx="1078030" cy="720000"/>
+              </a:xfrm>
+              <a:prstGeom prst="rect">
+                <a:avLst/>
+              </a:prstGeom>
+              <a:blipFill>
+                <a:blip r:embed="rId7"/>
+                <a:stretch>
+                  <a:fillRect/>
+                </a:stretch>
+              </a:blipFill>
+              <a:ln w="28575"/>
+            </p:spPr>
+            <p:txBody>
+              <a:bodyPr/>
+              <a:lstStyle/>
+              <a:p>
+                <a:r>
+                  <a:rPr lang="de-DE">
+                    <a:noFill/>
+                  </a:rPr>
+                  <a:t> </a:t>
+                </a:r>
+              </a:p>
+            </p:txBody>
+          </p:sp>
+        </mc:Fallback>
+      </mc:AlternateContent>
+      <mc:AlternateContent xmlns:mc="http://schemas.openxmlformats.org/markup-compatibility/2006">
+        <mc:Choice xmlns:a14="http://schemas.microsoft.com/office/drawing/2010/main" Requires="a14">
+          <p:sp>
+            <p:nvSpPr>
+              <p:cNvPr id="15" name="Rectangle 14">
+                <a:extLst>
+                  <a:ext uri="{FF2B5EF4-FFF2-40B4-BE49-F238E27FC236}">
+                    <a16:creationId xmlns:a16="http://schemas.microsoft.com/office/drawing/2014/main" id="{E04D01F0-F770-4038-8A7D-EC8094C813EF}"/>
+                  </a:ext>
+                </a:extLst>
+              </p:cNvPr>
+              <p:cNvSpPr/>
+              <p:nvPr/>
+            </p:nvSpPr>
+            <p:spPr>
+              <a:xfrm>
+                <a:off x="2265121" y="2346419"/>
+                <a:ext cx="1078030" cy="540000"/>
+              </a:xfrm>
+              <a:prstGeom prst="rect">
+                <a:avLst/>
+              </a:prstGeom>
+              <a:ln w="28575"/>
+            </p:spPr>
+            <p:style>
+              <a:lnRef idx="2">
+                <a:schemeClr val="dk1"/>
+              </a:lnRef>
+              <a:fillRef idx="1">
+                <a:schemeClr val="lt1"/>
+              </a:fillRef>
+              <a:effectRef idx="0">
+                <a:schemeClr val="dk1"/>
+              </a:effectRef>
+              <a:fontRef idx="minor">
+                <a:schemeClr val="dk1"/>
+              </a:fontRef>
+            </p:style>
+            <p:txBody>
+              <a:bodyPr rtlCol="0" anchor="ctr"/>
+              <a:lstStyle/>
+              <a:p>
+                <a:pPr algn="ctr"/>
+                <a:r>
+                  <a:rPr lang="de-DE" dirty="0">
+                    <a:latin typeface="CMU Serif" panose="02000603000000000000" pitchFamily="2" charset="0"/>
+                    <a:ea typeface="CMU Serif" panose="02000603000000000000" pitchFamily="2" charset="0"/>
+                    <a:cs typeface="CMU Serif" panose="02000603000000000000" pitchFamily="2" charset="0"/>
+                  </a:rPr>
+                  <a:t>Class 2</a:t>
+                </a:r>
+              </a:p>
+              <a:p>
+                <a:pPr algn="ctr"/>
+                <a14:m>
+                  <m:oMathPara xmlns:m="http://schemas.openxmlformats.org/officeDocument/2006/math">
+                    <m:oMathParaPr>
+                      <m:jc m:val="centerGroup"/>
+                    </m:oMathParaPr>
+                    <m:oMath xmlns:m="http://schemas.openxmlformats.org/officeDocument/2006/math">
+                      <m:sSub>
+                        <m:sSubPr>
+                          <m:ctrlPr>
+                            <a:rPr lang="de-DE" sz="1200" i="1" smtClean="0">
+                              <a:latin typeface="Cambria Math" panose="02040503050406030204" pitchFamily="18" charset="0"/>
+                              <a:ea typeface="CMU Serif" panose="02000603000000000000" pitchFamily="2" charset="0"/>
+                              <a:cs typeface="CMU Serif" panose="02000603000000000000" pitchFamily="2" charset="0"/>
+                            </a:rPr>
+                          </m:ctrlPr>
+                        </m:sSubPr>
+                        <m:e>
+                          <m:r>
+                            <a:rPr lang="de-DE" sz="1200" b="0" i="1" smtClean="0">
+                              <a:latin typeface="Cambria Math" panose="02040503050406030204" pitchFamily="18" charset="0"/>
+                              <a:ea typeface="CMU Serif" panose="02000603000000000000" pitchFamily="2" charset="0"/>
+                              <a:cs typeface="CMU Serif" panose="02000603000000000000" pitchFamily="2" charset="0"/>
+                            </a:rPr>
+                            <m:t>𝑁</m:t>
+                          </m:r>
+                        </m:e>
+                        <m:sub>
+                          <m:r>
+                            <a:rPr lang="de-DE" sz="1200" b="0" i="1" smtClean="0">
+                              <a:latin typeface="Cambria Math" panose="02040503050406030204" pitchFamily="18" charset="0"/>
+                              <a:ea typeface="CMU Serif" panose="02000603000000000000" pitchFamily="2" charset="0"/>
+                              <a:cs typeface="CMU Serif" panose="02000603000000000000" pitchFamily="2" charset="0"/>
+                            </a:rPr>
+                            <m:t>2</m:t>
+                          </m:r>
+                        </m:sub>
+                      </m:sSub>
+                      <m:r>
+                        <a:rPr lang="de-DE" sz="1200" b="0" i="1" smtClean="0">
+                          <a:latin typeface="Cambria Math" panose="02040503050406030204" pitchFamily="18" charset="0"/>
+                          <a:ea typeface="CMU Serif" panose="02000603000000000000" pitchFamily="2" charset="0"/>
+                          <a:cs typeface="CMU Serif" panose="02000603000000000000" pitchFamily="2" charset="0"/>
+                        </a:rPr>
+                        <m:t>=10</m:t>
+                      </m:r>
+                    </m:oMath>
+                  </m:oMathPara>
+                </a14:m>
+                <a:endParaRPr lang="de-DE" dirty="0">
+                  <a:latin typeface="CMU Serif" panose="02000603000000000000" pitchFamily="2" charset="0"/>
+                  <a:ea typeface="CMU Serif" panose="02000603000000000000" pitchFamily="2" charset="0"/>
+                  <a:cs typeface="CMU Serif" panose="02000603000000000000" pitchFamily="2" charset="0"/>
+                </a:endParaRPr>
+              </a:p>
+            </p:txBody>
+          </p:sp>
+        </mc:Choice>
+        <mc:Fallback>
+          <p:sp>
+            <p:nvSpPr>
+              <p:cNvPr id="15" name="Rectangle 14">
+                <a:extLst>
+                  <a:ext uri="{FF2B5EF4-FFF2-40B4-BE49-F238E27FC236}">
+                    <a16:creationId xmlns:a16="http://schemas.microsoft.com/office/drawing/2014/main" id="{E04D01F0-F770-4038-8A7D-EC8094C813EF}"/>
+                  </a:ext>
+                </a:extLst>
+              </p:cNvPr>
+              <p:cNvSpPr>
+                <a:spLocks noRot="1" noChangeAspect="1" noMove="1" noResize="1" noEditPoints="1" noAdjustHandles="1" noChangeArrowheads="1" noChangeShapeType="1" noTextEdit="1"/>
+              </p:cNvSpPr>
+              <p:nvPr/>
+            </p:nvSpPr>
+            <p:spPr>
+              <a:xfrm>
+                <a:off x="2265121" y="2346419"/>
+                <a:ext cx="1078030" cy="540000"/>
+              </a:xfrm>
+              <a:prstGeom prst="rect">
+                <a:avLst/>
+              </a:prstGeom>
+              <a:blipFill>
+                <a:blip r:embed="rId8"/>
+                <a:stretch>
+                  <a:fillRect t="-4301"/>
+                </a:stretch>
+              </a:blipFill>
+              <a:ln w="28575"/>
+            </p:spPr>
+            <p:txBody>
+              <a:bodyPr/>
+              <a:lstStyle/>
+              <a:p>
+                <a:r>
+                  <a:rPr lang="de-DE">
+                    <a:noFill/>
+                  </a:rPr>
+                  <a:t> </a:t>
+                </a:r>
+              </a:p>
+            </p:txBody>
+          </p:sp>
+        </mc:Fallback>
+      </mc:AlternateContent>
+      <mc:AlternateContent xmlns:mc="http://schemas.openxmlformats.org/markup-compatibility/2006">
+        <mc:Choice xmlns:a14="http://schemas.microsoft.com/office/drawing/2010/main" Requires="a14">
+          <p:sp>
+            <p:nvSpPr>
+              <p:cNvPr id="16" name="Rectangle 15">
+                <a:extLst>
+                  <a:ext uri="{FF2B5EF4-FFF2-40B4-BE49-F238E27FC236}">
+                    <a16:creationId xmlns:a16="http://schemas.microsoft.com/office/drawing/2014/main" id="{9795CF4A-E4D6-4C6B-8916-6BF4EBE59E27}"/>
+                  </a:ext>
+                </a:extLst>
+              </p:cNvPr>
+              <p:cNvSpPr/>
+              <p:nvPr/>
+            </p:nvSpPr>
+            <p:spPr>
+              <a:xfrm>
+                <a:off x="2265121" y="3632471"/>
+                <a:ext cx="1078030" cy="768692"/>
+              </a:xfrm>
+              <a:prstGeom prst="rect">
+                <a:avLst/>
+              </a:prstGeom>
+              <a:ln w="28575"/>
+            </p:spPr>
+            <p:style>
+              <a:lnRef idx="2">
+                <a:schemeClr val="dk1"/>
+              </a:lnRef>
+              <a:fillRef idx="1">
+                <a:schemeClr val="lt1"/>
+              </a:fillRef>
+              <a:effectRef idx="0">
+                <a:schemeClr val="dk1"/>
+              </a:effectRef>
+              <a:fontRef idx="minor">
+                <a:schemeClr val="dk1"/>
+              </a:fontRef>
+            </p:style>
+            <p:txBody>
+              <a:bodyPr rtlCol="0" anchor="ctr"/>
+              <a:lstStyle/>
+              <a:p>
+                <a:pPr algn="ctr"/>
+                <a:r>
+                  <a:rPr lang="de-DE" dirty="0">
+                    <a:latin typeface="CMU Serif" panose="02000603000000000000" pitchFamily="2" charset="0"/>
+                    <a:ea typeface="CMU Serif" panose="02000603000000000000" pitchFamily="2" charset="0"/>
+                    <a:cs typeface="CMU Serif" panose="02000603000000000000" pitchFamily="2" charset="0"/>
+                  </a:rPr>
+                  <a:t>Class G</a:t>
+                </a:r>
+              </a:p>
+              <a:p>
+                <a:pPr algn="ctr"/>
+                <a14:m>
+                  <m:oMathPara xmlns:m="http://schemas.openxmlformats.org/officeDocument/2006/math">
+                    <m:oMathParaPr>
+                      <m:jc m:val="centerGroup"/>
+                    </m:oMathParaPr>
+                    <m:oMath xmlns:m="http://schemas.openxmlformats.org/officeDocument/2006/math">
+                      <m:sSub>
+                        <m:sSubPr>
+                          <m:ctrlPr>
+                            <a:rPr lang="de-DE" sz="1200" i="1" smtClean="0">
+                              <a:latin typeface="Cambria Math" panose="02040503050406030204" pitchFamily="18" charset="0"/>
+                              <a:ea typeface="CMU Serif" panose="02000603000000000000" pitchFamily="2" charset="0"/>
+                              <a:cs typeface="CMU Serif" panose="02000603000000000000" pitchFamily="2" charset="0"/>
+                            </a:rPr>
+                          </m:ctrlPr>
+                        </m:sSubPr>
+                        <m:e>
+                          <m:r>
+                            <a:rPr lang="de-DE" sz="1200" b="0" i="1" smtClean="0">
+                              <a:latin typeface="Cambria Math" panose="02040503050406030204" pitchFamily="18" charset="0"/>
+                              <a:ea typeface="CMU Serif" panose="02000603000000000000" pitchFamily="2" charset="0"/>
+                              <a:cs typeface="CMU Serif" panose="02000603000000000000" pitchFamily="2" charset="0"/>
+                            </a:rPr>
+                            <m:t>𝑁</m:t>
+                          </m:r>
+                        </m:e>
+                        <m:sub>
+                          <m:r>
+                            <a:rPr lang="de-DE" sz="1200" b="0" i="1" smtClean="0">
+                              <a:latin typeface="Cambria Math" panose="02040503050406030204" pitchFamily="18" charset="0"/>
+                              <a:ea typeface="CMU Serif" panose="02000603000000000000" pitchFamily="2" charset="0"/>
+                              <a:cs typeface="CMU Serif" panose="02000603000000000000" pitchFamily="2" charset="0"/>
+                            </a:rPr>
+                            <m:t>𝐺</m:t>
+                          </m:r>
+                        </m:sub>
+                      </m:sSub>
+                      <m:r>
+                        <a:rPr lang="de-DE" sz="1200" b="0" i="1" smtClean="0">
+                          <a:latin typeface="Cambria Math" panose="02040503050406030204" pitchFamily="18" charset="0"/>
+                          <a:ea typeface="CMU Serif" panose="02000603000000000000" pitchFamily="2" charset="0"/>
+                          <a:cs typeface="CMU Serif" panose="02000603000000000000" pitchFamily="2" charset="0"/>
+                        </a:rPr>
+                        <m:t>=20</m:t>
+                      </m:r>
+                    </m:oMath>
+                  </m:oMathPara>
+                </a14:m>
+                <a:endParaRPr lang="de-DE" dirty="0">
+                  <a:latin typeface="CMU Serif" panose="02000603000000000000" pitchFamily="2" charset="0"/>
+                  <a:ea typeface="CMU Serif" panose="02000603000000000000" pitchFamily="2" charset="0"/>
+                  <a:cs typeface="CMU Serif" panose="02000603000000000000" pitchFamily="2" charset="0"/>
+                </a:endParaRPr>
+              </a:p>
+            </p:txBody>
+          </p:sp>
+        </mc:Choice>
+        <mc:Fallback>
+          <p:sp>
+            <p:nvSpPr>
+              <p:cNvPr id="16" name="Rectangle 15">
+                <a:extLst>
+                  <a:ext uri="{FF2B5EF4-FFF2-40B4-BE49-F238E27FC236}">
+                    <a16:creationId xmlns:a16="http://schemas.microsoft.com/office/drawing/2014/main" id="{9795CF4A-E4D6-4C6B-8916-6BF4EBE59E27}"/>
+                  </a:ext>
+                </a:extLst>
+              </p:cNvPr>
+              <p:cNvSpPr>
+                <a:spLocks noRot="1" noChangeAspect="1" noMove="1" noResize="1" noEditPoints="1" noAdjustHandles="1" noChangeArrowheads="1" noChangeShapeType="1" noTextEdit="1"/>
+              </p:cNvSpPr>
+              <p:nvPr/>
+            </p:nvSpPr>
+            <p:spPr>
+              <a:xfrm>
+                <a:off x="2265121" y="3632471"/>
+                <a:ext cx="1078030" cy="768692"/>
+              </a:xfrm>
+              <a:prstGeom prst="rect">
+                <a:avLst/>
+              </a:prstGeom>
+              <a:blipFill>
+                <a:blip r:embed="rId9"/>
+                <a:stretch>
+                  <a:fillRect/>
+                </a:stretch>
+              </a:blipFill>
+              <a:ln w="28575"/>
+            </p:spPr>
+            <p:txBody>
+              <a:bodyPr/>
+              <a:lstStyle/>
+              <a:p>
+                <a:r>
+                  <a:rPr lang="de-DE">
+                    <a:noFill/>
+                  </a:rPr>
+                  <a:t> </a:t>
+                </a:r>
+              </a:p>
+            </p:txBody>
+          </p:sp>
+        </mc:Fallback>
+      </mc:AlternateContent>
+      <mc:AlternateContent xmlns:mc="http://schemas.openxmlformats.org/markup-compatibility/2006">
+        <mc:Choice xmlns:a14="http://schemas.microsoft.com/office/drawing/2010/main" Requires="a14">
+          <p:sp>
+            <p:nvSpPr>
+              <p:cNvPr id="17" name="Rectangle 16">
+                <a:extLst>
+                  <a:ext uri="{FF2B5EF4-FFF2-40B4-BE49-F238E27FC236}">
+                    <a16:creationId xmlns:a16="http://schemas.microsoft.com/office/drawing/2014/main" id="{F0DD9C5B-2497-4B38-A41E-A1814CE12DAE}"/>
+                  </a:ext>
+                </a:extLst>
+              </p:cNvPr>
+              <p:cNvSpPr/>
+              <p:nvPr/>
+            </p:nvSpPr>
+            <p:spPr>
+              <a:xfrm>
+                <a:off x="2258447" y="2986839"/>
+                <a:ext cx="1078030" cy="540000"/>
+              </a:xfrm>
+              <a:prstGeom prst="rect">
+                <a:avLst/>
+              </a:prstGeom>
+              <a:ln w="28575"/>
+            </p:spPr>
+            <p:style>
+              <a:lnRef idx="2">
+                <a:schemeClr val="dk1"/>
+              </a:lnRef>
+              <a:fillRef idx="1">
+                <a:schemeClr val="lt1"/>
+              </a:fillRef>
+              <a:effectRef idx="0">
+                <a:schemeClr val="dk1"/>
+              </a:effectRef>
+              <a:fontRef idx="minor">
+                <a:schemeClr val="dk1"/>
+              </a:fontRef>
+            </p:style>
+            <p:txBody>
+              <a:bodyPr rtlCol="0" anchor="ctr"/>
+              <a:lstStyle/>
+              <a:p>
+                <a:pPr algn="ctr"/>
+                <a14:m>
+                  <m:oMathPara xmlns:m="http://schemas.openxmlformats.org/officeDocument/2006/math">
+                    <m:oMathParaPr>
+                      <m:jc m:val="center"/>
+                    </m:oMathParaPr>
+                    <m:oMath xmlns:m="http://schemas.openxmlformats.org/officeDocument/2006/math">
+                      <m:r>
+                        <a:rPr lang="de-DE"/>
+                        <m:t>⋮</m:t>
+                      </m:r>
+                    </m:oMath>
+                  </m:oMathPara>
+                </a14:m>
+                <a:endParaRPr lang="de-DE" dirty="0">
+                  <a:latin typeface="CMU Serif" panose="02000603000000000000" pitchFamily="2" charset="0"/>
+                  <a:ea typeface="CMU Serif" panose="02000603000000000000" pitchFamily="2" charset="0"/>
+                  <a:cs typeface="CMU Serif" panose="02000603000000000000" pitchFamily="2" charset="0"/>
+                </a:endParaRPr>
+              </a:p>
+            </p:txBody>
+          </p:sp>
+        </mc:Choice>
+        <mc:Fallback>
+          <p:sp>
+            <p:nvSpPr>
+              <p:cNvPr id="17" name="Rectangle 16">
+                <a:extLst>
+                  <a:ext uri="{FF2B5EF4-FFF2-40B4-BE49-F238E27FC236}">
+                    <a16:creationId xmlns:a16="http://schemas.microsoft.com/office/drawing/2014/main" id="{F0DD9C5B-2497-4B38-A41E-A1814CE12DAE}"/>
+                  </a:ext>
+                </a:extLst>
+              </p:cNvPr>
+              <p:cNvSpPr>
+                <a:spLocks noRot="1" noChangeAspect="1" noMove="1" noResize="1" noEditPoints="1" noAdjustHandles="1" noChangeArrowheads="1" noChangeShapeType="1" noTextEdit="1"/>
+              </p:cNvSpPr>
+              <p:nvPr/>
+            </p:nvSpPr>
+            <p:spPr>
+              <a:xfrm>
+                <a:off x="2258447" y="2986839"/>
+                <a:ext cx="1078030" cy="540000"/>
+              </a:xfrm>
+              <a:prstGeom prst="rect">
                 <a:avLst/>
               </a:prstGeom>
               <a:blipFill>
@@ -4524,6 +4531,1425 @@
                   <a:fillRect/>
                 </a:stretch>
               </a:blipFill>
+              <a:ln w="28575"/>
+            </p:spPr>
+            <p:txBody>
+              <a:bodyPr/>
+              <a:lstStyle/>
+              <a:p>
+                <a:r>
+                  <a:rPr lang="de-DE">
+                    <a:noFill/>
+                  </a:rPr>
+                  <a:t> </a:t>
+                </a:r>
+              </a:p>
+            </p:txBody>
+          </p:sp>
+        </mc:Fallback>
+      </mc:AlternateContent>
+      <mc:AlternateContent xmlns:mc="http://schemas.openxmlformats.org/markup-compatibility/2006">
+        <mc:Choice xmlns:a14="http://schemas.microsoft.com/office/drawing/2010/main" Requires="a14">
+          <p:sp>
+            <p:nvSpPr>
+              <p:cNvPr id="18" name="Rectangle 17">
+                <a:extLst>
+                  <a:ext uri="{FF2B5EF4-FFF2-40B4-BE49-F238E27FC236}">
+                    <a16:creationId xmlns:a16="http://schemas.microsoft.com/office/drawing/2014/main" id="{08D3328F-49D7-4421-8C3B-6C35E0B30E7D}"/>
+                  </a:ext>
+                </a:extLst>
+              </p:cNvPr>
+              <p:cNvSpPr/>
+              <p:nvPr/>
+            </p:nvSpPr>
+            <p:spPr>
+              <a:xfrm>
+                <a:off x="3343151" y="1523393"/>
+                <a:ext cx="1087654" cy="720000"/>
+              </a:xfrm>
+              <a:prstGeom prst="rect">
+                <a:avLst/>
+              </a:prstGeom>
+              <a:ln w="28575"/>
+            </p:spPr>
+            <p:style>
+              <a:lnRef idx="2">
+                <a:schemeClr val="dk1"/>
+              </a:lnRef>
+              <a:fillRef idx="1">
+                <a:schemeClr val="lt1"/>
+              </a:fillRef>
+              <a:effectRef idx="0">
+                <a:schemeClr val="dk1"/>
+              </a:effectRef>
+              <a:fontRef idx="minor">
+                <a:schemeClr val="dk1"/>
+              </a:fontRef>
+            </p:style>
+            <p:txBody>
+              <a:bodyPr rtlCol="0" anchor="ctr"/>
+              <a:lstStyle/>
+              <a:p>
+                <a:pPr algn="ctr"/>
+                <a14:m>
+                  <m:oMathPara xmlns:m="http://schemas.openxmlformats.org/officeDocument/2006/math">
+                    <m:oMathParaPr>
+                      <m:jc m:val="centerGroup"/>
+                    </m:oMathParaPr>
+                    <m:oMath xmlns:m="http://schemas.openxmlformats.org/officeDocument/2006/math">
+                      <m:sSub>
+                        <m:sSubPr>
+                          <m:ctrlPr>
+                            <a:rPr lang="de-DE" i="1" smtClean="0">
+                              <a:latin typeface="Cambria Math" panose="02040503050406030204" pitchFamily="18" charset="0"/>
+                              <a:ea typeface="CMU Serif" panose="02000603000000000000" pitchFamily="2" charset="0"/>
+                              <a:cs typeface="CMU Serif" panose="02000603000000000000" pitchFamily="2" charset="0"/>
+                            </a:rPr>
+                          </m:ctrlPr>
+                        </m:sSubPr>
+                        <m:e>
+                          <m:r>
+                            <a:rPr lang="de-DE" b="1" i="1" smtClean="0">
+                              <a:latin typeface="Cambria Math" panose="02040503050406030204" pitchFamily="18" charset="0"/>
+                              <a:ea typeface="CMU Serif" panose="02000603000000000000" pitchFamily="2" charset="0"/>
+                              <a:cs typeface="CMU Serif" panose="02000603000000000000" pitchFamily="2" charset="0"/>
+                            </a:rPr>
+                            <m:t>(</m:t>
+                          </m:r>
+                          <m:sSub>
+                            <m:sSubPr>
+                              <m:ctrlPr>
+                                <a:rPr lang="de-DE" b="1" i="1" smtClean="0">
+                                  <a:latin typeface="Cambria Math" panose="02040503050406030204" pitchFamily="18" charset="0"/>
+                                  <a:ea typeface="CMU Serif" panose="02000603000000000000" pitchFamily="2" charset="0"/>
+                                  <a:cs typeface="CMU Serif" panose="02000603000000000000" pitchFamily="2" charset="0"/>
+                                </a:rPr>
+                              </m:ctrlPr>
+                            </m:sSubPr>
+                            <m:e>
+                              <m:r>
+                                <a:rPr lang="de-DE" b="1" i="1" smtClean="0">
+                                  <a:latin typeface="Cambria Math" panose="02040503050406030204" pitchFamily="18" charset="0"/>
+                                  <a:ea typeface="CMU Serif" panose="02000603000000000000" pitchFamily="2" charset="0"/>
+                                  <a:cs typeface="CMU Serif" panose="02000603000000000000" pitchFamily="2" charset="0"/>
+                                </a:rPr>
+                                <m:t>𝒚</m:t>
+                              </m:r>
+                            </m:e>
+                            <m:sub>
+                              <m:r>
+                                <a:rPr lang="de-DE" b="1" i="1" smtClean="0">
+                                  <a:latin typeface="Cambria Math" panose="02040503050406030204" pitchFamily="18" charset="0"/>
+                                  <a:ea typeface="CMU Serif" panose="02000603000000000000" pitchFamily="2" charset="0"/>
+                                  <a:cs typeface="CMU Serif" panose="02000603000000000000" pitchFamily="2" charset="0"/>
+                                </a:rPr>
+                                <m:t>𝟏</m:t>
+                              </m:r>
+                            </m:sub>
+                          </m:sSub>
+                          <m:r>
+                            <a:rPr lang="de-DE" b="1" i="1" smtClean="0">
+                              <a:latin typeface="Cambria Math" panose="02040503050406030204" pitchFamily="18" charset="0"/>
+                              <a:ea typeface="CMU Serif" panose="02000603000000000000" pitchFamily="2" charset="0"/>
+                              <a:cs typeface="CMU Serif" panose="02000603000000000000" pitchFamily="2" charset="0"/>
+                            </a:rPr>
+                            <m:t>,</m:t>
+                          </m:r>
+                          <m:r>
+                            <a:rPr lang="de-DE" b="1" i="1" smtClean="0">
+                              <a:latin typeface="Cambria Math" panose="02040503050406030204" pitchFamily="18" charset="0"/>
+                              <a:ea typeface="CMU Serif" panose="02000603000000000000" pitchFamily="2" charset="0"/>
+                              <a:cs typeface="CMU Serif" panose="02000603000000000000" pitchFamily="2" charset="0"/>
+                            </a:rPr>
+                            <m:t>𝑿</m:t>
+                          </m:r>
+                        </m:e>
+                        <m:sub>
+                          <m:r>
+                            <a:rPr lang="de-DE" i="1">
+                              <a:latin typeface="Cambria Math" panose="02040503050406030204" pitchFamily="18" charset="0"/>
+                              <a:ea typeface="CMU Serif" panose="02000603000000000000" pitchFamily="2" charset="0"/>
+                              <a:cs typeface="CMU Serif" panose="02000603000000000000" pitchFamily="2" charset="0"/>
+                            </a:rPr>
+                            <m:t>1</m:t>
+                          </m:r>
+                        </m:sub>
+                      </m:sSub>
+                      <m:r>
+                        <a:rPr lang="de-DE" b="0" i="1" smtClean="0">
+                          <a:latin typeface="Cambria Math" panose="02040503050406030204" pitchFamily="18" charset="0"/>
+                          <a:ea typeface="CMU Serif" panose="02000603000000000000" pitchFamily="2" charset="0"/>
+                          <a:cs typeface="CMU Serif" panose="02000603000000000000" pitchFamily="2" charset="0"/>
+                        </a:rPr>
+                        <m:t>)</m:t>
+                      </m:r>
+                    </m:oMath>
+                  </m:oMathPara>
+                </a14:m>
+                <a:endParaRPr lang="de-DE" dirty="0">
+                  <a:latin typeface="CMU Serif" panose="02000603000000000000" pitchFamily="2" charset="0"/>
+                  <a:ea typeface="CMU Serif" panose="02000603000000000000" pitchFamily="2" charset="0"/>
+                  <a:cs typeface="CMU Serif" panose="02000603000000000000" pitchFamily="2" charset="0"/>
+                </a:endParaRPr>
+              </a:p>
+            </p:txBody>
+          </p:sp>
+        </mc:Choice>
+        <mc:Fallback>
+          <p:sp>
+            <p:nvSpPr>
+              <p:cNvPr id="18" name="Rectangle 17">
+                <a:extLst>
+                  <a:ext uri="{FF2B5EF4-FFF2-40B4-BE49-F238E27FC236}">
+                    <a16:creationId xmlns:a16="http://schemas.microsoft.com/office/drawing/2014/main" id="{08D3328F-49D7-4421-8C3B-6C35E0B30E7D}"/>
+                  </a:ext>
+                </a:extLst>
+              </p:cNvPr>
+              <p:cNvSpPr>
+                <a:spLocks noRot="1" noChangeAspect="1" noMove="1" noResize="1" noEditPoints="1" noAdjustHandles="1" noChangeArrowheads="1" noChangeShapeType="1" noTextEdit="1"/>
+              </p:cNvSpPr>
+              <p:nvPr/>
+            </p:nvSpPr>
+            <p:spPr>
+              <a:xfrm>
+                <a:off x="3343151" y="1523393"/>
+                <a:ext cx="1087654" cy="720000"/>
+              </a:xfrm>
+              <a:prstGeom prst="rect">
+                <a:avLst/>
+              </a:prstGeom>
+              <a:blipFill>
+                <a:blip r:embed="rId11"/>
+                <a:stretch>
+                  <a:fillRect/>
+                </a:stretch>
+              </a:blipFill>
+              <a:ln w="28575"/>
+            </p:spPr>
+            <p:txBody>
+              <a:bodyPr/>
+              <a:lstStyle/>
+              <a:p>
+                <a:r>
+                  <a:rPr lang="de-DE">
+                    <a:noFill/>
+                  </a:rPr>
+                  <a:t> </a:t>
+                </a:r>
+              </a:p>
+            </p:txBody>
+          </p:sp>
+        </mc:Fallback>
+      </mc:AlternateContent>
+      <mc:AlternateContent xmlns:mc="http://schemas.openxmlformats.org/markup-compatibility/2006">
+        <mc:Choice xmlns:a14="http://schemas.microsoft.com/office/drawing/2010/main" Requires="a14">
+          <p:sp>
+            <p:nvSpPr>
+              <p:cNvPr id="19" name="Rectangle 18">
+                <a:extLst>
+                  <a:ext uri="{FF2B5EF4-FFF2-40B4-BE49-F238E27FC236}">
+                    <a16:creationId xmlns:a16="http://schemas.microsoft.com/office/drawing/2014/main" id="{9576B4F8-9286-471A-A9D4-9C60B96BDD40}"/>
+                  </a:ext>
+                </a:extLst>
+              </p:cNvPr>
+              <p:cNvSpPr/>
+              <p:nvPr/>
+            </p:nvSpPr>
+            <p:spPr>
+              <a:xfrm>
+                <a:off x="3343151" y="2343814"/>
+                <a:ext cx="1087654" cy="542605"/>
+              </a:xfrm>
+              <a:prstGeom prst="rect">
+                <a:avLst/>
+              </a:prstGeom>
+              <a:ln w="28575"/>
+            </p:spPr>
+            <p:style>
+              <a:lnRef idx="2">
+                <a:schemeClr val="dk1"/>
+              </a:lnRef>
+              <a:fillRef idx="1">
+                <a:schemeClr val="lt1"/>
+              </a:fillRef>
+              <a:effectRef idx="0">
+                <a:schemeClr val="dk1"/>
+              </a:effectRef>
+              <a:fontRef idx="minor">
+                <a:schemeClr val="dk1"/>
+              </a:fontRef>
+            </p:style>
+            <p:txBody>
+              <a:bodyPr rtlCol="0" anchor="ctr"/>
+              <a:lstStyle/>
+              <a:p>
+                <a:pPr algn="ctr"/>
+                <a14:m>
+                  <m:oMathPara xmlns:m="http://schemas.openxmlformats.org/officeDocument/2006/math">
+                    <m:oMathParaPr>
+                      <m:jc m:val="centerGroup"/>
+                    </m:oMathParaPr>
+                    <m:oMath xmlns:m="http://schemas.openxmlformats.org/officeDocument/2006/math">
+                      <m:sSub>
+                        <m:sSubPr>
+                          <m:ctrlPr>
+                            <a:rPr lang="de-DE" i="1" smtClean="0">
+                              <a:latin typeface="Cambria Math" panose="02040503050406030204" pitchFamily="18" charset="0"/>
+                              <a:ea typeface="CMU Serif" panose="02000603000000000000" pitchFamily="2" charset="0"/>
+                              <a:cs typeface="CMU Serif" panose="02000603000000000000" pitchFamily="2" charset="0"/>
+                            </a:rPr>
+                          </m:ctrlPr>
+                        </m:sSubPr>
+                        <m:e>
+                          <m:r>
+                            <a:rPr lang="de-DE" b="1" i="1">
+                              <a:latin typeface="Cambria Math" panose="02040503050406030204" pitchFamily="18" charset="0"/>
+                              <a:ea typeface="CMU Serif" panose="02000603000000000000" pitchFamily="2" charset="0"/>
+                              <a:cs typeface="CMU Serif" panose="02000603000000000000" pitchFamily="2" charset="0"/>
+                            </a:rPr>
+                            <m:t>(</m:t>
+                          </m:r>
+                          <m:r>
+                            <a:rPr lang="de-DE" b="1" i="1" smtClean="0">
+                              <a:latin typeface="Cambria Math" panose="02040503050406030204" pitchFamily="18" charset="0"/>
+                              <a:ea typeface="CMU Serif" panose="02000603000000000000" pitchFamily="2" charset="0"/>
+                              <a:cs typeface="CMU Serif" panose="02000603000000000000" pitchFamily="2" charset="0"/>
+                            </a:rPr>
+                            <m:t>𝒚</m:t>
+                          </m:r>
+                        </m:e>
+                        <m:sub>
+                          <m:r>
+                            <a:rPr lang="de-DE" b="0" i="1" smtClean="0">
+                              <a:latin typeface="Cambria Math" panose="02040503050406030204" pitchFamily="18" charset="0"/>
+                              <a:ea typeface="CMU Serif" panose="02000603000000000000" pitchFamily="2" charset="0"/>
+                              <a:cs typeface="CMU Serif" panose="02000603000000000000" pitchFamily="2" charset="0"/>
+                            </a:rPr>
+                            <m:t>2</m:t>
+                          </m:r>
+                        </m:sub>
+                      </m:sSub>
+                      <m:r>
+                        <a:rPr lang="de-DE" i="1">
+                          <a:latin typeface="Cambria Math" panose="02040503050406030204" pitchFamily="18" charset="0"/>
+                          <a:ea typeface="CMU Serif" panose="02000603000000000000" pitchFamily="2" charset="0"/>
+                          <a:cs typeface="CMU Serif" panose="02000603000000000000" pitchFamily="2" charset="0"/>
+                        </a:rPr>
+                        <m:t>,</m:t>
+                      </m:r>
+                      <m:sSub>
+                        <m:sSubPr>
+                          <m:ctrlPr>
+                            <a:rPr lang="de-DE" i="1">
+                              <a:latin typeface="Cambria Math" panose="02040503050406030204" pitchFamily="18" charset="0"/>
+                              <a:ea typeface="CMU Serif" panose="02000603000000000000" pitchFamily="2" charset="0"/>
+                              <a:cs typeface="CMU Serif" panose="02000603000000000000" pitchFamily="2" charset="0"/>
+                            </a:rPr>
+                          </m:ctrlPr>
+                        </m:sSubPr>
+                        <m:e>
+                          <m:r>
+                            <a:rPr lang="de-DE" b="1" i="1" smtClean="0">
+                              <a:latin typeface="Cambria Math" panose="02040503050406030204" pitchFamily="18" charset="0"/>
+                              <a:ea typeface="CMU Serif" panose="02000603000000000000" pitchFamily="2" charset="0"/>
+                              <a:cs typeface="CMU Serif" panose="02000603000000000000" pitchFamily="2" charset="0"/>
+                            </a:rPr>
+                            <m:t>𝑿</m:t>
+                          </m:r>
+                        </m:e>
+                        <m:sub>
+                          <m:r>
+                            <a:rPr lang="de-DE" b="0" i="1" smtClean="0">
+                              <a:latin typeface="Cambria Math" panose="02040503050406030204" pitchFamily="18" charset="0"/>
+                              <a:ea typeface="CMU Serif" panose="02000603000000000000" pitchFamily="2" charset="0"/>
+                              <a:cs typeface="CMU Serif" panose="02000603000000000000" pitchFamily="2" charset="0"/>
+                            </a:rPr>
+                            <m:t>2</m:t>
+                          </m:r>
+                        </m:sub>
+                      </m:sSub>
+                      <m:r>
+                        <a:rPr lang="de-DE" i="1">
+                          <a:latin typeface="Cambria Math" panose="02040503050406030204" pitchFamily="18" charset="0"/>
+                          <a:ea typeface="CMU Serif" panose="02000603000000000000" pitchFamily="2" charset="0"/>
+                          <a:cs typeface="CMU Serif" panose="02000603000000000000" pitchFamily="2" charset="0"/>
+                        </a:rPr>
+                        <m:t>)</m:t>
+                      </m:r>
+                    </m:oMath>
+                  </m:oMathPara>
+                </a14:m>
+                <a:endParaRPr lang="de-DE" dirty="0">
+                  <a:latin typeface="CMU Serif" panose="02000603000000000000" pitchFamily="2" charset="0"/>
+                  <a:ea typeface="CMU Serif" panose="02000603000000000000" pitchFamily="2" charset="0"/>
+                  <a:cs typeface="CMU Serif" panose="02000603000000000000" pitchFamily="2" charset="0"/>
+                </a:endParaRPr>
+              </a:p>
+            </p:txBody>
+          </p:sp>
+        </mc:Choice>
+        <mc:Fallback>
+          <p:sp>
+            <p:nvSpPr>
+              <p:cNvPr id="19" name="Rectangle 18">
+                <a:extLst>
+                  <a:ext uri="{FF2B5EF4-FFF2-40B4-BE49-F238E27FC236}">
+                    <a16:creationId xmlns:a16="http://schemas.microsoft.com/office/drawing/2014/main" id="{9576B4F8-9286-471A-A9D4-9C60B96BDD40}"/>
+                  </a:ext>
+                </a:extLst>
+              </p:cNvPr>
+              <p:cNvSpPr>
+                <a:spLocks noRot="1" noChangeAspect="1" noMove="1" noResize="1" noEditPoints="1" noAdjustHandles="1" noChangeArrowheads="1" noChangeShapeType="1" noTextEdit="1"/>
+              </p:cNvSpPr>
+              <p:nvPr/>
+            </p:nvSpPr>
+            <p:spPr>
+              <a:xfrm>
+                <a:off x="3343151" y="2343814"/>
+                <a:ext cx="1087654" cy="542605"/>
+              </a:xfrm>
+              <a:prstGeom prst="rect">
+                <a:avLst/>
+              </a:prstGeom>
+              <a:blipFill>
+                <a:blip r:embed="rId12"/>
+                <a:stretch>
+                  <a:fillRect/>
+                </a:stretch>
+              </a:blipFill>
+              <a:ln w="28575"/>
+            </p:spPr>
+            <p:txBody>
+              <a:bodyPr/>
+              <a:lstStyle/>
+              <a:p>
+                <a:r>
+                  <a:rPr lang="de-DE">
+                    <a:noFill/>
+                  </a:rPr>
+                  <a:t> </a:t>
+                </a:r>
+              </a:p>
+            </p:txBody>
+          </p:sp>
+        </mc:Fallback>
+      </mc:AlternateContent>
+      <mc:AlternateContent xmlns:mc="http://schemas.openxmlformats.org/markup-compatibility/2006">
+        <mc:Choice xmlns:a14="http://schemas.microsoft.com/office/drawing/2010/main" Requires="a14">
+          <p:sp>
+            <p:nvSpPr>
+              <p:cNvPr id="26" name="Rectangle 25">
+                <a:extLst>
+                  <a:ext uri="{FF2B5EF4-FFF2-40B4-BE49-F238E27FC236}">
+                    <a16:creationId xmlns:a16="http://schemas.microsoft.com/office/drawing/2014/main" id="{D88851FB-5A0A-4EA8-95CD-8164EBE73811}"/>
+                  </a:ext>
+                </a:extLst>
+              </p:cNvPr>
+              <p:cNvSpPr/>
+              <p:nvPr/>
+            </p:nvSpPr>
+            <p:spPr>
+              <a:xfrm>
+                <a:off x="3343152" y="3632471"/>
+                <a:ext cx="1087654" cy="768692"/>
+              </a:xfrm>
+              <a:prstGeom prst="rect">
+                <a:avLst/>
+              </a:prstGeom>
+              <a:ln w="28575"/>
+            </p:spPr>
+            <p:style>
+              <a:lnRef idx="2">
+                <a:schemeClr val="dk1"/>
+              </a:lnRef>
+              <a:fillRef idx="1">
+                <a:schemeClr val="lt1"/>
+              </a:fillRef>
+              <a:effectRef idx="0">
+                <a:schemeClr val="dk1"/>
+              </a:effectRef>
+              <a:fontRef idx="minor">
+                <a:schemeClr val="dk1"/>
+              </a:fontRef>
+            </p:style>
+            <p:txBody>
+              <a:bodyPr rtlCol="0" anchor="ctr"/>
+              <a:lstStyle/>
+              <a:p>
+                <a:pPr algn="ctr"/>
+                <a14:m>
+                  <m:oMathPara xmlns:m="http://schemas.openxmlformats.org/officeDocument/2006/math">
+                    <m:oMathParaPr>
+                      <m:jc m:val="centerGroup"/>
+                    </m:oMathParaPr>
+                    <m:oMath xmlns:m="http://schemas.openxmlformats.org/officeDocument/2006/math">
+                      <m:sSub>
+                        <m:sSubPr>
+                          <m:ctrlPr>
+                            <a:rPr lang="de-DE" i="1" smtClean="0">
+                              <a:latin typeface="Cambria Math" panose="02040503050406030204" pitchFamily="18" charset="0"/>
+                              <a:ea typeface="CMU Serif" panose="02000603000000000000" pitchFamily="2" charset="0"/>
+                              <a:cs typeface="CMU Serif" panose="02000603000000000000" pitchFamily="2" charset="0"/>
+                            </a:rPr>
+                          </m:ctrlPr>
+                        </m:sSubPr>
+                        <m:e>
+                          <m:r>
+                            <a:rPr lang="de-DE" b="1" i="1">
+                              <a:latin typeface="Cambria Math" panose="02040503050406030204" pitchFamily="18" charset="0"/>
+                              <a:ea typeface="CMU Serif" panose="02000603000000000000" pitchFamily="2" charset="0"/>
+                              <a:cs typeface="CMU Serif" panose="02000603000000000000" pitchFamily="2" charset="0"/>
+                            </a:rPr>
+                            <m:t>(</m:t>
+                          </m:r>
+                          <m:r>
+                            <a:rPr lang="de-DE" b="1" i="1" smtClean="0">
+                              <a:latin typeface="Cambria Math" panose="02040503050406030204" pitchFamily="18" charset="0"/>
+                              <a:ea typeface="CMU Serif" panose="02000603000000000000" pitchFamily="2" charset="0"/>
+                              <a:cs typeface="CMU Serif" panose="02000603000000000000" pitchFamily="2" charset="0"/>
+                            </a:rPr>
+                            <m:t>𝒚</m:t>
+                          </m:r>
+                        </m:e>
+                        <m:sub>
+                          <m:r>
+                            <a:rPr lang="de-DE" b="0" i="1" smtClean="0">
+                              <a:latin typeface="Cambria Math" panose="02040503050406030204" pitchFamily="18" charset="0"/>
+                              <a:ea typeface="CMU Serif" panose="02000603000000000000" pitchFamily="2" charset="0"/>
+                              <a:cs typeface="CMU Serif" panose="02000603000000000000" pitchFamily="2" charset="0"/>
+                            </a:rPr>
+                            <m:t>𝐺</m:t>
+                          </m:r>
+                        </m:sub>
+                      </m:sSub>
+                      <m:r>
+                        <a:rPr lang="de-DE" i="1">
+                          <a:latin typeface="Cambria Math" panose="02040503050406030204" pitchFamily="18" charset="0"/>
+                          <a:ea typeface="CMU Serif" panose="02000603000000000000" pitchFamily="2" charset="0"/>
+                          <a:cs typeface="CMU Serif" panose="02000603000000000000" pitchFamily="2" charset="0"/>
+                        </a:rPr>
+                        <m:t>,</m:t>
+                      </m:r>
+                      <m:sSub>
+                        <m:sSubPr>
+                          <m:ctrlPr>
+                            <a:rPr lang="de-DE" i="1">
+                              <a:latin typeface="Cambria Math" panose="02040503050406030204" pitchFamily="18" charset="0"/>
+                              <a:ea typeface="CMU Serif" panose="02000603000000000000" pitchFamily="2" charset="0"/>
+                              <a:cs typeface="CMU Serif" panose="02000603000000000000" pitchFamily="2" charset="0"/>
+                            </a:rPr>
+                          </m:ctrlPr>
+                        </m:sSubPr>
+                        <m:e>
+                          <m:r>
+                            <a:rPr lang="de-DE" b="1" i="1" smtClean="0">
+                              <a:latin typeface="Cambria Math" panose="02040503050406030204" pitchFamily="18" charset="0"/>
+                              <a:ea typeface="CMU Serif" panose="02000603000000000000" pitchFamily="2" charset="0"/>
+                              <a:cs typeface="CMU Serif" panose="02000603000000000000" pitchFamily="2" charset="0"/>
+                            </a:rPr>
+                            <m:t>𝑿</m:t>
+                          </m:r>
+                        </m:e>
+                        <m:sub>
+                          <m:r>
+                            <a:rPr lang="de-DE" b="0" i="1" smtClean="0">
+                              <a:latin typeface="Cambria Math" panose="02040503050406030204" pitchFamily="18" charset="0"/>
+                              <a:ea typeface="CMU Serif" panose="02000603000000000000" pitchFamily="2" charset="0"/>
+                              <a:cs typeface="CMU Serif" panose="02000603000000000000" pitchFamily="2" charset="0"/>
+                            </a:rPr>
+                            <m:t>𝐺</m:t>
+                          </m:r>
+                        </m:sub>
+                      </m:sSub>
+                      <m:r>
+                        <a:rPr lang="de-DE" i="1">
+                          <a:latin typeface="Cambria Math" panose="02040503050406030204" pitchFamily="18" charset="0"/>
+                          <a:ea typeface="CMU Serif" panose="02000603000000000000" pitchFamily="2" charset="0"/>
+                          <a:cs typeface="CMU Serif" panose="02000603000000000000" pitchFamily="2" charset="0"/>
+                        </a:rPr>
+                        <m:t>)</m:t>
+                      </m:r>
+                    </m:oMath>
+                  </m:oMathPara>
+                </a14:m>
+                <a:endParaRPr lang="de-DE" dirty="0">
+                  <a:latin typeface="CMU Serif" panose="02000603000000000000" pitchFamily="2" charset="0"/>
+                  <a:ea typeface="CMU Serif" panose="02000603000000000000" pitchFamily="2" charset="0"/>
+                  <a:cs typeface="CMU Serif" panose="02000603000000000000" pitchFamily="2" charset="0"/>
+                </a:endParaRPr>
+              </a:p>
+            </p:txBody>
+          </p:sp>
+        </mc:Choice>
+        <mc:Fallback>
+          <p:sp>
+            <p:nvSpPr>
+              <p:cNvPr id="26" name="Rectangle 25">
+                <a:extLst>
+                  <a:ext uri="{FF2B5EF4-FFF2-40B4-BE49-F238E27FC236}">
+                    <a16:creationId xmlns:a16="http://schemas.microsoft.com/office/drawing/2014/main" id="{D88851FB-5A0A-4EA8-95CD-8164EBE73811}"/>
+                  </a:ext>
+                </a:extLst>
+              </p:cNvPr>
+              <p:cNvSpPr>
+                <a:spLocks noRot="1" noChangeAspect="1" noMove="1" noResize="1" noEditPoints="1" noAdjustHandles="1" noChangeArrowheads="1" noChangeShapeType="1" noTextEdit="1"/>
+              </p:cNvSpPr>
+              <p:nvPr/>
+            </p:nvSpPr>
+            <p:spPr>
+              <a:xfrm>
+                <a:off x="3343152" y="3632471"/>
+                <a:ext cx="1087654" cy="768692"/>
+              </a:xfrm>
+              <a:prstGeom prst="rect">
+                <a:avLst/>
+              </a:prstGeom>
+              <a:blipFill>
+                <a:blip r:embed="rId13"/>
+                <a:stretch>
+                  <a:fillRect l="-543"/>
+                </a:stretch>
+              </a:blipFill>
+              <a:ln w="28575"/>
+            </p:spPr>
+            <p:txBody>
+              <a:bodyPr/>
+              <a:lstStyle/>
+              <a:p>
+                <a:r>
+                  <a:rPr lang="de-DE">
+                    <a:noFill/>
+                  </a:rPr>
+                  <a:t> </a:t>
+                </a:r>
+              </a:p>
+            </p:txBody>
+          </p:sp>
+        </mc:Fallback>
+      </mc:AlternateContent>
+      <mc:AlternateContent xmlns:mc="http://schemas.openxmlformats.org/markup-compatibility/2006">
+        <mc:Choice xmlns:a14="http://schemas.microsoft.com/office/drawing/2010/main" Requires="a14">
+          <p:sp>
+            <p:nvSpPr>
+              <p:cNvPr id="27" name="Rectangle 26">
+                <a:extLst>
+                  <a:ext uri="{FF2B5EF4-FFF2-40B4-BE49-F238E27FC236}">
+                    <a16:creationId xmlns:a16="http://schemas.microsoft.com/office/drawing/2014/main" id="{084EFC94-59D7-4C02-9C9C-8E9F74E86311}"/>
+                  </a:ext>
+                </a:extLst>
+              </p:cNvPr>
+              <p:cNvSpPr/>
+              <p:nvPr/>
+            </p:nvSpPr>
+            <p:spPr>
+              <a:xfrm>
+                <a:off x="3336477" y="2986839"/>
+                <a:ext cx="1087654" cy="540000"/>
+              </a:xfrm>
+              <a:prstGeom prst="rect">
+                <a:avLst/>
+              </a:prstGeom>
+              <a:ln w="28575"/>
+            </p:spPr>
+            <p:style>
+              <a:lnRef idx="2">
+                <a:schemeClr val="dk1"/>
+              </a:lnRef>
+              <a:fillRef idx="1">
+                <a:schemeClr val="lt1"/>
+              </a:fillRef>
+              <a:effectRef idx="0">
+                <a:schemeClr val="dk1"/>
+              </a:effectRef>
+              <a:fontRef idx="minor">
+                <a:schemeClr val="dk1"/>
+              </a:fontRef>
+            </p:style>
+            <p:txBody>
+              <a:bodyPr rtlCol="0" anchor="ctr"/>
+              <a:lstStyle/>
+              <a:p>
+                <a:pPr algn="ctr"/>
+                <a14:m>
+                  <m:oMathPara xmlns:m="http://schemas.openxmlformats.org/officeDocument/2006/math">
+                    <m:oMathParaPr>
+                      <m:jc m:val="center"/>
+                    </m:oMathParaPr>
+                    <m:oMath xmlns:m="http://schemas.openxmlformats.org/officeDocument/2006/math">
+                      <m:r>
+                        <a:rPr lang="de-DE"/>
+                        <m:t>⋮</m:t>
+                      </m:r>
+                    </m:oMath>
+                  </m:oMathPara>
+                </a14:m>
+                <a:endParaRPr lang="de-DE" dirty="0"/>
+              </a:p>
+            </p:txBody>
+          </p:sp>
+        </mc:Choice>
+        <mc:Fallback>
+          <p:sp>
+            <p:nvSpPr>
+              <p:cNvPr id="27" name="Rectangle 26">
+                <a:extLst>
+                  <a:ext uri="{FF2B5EF4-FFF2-40B4-BE49-F238E27FC236}">
+                    <a16:creationId xmlns:a16="http://schemas.microsoft.com/office/drawing/2014/main" id="{084EFC94-59D7-4C02-9C9C-8E9F74E86311}"/>
+                  </a:ext>
+                </a:extLst>
+              </p:cNvPr>
+              <p:cNvSpPr>
+                <a:spLocks noRot="1" noChangeAspect="1" noMove="1" noResize="1" noEditPoints="1" noAdjustHandles="1" noChangeArrowheads="1" noChangeShapeType="1" noTextEdit="1"/>
+              </p:cNvSpPr>
+              <p:nvPr/>
+            </p:nvSpPr>
+            <p:spPr>
+              <a:xfrm>
+                <a:off x="3336477" y="2986839"/>
+                <a:ext cx="1087654" cy="540000"/>
+              </a:xfrm>
+              <a:prstGeom prst="rect">
+                <a:avLst/>
+              </a:prstGeom>
+              <a:blipFill>
+                <a:blip r:embed="rId14"/>
+                <a:stretch>
+                  <a:fillRect/>
+                </a:stretch>
+              </a:blipFill>
+              <a:ln w="28575"/>
+            </p:spPr>
+            <p:txBody>
+              <a:bodyPr/>
+              <a:lstStyle/>
+              <a:p>
+                <a:r>
+                  <a:rPr lang="de-DE">
+                    <a:noFill/>
+                  </a:rPr>
+                  <a:t> </a:t>
+                </a:r>
+              </a:p>
+            </p:txBody>
+          </p:sp>
+        </mc:Fallback>
+      </mc:AlternateContent>
+      <mc:AlternateContent xmlns:mc="http://schemas.openxmlformats.org/markup-compatibility/2006">
+        <mc:Choice xmlns:a14="http://schemas.microsoft.com/office/drawing/2010/main" Requires="a14">
+          <p:sp>
+            <p:nvSpPr>
+              <p:cNvPr id="28" name="Rectangle 27">
+                <a:extLst>
+                  <a:ext uri="{FF2B5EF4-FFF2-40B4-BE49-F238E27FC236}">
+                    <a16:creationId xmlns:a16="http://schemas.microsoft.com/office/drawing/2014/main" id="{84414B9C-7839-4038-AFC2-36AFCB2B7456}"/>
+                  </a:ext>
+                </a:extLst>
+              </p:cNvPr>
+              <p:cNvSpPr/>
+              <p:nvPr/>
+            </p:nvSpPr>
+            <p:spPr>
+              <a:xfrm>
+                <a:off x="7319979" y="1534620"/>
+                <a:ext cx="1074926" cy="469610"/>
+              </a:xfrm>
+              <a:prstGeom prst="rect">
+                <a:avLst/>
+              </a:prstGeom>
+              <a:ln w="28575"/>
+            </p:spPr>
+            <p:style>
+              <a:lnRef idx="2">
+                <a:schemeClr val="dk1"/>
+              </a:lnRef>
+              <a:fillRef idx="1">
+                <a:schemeClr val="lt1"/>
+              </a:fillRef>
+              <a:effectRef idx="0">
+                <a:schemeClr val="dk1"/>
+              </a:effectRef>
+              <a:fontRef idx="minor">
+                <a:schemeClr val="dk1"/>
+              </a:fontRef>
+            </p:style>
+            <p:txBody>
+              <a:bodyPr rtlCol="0" anchor="ctr"/>
+              <a:lstStyle/>
+              <a:p>
+                <a:pPr algn="ctr"/>
+                <a14:m>
+                  <m:oMathPara xmlns:m="http://schemas.openxmlformats.org/officeDocument/2006/math">
+                    <m:oMathParaPr>
+                      <m:jc m:val="centerGroup"/>
+                    </m:oMathParaPr>
+                    <m:oMath xmlns:m="http://schemas.openxmlformats.org/officeDocument/2006/math">
+                      <m:sSub>
+                        <m:sSubPr>
+                          <m:ctrlPr>
+                            <a:rPr lang="de-DE" i="1" smtClean="0">
+                              <a:latin typeface="Cambria Math" panose="02040503050406030204" pitchFamily="18" charset="0"/>
+                              <a:ea typeface="CMU Serif" panose="02000603000000000000" pitchFamily="2" charset="0"/>
+                              <a:cs typeface="CMU Serif" panose="02000603000000000000" pitchFamily="2" charset="0"/>
+                            </a:rPr>
+                          </m:ctrlPr>
+                        </m:sSubPr>
+                        <m:e>
+                          <m:r>
+                            <a:rPr lang="de-DE" b="1" i="1" smtClean="0">
+                              <a:latin typeface="Cambria Math" panose="02040503050406030204" pitchFamily="18" charset="0"/>
+                              <a:ea typeface="CMU Serif" panose="02000603000000000000" pitchFamily="2" charset="0"/>
+                              <a:cs typeface="CMU Serif" panose="02000603000000000000" pitchFamily="2" charset="0"/>
+                            </a:rPr>
+                            <m:t>(</m:t>
+                          </m:r>
+                          <m:sSub>
+                            <m:sSubPr>
+                              <m:ctrlPr>
+                                <a:rPr lang="de-DE" b="1" i="1" smtClean="0">
+                                  <a:latin typeface="Cambria Math" panose="02040503050406030204" pitchFamily="18" charset="0"/>
+                                  <a:ea typeface="CMU Serif" panose="02000603000000000000" pitchFamily="2" charset="0"/>
+                                  <a:cs typeface="CMU Serif" panose="02000603000000000000" pitchFamily="2" charset="0"/>
+                                </a:rPr>
+                              </m:ctrlPr>
+                            </m:sSubPr>
+                            <m:e>
+                              <m:r>
+                                <a:rPr lang="de-DE" b="1" i="1" smtClean="0">
+                                  <a:latin typeface="Cambria Math" panose="02040503050406030204" pitchFamily="18" charset="0"/>
+                                  <a:ea typeface="CMU Serif" panose="02000603000000000000" pitchFamily="2" charset="0"/>
+                                  <a:cs typeface="CMU Serif" panose="02000603000000000000" pitchFamily="2" charset="0"/>
+                                </a:rPr>
+                                <m:t>𝒚</m:t>
+                              </m:r>
+                            </m:e>
+                            <m:sub>
+                              <m:r>
+                                <a:rPr lang="de-DE" b="1" i="1" smtClean="0">
+                                  <a:latin typeface="Cambria Math" panose="02040503050406030204" pitchFamily="18" charset="0"/>
+                                  <a:ea typeface="CMU Serif" panose="02000603000000000000" pitchFamily="2" charset="0"/>
+                                  <a:cs typeface="CMU Serif" panose="02000603000000000000" pitchFamily="2" charset="0"/>
+                                </a:rPr>
+                                <m:t>𝟒</m:t>
+                              </m:r>
+                            </m:sub>
+                          </m:sSub>
+                          <m:r>
+                            <a:rPr lang="de-DE" b="1" i="1" smtClean="0">
+                              <a:latin typeface="Cambria Math" panose="02040503050406030204" pitchFamily="18" charset="0"/>
+                              <a:ea typeface="CMU Serif" panose="02000603000000000000" pitchFamily="2" charset="0"/>
+                              <a:cs typeface="CMU Serif" panose="02000603000000000000" pitchFamily="2" charset="0"/>
+                            </a:rPr>
+                            <m:t>,</m:t>
+                          </m:r>
+                          <m:r>
+                            <a:rPr lang="de-DE" b="1" i="1" smtClean="0">
+                              <a:latin typeface="Cambria Math" panose="02040503050406030204" pitchFamily="18" charset="0"/>
+                              <a:ea typeface="CMU Serif" panose="02000603000000000000" pitchFamily="2" charset="0"/>
+                              <a:cs typeface="CMU Serif" panose="02000603000000000000" pitchFamily="2" charset="0"/>
+                            </a:rPr>
+                            <m:t>𝑿</m:t>
+                          </m:r>
+                        </m:e>
+                        <m:sub>
+                          <m:r>
+                            <a:rPr lang="de-DE" b="0" i="1" smtClean="0">
+                              <a:latin typeface="Cambria Math" panose="02040503050406030204" pitchFamily="18" charset="0"/>
+                              <a:ea typeface="CMU Serif" panose="02000603000000000000" pitchFamily="2" charset="0"/>
+                              <a:cs typeface="CMU Serif" panose="02000603000000000000" pitchFamily="2" charset="0"/>
+                            </a:rPr>
+                            <m:t>4</m:t>
+                          </m:r>
+                        </m:sub>
+                      </m:sSub>
+                      <m:r>
+                        <a:rPr lang="de-DE" b="0" i="1" smtClean="0">
+                          <a:latin typeface="Cambria Math" panose="02040503050406030204" pitchFamily="18" charset="0"/>
+                          <a:ea typeface="CMU Serif" panose="02000603000000000000" pitchFamily="2" charset="0"/>
+                          <a:cs typeface="CMU Serif" panose="02000603000000000000" pitchFamily="2" charset="0"/>
+                        </a:rPr>
+                        <m:t>)</m:t>
+                      </m:r>
+                    </m:oMath>
+                  </m:oMathPara>
+                </a14:m>
+                <a:endParaRPr lang="de-DE" dirty="0">
+                  <a:latin typeface="CMU Serif" panose="02000603000000000000" pitchFamily="2" charset="0"/>
+                  <a:ea typeface="CMU Serif" panose="02000603000000000000" pitchFamily="2" charset="0"/>
+                  <a:cs typeface="CMU Serif" panose="02000603000000000000" pitchFamily="2" charset="0"/>
+                </a:endParaRPr>
+              </a:p>
+            </p:txBody>
+          </p:sp>
+        </mc:Choice>
+        <mc:Fallback>
+          <p:sp>
+            <p:nvSpPr>
+              <p:cNvPr id="28" name="Rectangle 27">
+                <a:extLst>
+                  <a:ext uri="{FF2B5EF4-FFF2-40B4-BE49-F238E27FC236}">
+                    <a16:creationId xmlns:a16="http://schemas.microsoft.com/office/drawing/2014/main" id="{84414B9C-7839-4038-AFC2-36AFCB2B7456}"/>
+                  </a:ext>
+                </a:extLst>
+              </p:cNvPr>
+              <p:cNvSpPr>
+                <a:spLocks noRot="1" noChangeAspect="1" noMove="1" noResize="1" noEditPoints="1" noAdjustHandles="1" noChangeArrowheads="1" noChangeShapeType="1" noTextEdit="1"/>
+              </p:cNvSpPr>
+              <p:nvPr/>
+            </p:nvSpPr>
+            <p:spPr>
+              <a:xfrm>
+                <a:off x="7319979" y="1534620"/>
+                <a:ext cx="1074926" cy="469610"/>
+              </a:xfrm>
+              <a:prstGeom prst="rect">
+                <a:avLst/>
+              </a:prstGeom>
+              <a:blipFill>
+                <a:blip r:embed="rId15"/>
+                <a:stretch>
+                  <a:fillRect/>
+                </a:stretch>
+              </a:blipFill>
+              <a:ln w="28575"/>
+            </p:spPr>
+            <p:txBody>
+              <a:bodyPr/>
+              <a:lstStyle/>
+              <a:p>
+                <a:r>
+                  <a:rPr lang="de-DE">
+                    <a:noFill/>
+                  </a:rPr>
+                  <a:t> </a:t>
+                </a:r>
+              </a:p>
+            </p:txBody>
+          </p:sp>
+        </mc:Fallback>
+      </mc:AlternateContent>
+      <mc:AlternateContent xmlns:mc="http://schemas.openxmlformats.org/markup-compatibility/2006">
+        <mc:Choice xmlns:a14="http://schemas.microsoft.com/office/drawing/2010/main" Requires="a14">
+          <p:sp>
+            <p:nvSpPr>
+              <p:cNvPr id="29" name="Rectangle 28">
+                <a:extLst>
+                  <a:ext uri="{FF2B5EF4-FFF2-40B4-BE49-F238E27FC236}">
+                    <a16:creationId xmlns:a16="http://schemas.microsoft.com/office/drawing/2014/main" id="{4E0D1DBB-4678-485B-90BC-C3FFD9395868}"/>
+                  </a:ext>
+                </a:extLst>
+              </p:cNvPr>
+              <p:cNvSpPr/>
+              <p:nvPr/>
+            </p:nvSpPr>
+            <p:spPr>
+              <a:xfrm>
+                <a:off x="7319979" y="2102001"/>
+                <a:ext cx="1074926" cy="720000"/>
+              </a:xfrm>
+              <a:prstGeom prst="rect">
+                <a:avLst/>
+              </a:prstGeom>
+              <a:ln w="28575"/>
+            </p:spPr>
+            <p:style>
+              <a:lnRef idx="2">
+                <a:schemeClr val="dk1"/>
+              </a:lnRef>
+              <a:fillRef idx="1">
+                <a:schemeClr val="lt1"/>
+              </a:fillRef>
+              <a:effectRef idx="0">
+                <a:schemeClr val="dk1"/>
+              </a:effectRef>
+              <a:fontRef idx="minor">
+                <a:schemeClr val="dk1"/>
+              </a:fontRef>
+            </p:style>
+            <p:txBody>
+              <a:bodyPr rtlCol="0" anchor="ctr"/>
+              <a:lstStyle/>
+              <a:p>
+                <a:pPr algn="ctr"/>
+                <a14:m>
+                  <m:oMathPara xmlns:m="http://schemas.openxmlformats.org/officeDocument/2006/math">
+                    <m:oMathParaPr>
+                      <m:jc m:val="centerGroup"/>
+                    </m:oMathParaPr>
+                    <m:oMath xmlns:m="http://schemas.openxmlformats.org/officeDocument/2006/math">
+                      <m:sSub>
+                        <m:sSubPr>
+                          <m:ctrlPr>
+                            <a:rPr lang="de-DE" i="1" smtClean="0">
+                              <a:latin typeface="Cambria Math" panose="02040503050406030204" pitchFamily="18" charset="0"/>
+                              <a:ea typeface="CMU Serif" panose="02000603000000000000" pitchFamily="2" charset="0"/>
+                              <a:cs typeface="CMU Serif" panose="02000603000000000000" pitchFamily="2" charset="0"/>
+                            </a:rPr>
+                          </m:ctrlPr>
+                        </m:sSubPr>
+                        <m:e>
+                          <m:r>
+                            <a:rPr lang="de-DE" b="1" i="1" smtClean="0">
+                              <a:latin typeface="Cambria Math" panose="02040503050406030204" pitchFamily="18" charset="0"/>
+                              <a:ea typeface="CMU Serif" panose="02000603000000000000" pitchFamily="2" charset="0"/>
+                              <a:cs typeface="CMU Serif" panose="02000603000000000000" pitchFamily="2" charset="0"/>
+                            </a:rPr>
+                            <m:t>(</m:t>
+                          </m:r>
+                          <m:sSub>
+                            <m:sSubPr>
+                              <m:ctrlPr>
+                                <a:rPr lang="de-DE" b="1" i="1" smtClean="0">
+                                  <a:latin typeface="Cambria Math" panose="02040503050406030204" pitchFamily="18" charset="0"/>
+                                  <a:ea typeface="CMU Serif" panose="02000603000000000000" pitchFamily="2" charset="0"/>
+                                  <a:cs typeface="CMU Serif" panose="02000603000000000000" pitchFamily="2" charset="0"/>
+                                </a:rPr>
+                              </m:ctrlPr>
+                            </m:sSubPr>
+                            <m:e>
+                              <m:r>
+                                <a:rPr lang="de-DE" b="1" i="1" smtClean="0">
+                                  <a:latin typeface="Cambria Math" panose="02040503050406030204" pitchFamily="18" charset="0"/>
+                                  <a:ea typeface="CMU Serif" panose="02000603000000000000" pitchFamily="2" charset="0"/>
+                                  <a:cs typeface="CMU Serif" panose="02000603000000000000" pitchFamily="2" charset="0"/>
+                                </a:rPr>
+                                <m:t>𝒚</m:t>
+                              </m:r>
+                            </m:e>
+                            <m:sub>
+                              <m:r>
+                                <a:rPr lang="de-DE" b="1" i="1" smtClean="0">
+                                  <a:latin typeface="Cambria Math" panose="02040503050406030204" pitchFamily="18" charset="0"/>
+                                  <a:ea typeface="CMU Serif" panose="02000603000000000000" pitchFamily="2" charset="0"/>
+                                  <a:cs typeface="CMU Serif" panose="02000603000000000000" pitchFamily="2" charset="0"/>
+                                </a:rPr>
+                                <m:t>𝟒𝟓</m:t>
+                              </m:r>
+                            </m:sub>
+                          </m:sSub>
+                          <m:r>
+                            <a:rPr lang="de-DE" b="1" i="1" smtClean="0">
+                              <a:latin typeface="Cambria Math" panose="02040503050406030204" pitchFamily="18" charset="0"/>
+                              <a:ea typeface="CMU Serif" panose="02000603000000000000" pitchFamily="2" charset="0"/>
+                              <a:cs typeface="CMU Serif" panose="02000603000000000000" pitchFamily="2" charset="0"/>
+                            </a:rPr>
+                            <m:t>,</m:t>
+                          </m:r>
+                          <m:r>
+                            <a:rPr lang="de-DE" b="1" i="1" smtClean="0">
+                              <a:latin typeface="Cambria Math" panose="02040503050406030204" pitchFamily="18" charset="0"/>
+                              <a:ea typeface="CMU Serif" panose="02000603000000000000" pitchFamily="2" charset="0"/>
+                              <a:cs typeface="CMU Serif" panose="02000603000000000000" pitchFamily="2" charset="0"/>
+                            </a:rPr>
+                            <m:t>𝑿</m:t>
+                          </m:r>
+                        </m:e>
+                        <m:sub>
+                          <m:r>
+                            <a:rPr lang="de-DE" b="0" i="1" smtClean="0">
+                              <a:latin typeface="Cambria Math" panose="02040503050406030204" pitchFamily="18" charset="0"/>
+                              <a:ea typeface="CMU Serif" panose="02000603000000000000" pitchFamily="2" charset="0"/>
+                              <a:cs typeface="CMU Serif" panose="02000603000000000000" pitchFamily="2" charset="0"/>
+                            </a:rPr>
+                            <m:t>45</m:t>
+                          </m:r>
+                        </m:sub>
+                      </m:sSub>
+                      <m:r>
+                        <a:rPr lang="de-DE" b="0" i="1" smtClean="0">
+                          <a:latin typeface="Cambria Math" panose="02040503050406030204" pitchFamily="18" charset="0"/>
+                          <a:ea typeface="CMU Serif" panose="02000603000000000000" pitchFamily="2" charset="0"/>
+                          <a:cs typeface="CMU Serif" panose="02000603000000000000" pitchFamily="2" charset="0"/>
+                        </a:rPr>
+                        <m:t>)</m:t>
+                      </m:r>
+                    </m:oMath>
+                  </m:oMathPara>
+                </a14:m>
+                <a:endParaRPr lang="de-DE" dirty="0">
+                  <a:latin typeface="CMU Serif" panose="02000603000000000000" pitchFamily="2" charset="0"/>
+                  <a:ea typeface="CMU Serif" panose="02000603000000000000" pitchFamily="2" charset="0"/>
+                  <a:cs typeface="CMU Serif" panose="02000603000000000000" pitchFamily="2" charset="0"/>
+                </a:endParaRPr>
+              </a:p>
+            </p:txBody>
+          </p:sp>
+        </mc:Choice>
+        <mc:Fallback>
+          <p:sp>
+            <p:nvSpPr>
+              <p:cNvPr id="29" name="Rectangle 28">
+                <a:extLst>
+                  <a:ext uri="{FF2B5EF4-FFF2-40B4-BE49-F238E27FC236}">
+                    <a16:creationId xmlns:a16="http://schemas.microsoft.com/office/drawing/2014/main" id="{4E0D1DBB-4678-485B-90BC-C3FFD9395868}"/>
+                  </a:ext>
+                </a:extLst>
+              </p:cNvPr>
+              <p:cNvSpPr>
+                <a:spLocks noRot="1" noChangeAspect="1" noMove="1" noResize="1" noEditPoints="1" noAdjustHandles="1" noChangeArrowheads="1" noChangeShapeType="1" noTextEdit="1"/>
+              </p:cNvSpPr>
+              <p:nvPr/>
+            </p:nvSpPr>
+            <p:spPr>
+              <a:xfrm>
+                <a:off x="7319979" y="2102001"/>
+                <a:ext cx="1074926" cy="720000"/>
+              </a:xfrm>
+              <a:prstGeom prst="rect">
+                <a:avLst/>
+              </a:prstGeom>
+              <a:blipFill>
+                <a:blip r:embed="rId16"/>
+                <a:stretch>
+                  <a:fillRect l="-8287" r="-1105"/>
+                </a:stretch>
+              </a:blipFill>
+              <a:ln w="28575"/>
+            </p:spPr>
+            <p:txBody>
+              <a:bodyPr/>
+              <a:lstStyle/>
+              <a:p>
+                <a:r>
+                  <a:rPr lang="de-DE">
+                    <a:noFill/>
+                  </a:rPr>
+                  <a:t> </a:t>
+                </a:r>
+              </a:p>
+            </p:txBody>
+          </p:sp>
+        </mc:Fallback>
+      </mc:AlternateContent>
+      <mc:AlternateContent xmlns:mc="http://schemas.openxmlformats.org/markup-compatibility/2006">
+        <mc:Choice xmlns:a14="http://schemas.microsoft.com/office/drawing/2010/main" Requires="a14">
+          <p:sp>
+            <p:nvSpPr>
+              <p:cNvPr id="30" name="Rectangle 29">
+                <a:extLst>
+                  <a:ext uri="{FF2B5EF4-FFF2-40B4-BE49-F238E27FC236}">
+                    <a16:creationId xmlns:a16="http://schemas.microsoft.com/office/drawing/2014/main" id="{7C54014F-296E-4917-92D5-FE37FBCBB3A7}"/>
+                  </a:ext>
+                </a:extLst>
+              </p:cNvPr>
+              <p:cNvSpPr/>
+              <p:nvPr/>
+            </p:nvSpPr>
+            <p:spPr>
+              <a:xfrm>
+                <a:off x="7316874" y="2897645"/>
+                <a:ext cx="1078030" cy="643025"/>
+              </a:xfrm>
+              <a:prstGeom prst="rect">
+                <a:avLst/>
+              </a:prstGeom>
+              <a:ln w="28575"/>
+            </p:spPr>
+            <p:style>
+              <a:lnRef idx="2">
+                <a:schemeClr val="dk1"/>
+              </a:lnRef>
+              <a:fillRef idx="1">
+                <a:schemeClr val="lt1"/>
+              </a:fillRef>
+              <a:effectRef idx="0">
+                <a:schemeClr val="dk1"/>
+              </a:effectRef>
+              <a:fontRef idx="minor">
+                <a:schemeClr val="dk1"/>
+              </a:fontRef>
+            </p:style>
+            <p:txBody>
+              <a:bodyPr rtlCol="0" anchor="ctr"/>
+              <a:lstStyle/>
+              <a:p>
+                <a:pPr algn="ctr"/>
+                <a14:m>
+                  <m:oMathPara xmlns:m="http://schemas.openxmlformats.org/officeDocument/2006/math">
+                    <m:oMathParaPr>
+                      <m:jc m:val="center"/>
+                    </m:oMathParaPr>
+                    <m:oMath xmlns:m="http://schemas.openxmlformats.org/officeDocument/2006/math">
+                      <m:r>
+                        <a:rPr lang="de-DE"/>
+                        <m:t>⋮</m:t>
+                      </m:r>
+                    </m:oMath>
+                  </m:oMathPara>
+                </a14:m>
+                <a:endParaRPr lang="de-DE" dirty="0"/>
+              </a:p>
+            </p:txBody>
+          </p:sp>
+        </mc:Choice>
+        <mc:Fallback>
+          <p:sp>
+            <p:nvSpPr>
+              <p:cNvPr id="30" name="Rectangle 29">
+                <a:extLst>
+                  <a:ext uri="{FF2B5EF4-FFF2-40B4-BE49-F238E27FC236}">
+                    <a16:creationId xmlns:a16="http://schemas.microsoft.com/office/drawing/2014/main" id="{7C54014F-296E-4917-92D5-FE37FBCBB3A7}"/>
+                  </a:ext>
+                </a:extLst>
+              </p:cNvPr>
+              <p:cNvSpPr>
+                <a:spLocks noRot="1" noChangeAspect="1" noMove="1" noResize="1" noEditPoints="1" noAdjustHandles="1" noChangeArrowheads="1" noChangeShapeType="1" noTextEdit="1"/>
+              </p:cNvSpPr>
+              <p:nvPr/>
+            </p:nvSpPr>
+            <p:spPr>
+              <a:xfrm>
+                <a:off x="7316874" y="2897645"/>
+                <a:ext cx="1078030" cy="643025"/>
+              </a:xfrm>
+              <a:prstGeom prst="rect">
+                <a:avLst/>
+              </a:prstGeom>
+              <a:blipFill>
+                <a:blip r:embed="rId17"/>
+                <a:stretch>
+                  <a:fillRect/>
+                </a:stretch>
+              </a:blipFill>
+              <a:ln w="28575"/>
+            </p:spPr>
+            <p:txBody>
+              <a:bodyPr/>
+              <a:lstStyle/>
+              <a:p>
+                <a:r>
+                  <a:rPr lang="de-DE">
+                    <a:noFill/>
+                  </a:rPr>
+                  <a:t> </a:t>
+                </a:r>
+              </a:p>
+            </p:txBody>
+          </p:sp>
+        </mc:Fallback>
+      </mc:AlternateContent>
+      <mc:AlternateContent xmlns:mc="http://schemas.openxmlformats.org/markup-compatibility/2006">
+        <mc:Choice xmlns:a14="http://schemas.microsoft.com/office/drawing/2010/main" Requires="a14">
+          <p:sp>
+            <p:nvSpPr>
+              <p:cNvPr id="31" name="Rectangle 30">
+                <a:extLst>
+                  <a:ext uri="{FF2B5EF4-FFF2-40B4-BE49-F238E27FC236}">
+                    <a16:creationId xmlns:a16="http://schemas.microsoft.com/office/drawing/2014/main" id="{348B8271-49D9-46AE-B3C9-781EA8231DE0}"/>
+                  </a:ext>
+                </a:extLst>
+              </p:cNvPr>
+              <p:cNvSpPr/>
+              <p:nvPr/>
+            </p:nvSpPr>
+            <p:spPr>
+              <a:xfrm>
+                <a:off x="7316874" y="3632471"/>
+                <a:ext cx="1078030" cy="768692"/>
+              </a:xfrm>
+              <a:prstGeom prst="rect">
+                <a:avLst/>
+              </a:prstGeom>
+              <a:ln w="28575"/>
+            </p:spPr>
+            <p:style>
+              <a:lnRef idx="2">
+                <a:schemeClr val="dk1"/>
+              </a:lnRef>
+              <a:fillRef idx="1">
+                <a:schemeClr val="lt1"/>
+              </a:fillRef>
+              <a:effectRef idx="0">
+                <a:schemeClr val="dk1"/>
+              </a:effectRef>
+              <a:fontRef idx="minor">
+                <a:schemeClr val="dk1"/>
+              </a:fontRef>
+            </p:style>
+            <p:txBody>
+              <a:bodyPr rtlCol="0" anchor="ctr"/>
+              <a:lstStyle/>
+              <a:p>
+                <a:pPr algn="ctr"/>
+                <a14:m>
+                  <m:oMathPara xmlns:m="http://schemas.openxmlformats.org/officeDocument/2006/math">
+                    <m:oMathParaPr>
+                      <m:jc m:val="centerGroup"/>
+                    </m:oMathParaPr>
+                    <m:oMath xmlns:m="http://schemas.openxmlformats.org/officeDocument/2006/math">
+                      <m:sSub>
+                        <m:sSubPr>
+                          <m:ctrlPr>
+                            <a:rPr lang="de-DE" i="1" smtClean="0">
+                              <a:latin typeface="Cambria Math" panose="02040503050406030204" pitchFamily="18" charset="0"/>
+                              <a:ea typeface="CMU Serif" panose="02000603000000000000" pitchFamily="2" charset="0"/>
+                              <a:cs typeface="CMU Serif" panose="02000603000000000000" pitchFamily="2" charset="0"/>
+                            </a:rPr>
+                          </m:ctrlPr>
+                        </m:sSubPr>
+                        <m:e>
+                          <m:r>
+                            <a:rPr lang="de-DE" b="1" i="1">
+                              <a:latin typeface="Cambria Math" panose="02040503050406030204" pitchFamily="18" charset="0"/>
+                              <a:ea typeface="CMU Serif" panose="02000603000000000000" pitchFamily="2" charset="0"/>
+                              <a:cs typeface="CMU Serif" panose="02000603000000000000" pitchFamily="2" charset="0"/>
+                            </a:rPr>
+                            <m:t>(</m:t>
+                          </m:r>
+                          <m:sSub>
+                            <m:sSubPr>
+                              <m:ctrlPr>
+                                <a:rPr lang="de-DE" b="1" i="1">
+                                  <a:latin typeface="Cambria Math" panose="02040503050406030204" pitchFamily="18" charset="0"/>
+                                  <a:ea typeface="CMU Serif" panose="02000603000000000000" pitchFamily="2" charset="0"/>
+                                  <a:cs typeface="CMU Serif" panose="02000603000000000000" pitchFamily="2" charset="0"/>
+                                </a:rPr>
+                              </m:ctrlPr>
+                            </m:sSubPr>
+                            <m:e>
+                              <m:r>
+                                <a:rPr lang="de-DE" b="1" i="1">
+                                  <a:latin typeface="Cambria Math" panose="02040503050406030204" pitchFamily="18" charset="0"/>
+                                  <a:ea typeface="CMU Serif" panose="02000603000000000000" pitchFamily="2" charset="0"/>
+                                  <a:cs typeface="CMU Serif" panose="02000603000000000000" pitchFamily="2" charset="0"/>
+                                </a:rPr>
+                                <m:t>𝒚</m:t>
+                              </m:r>
+                            </m:e>
+                            <m:sub>
+                              <m:sSub>
+                                <m:sSubPr>
+                                  <m:ctrlPr>
+                                    <a:rPr lang="de-DE" b="0" i="1" smtClean="0">
+                                      <a:latin typeface="Cambria Math" panose="02040503050406030204" pitchFamily="18" charset="0"/>
+                                      <a:ea typeface="CMU Serif" panose="02000603000000000000" pitchFamily="2" charset="0"/>
+                                      <a:cs typeface="CMU Serif" panose="02000603000000000000" pitchFamily="2" charset="0"/>
+                                    </a:rPr>
+                                  </m:ctrlPr>
+                                </m:sSubPr>
+                                <m:e>
+                                  <m:r>
+                                    <a:rPr lang="de-DE" b="0" i="1" smtClean="0">
+                                      <a:latin typeface="Cambria Math" panose="02040503050406030204" pitchFamily="18" charset="0"/>
+                                      <a:ea typeface="CMU Serif" panose="02000603000000000000" pitchFamily="2" charset="0"/>
+                                      <a:cs typeface="CMU Serif" panose="02000603000000000000" pitchFamily="2" charset="0"/>
+                                    </a:rPr>
+                                    <m:t>𝐺</m:t>
+                                  </m:r>
+                                </m:e>
+                                <m:sub>
+                                  <m:r>
+                                    <a:rPr lang="de-DE" b="0" i="1" smtClean="0">
+                                      <a:latin typeface="Cambria Math" panose="02040503050406030204" pitchFamily="18" charset="0"/>
+                                      <a:ea typeface="CMU Serif" panose="02000603000000000000" pitchFamily="2" charset="0"/>
+                                      <a:cs typeface="CMU Serif" panose="02000603000000000000" pitchFamily="2" charset="0"/>
+                                    </a:rPr>
+                                    <m:t>𝑏</m:t>
+                                  </m:r>
+                                </m:sub>
+                              </m:sSub>
+                            </m:sub>
+                          </m:sSub>
+                          <m:r>
+                            <a:rPr lang="de-DE" b="1" i="1">
+                              <a:latin typeface="Cambria Math" panose="02040503050406030204" pitchFamily="18" charset="0"/>
+                              <a:ea typeface="CMU Serif" panose="02000603000000000000" pitchFamily="2" charset="0"/>
+                              <a:cs typeface="CMU Serif" panose="02000603000000000000" pitchFamily="2" charset="0"/>
+                            </a:rPr>
+                            <m:t>,</m:t>
+                          </m:r>
+                          <m:r>
+                            <a:rPr lang="de-DE" b="1" i="1">
+                              <a:latin typeface="Cambria Math" panose="02040503050406030204" pitchFamily="18" charset="0"/>
+                              <a:ea typeface="CMU Serif" panose="02000603000000000000" pitchFamily="2" charset="0"/>
+                              <a:cs typeface="CMU Serif" panose="02000603000000000000" pitchFamily="2" charset="0"/>
+                            </a:rPr>
+                            <m:t>𝑿</m:t>
+                          </m:r>
+                        </m:e>
+                        <m:sub>
+                          <m:sSub>
+                            <m:sSubPr>
+                              <m:ctrlPr>
+                                <a:rPr lang="de-DE" b="0" i="1" smtClean="0">
+                                  <a:latin typeface="Cambria Math" panose="02040503050406030204" pitchFamily="18" charset="0"/>
+                                  <a:ea typeface="CMU Serif" panose="02000603000000000000" pitchFamily="2" charset="0"/>
+                                  <a:cs typeface="CMU Serif" panose="02000603000000000000" pitchFamily="2" charset="0"/>
+                                </a:rPr>
+                              </m:ctrlPr>
+                            </m:sSubPr>
+                            <m:e>
+                              <m:r>
+                                <a:rPr lang="de-DE" b="0" i="1" smtClean="0">
+                                  <a:latin typeface="Cambria Math" panose="02040503050406030204" pitchFamily="18" charset="0"/>
+                                  <a:ea typeface="CMU Serif" panose="02000603000000000000" pitchFamily="2" charset="0"/>
+                                  <a:cs typeface="CMU Serif" panose="02000603000000000000" pitchFamily="2" charset="0"/>
+                                </a:rPr>
+                                <m:t>𝐺</m:t>
+                              </m:r>
+                            </m:e>
+                            <m:sub>
+                              <m:r>
+                                <a:rPr lang="de-DE" b="0" i="1" smtClean="0">
+                                  <a:latin typeface="Cambria Math" panose="02040503050406030204" pitchFamily="18" charset="0"/>
+                                  <a:ea typeface="CMU Serif" panose="02000603000000000000" pitchFamily="2" charset="0"/>
+                                  <a:cs typeface="CMU Serif" panose="02000603000000000000" pitchFamily="2" charset="0"/>
+                                </a:rPr>
+                                <m:t>𝑏</m:t>
+                              </m:r>
+                            </m:sub>
+                          </m:sSub>
+                        </m:sub>
+                      </m:sSub>
+                      <m:r>
+                        <a:rPr lang="de-DE" i="1">
+                          <a:latin typeface="Cambria Math" panose="02040503050406030204" pitchFamily="18" charset="0"/>
+                          <a:ea typeface="CMU Serif" panose="02000603000000000000" pitchFamily="2" charset="0"/>
+                          <a:cs typeface="CMU Serif" panose="02000603000000000000" pitchFamily="2" charset="0"/>
+                        </a:rPr>
+                        <m:t>)</m:t>
+                      </m:r>
+                    </m:oMath>
+                  </m:oMathPara>
+                </a14:m>
+                <a:endParaRPr lang="de-DE" dirty="0">
+                  <a:latin typeface="CMU Serif" panose="02000603000000000000" pitchFamily="2" charset="0"/>
+                  <a:ea typeface="CMU Serif" panose="02000603000000000000" pitchFamily="2" charset="0"/>
+                  <a:cs typeface="CMU Serif" panose="02000603000000000000" pitchFamily="2" charset="0"/>
+                </a:endParaRPr>
+              </a:p>
+            </p:txBody>
+          </p:sp>
+        </mc:Choice>
+        <mc:Fallback>
+          <p:sp>
+            <p:nvSpPr>
+              <p:cNvPr id="31" name="Rectangle 30">
+                <a:extLst>
+                  <a:ext uri="{FF2B5EF4-FFF2-40B4-BE49-F238E27FC236}">
+                    <a16:creationId xmlns:a16="http://schemas.microsoft.com/office/drawing/2014/main" id="{348B8271-49D9-46AE-B3C9-781EA8231DE0}"/>
+                  </a:ext>
+                </a:extLst>
+              </p:cNvPr>
+              <p:cNvSpPr>
+                <a:spLocks noRot="1" noChangeAspect="1" noMove="1" noResize="1" noEditPoints="1" noAdjustHandles="1" noChangeArrowheads="1" noChangeShapeType="1" noTextEdit="1"/>
+              </p:cNvSpPr>
+              <p:nvPr/>
+            </p:nvSpPr>
+            <p:spPr>
+              <a:xfrm>
+                <a:off x="7316874" y="3632471"/>
+                <a:ext cx="1078030" cy="768692"/>
+              </a:xfrm>
+              <a:prstGeom prst="rect">
+                <a:avLst/>
+              </a:prstGeom>
+              <a:blipFill>
+                <a:blip r:embed="rId18"/>
+                <a:stretch>
+                  <a:fillRect l="-8791" r="-1648"/>
+                </a:stretch>
+              </a:blipFill>
+              <a:ln w="28575"/>
             </p:spPr>
             <p:txBody>
               <a:bodyPr/>
@@ -4632,7 +6058,7 @@
         <p:spPr>
           <a:xfrm>
             <a:off x="2117558" y="1126156"/>
-            <a:ext cx="3277111" cy="3416403"/>
+            <a:ext cx="2836663" cy="3416403"/>
           </a:xfrm>
           <a:prstGeom prst="rect">
             <a:avLst/>
@@ -4662,41 +6088,19 @@
             <a:r>
               <a:rPr lang="de-DE" dirty="0">
                 <a:solidFill>
-                  <a:schemeClr val="tx1"/>
+                  <a:schemeClr val="bg1"/>
                 </a:solidFill>
                 <a:latin typeface="CMU Serif" panose="02000603000000000000" pitchFamily="2" charset="0"/>
                 <a:ea typeface="CMU Serif" panose="02000603000000000000" pitchFamily="2" charset="0"/>
                 <a:cs typeface="CMU Serif" panose="02000603000000000000" pitchFamily="2" charset="0"/>
               </a:rPr>
-              <a:t>All Classes + OLS </a:t>
-            </a:r>
-            <a:r>
-              <a:rPr lang="de-DE" dirty="0" err="1">
-                <a:solidFill>
-                  <a:schemeClr val="tx1"/>
-                </a:solidFill>
-                <a:latin typeface="CMU Serif" panose="02000603000000000000" pitchFamily="2" charset="0"/>
-                <a:ea typeface="CMU Serif" panose="02000603000000000000" pitchFamily="2" charset="0"/>
-                <a:cs typeface="CMU Serif" panose="02000603000000000000" pitchFamily="2" charset="0"/>
-              </a:rPr>
-              <a:t>Residuals</a:t>
-            </a:r>
-            <a:r>
-              <a:rPr lang="de-DE" dirty="0">
-                <a:solidFill>
-                  <a:schemeClr val="tx1"/>
-                </a:solidFill>
-                <a:latin typeface="CMU Serif" panose="02000603000000000000" pitchFamily="2" charset="0"/>
-                <a:ea typeface="CMU Serif" panose="02000603000000000000" pitchFamily="2" charset="0"/>
-                <a:cs typeface="CMU Serif" panose="02000603000000000000" pitchFamily="2" charset="0"/>
-              </a:rPr>
-              <a:t> </a:t>
+              <a:t>All Classes + OLS Model</a:t>
             </a:r>
           </a:p>
         </p:txBody>
       </p:sp>
-      <mc:AlternateContent xmlns:mc="http://schemas.openxmlformats.org/markup-compatibility/2006">
-        <mc:Choice xmlns:a14="http://schemas.microsoft.com/office/drawing/2010/main" Requires="a14">
+      <mc:AlternateContent xmlns:mc="http://schemas.openxmlformats.org/markup-compatibility/2006" xmlns:a14="http://schemas.microsoft.com/office/drawing/2010/main">
+        <mc:Choice Requires="a14">
           <p:sp>
             <p:nvSpPr>
               <p:cNvPr id="5" name="Rectangle 4">
@@ -4806,7 +6210,7 @@
             </p:txBody>
           </p:sp>
         </mc:Choice>
-        <mc:Fallback>
+        <mc:Fallback xmlns="">
           <p:sp>
             <p:nvSpPr>
               <p:cNvPr id="5" name="Rectangle 4">
@@ -4852,8 +6256,8 @@
           </p:sp>
         </mc:Fallback>
       </mc:AlternateContent>
-      <mc:AlternateContent xmlns:mc="http://schemas.openxmlformats.org/markup-compatibility/2006">
-        <mc:Choice xmlns:a14="http://schemas.microsoft.com/office/drawing/2010/main" Requires="a14">
+      <mc:AlternateContent xmlns:mc="http://schemas.openxmlformats.org/markup-compatibility/2006" xmlns:a14="http://schemas.microsoft.com/office/drawing/2010/main">
+        <mc:Choice Requires="a14">
           <p:sp>
             <p:nvSpPr>
               <p:cNvPr id="7" name="Rectangle 6">
@@ -4963,7 +6367,7 @@
             </p:txBody>
           </p:sp>
         </mc:Choice>
-        <mc:Fallback>
+        <mc:Fallback xmlns="">
           <p:sp>
             <p:nvSpPr>
               <p:cNvPr id="7" name="Rectangle 6">
@@ -5009,8 +6413,8 @@
           </p:sp>
         </mc:Fallback>
       </mc:AlternateContent>
-      <mc:AlternateContent xmlns:mc="http://schemas.openxmlformats.org/markup-compatibility/2006">
-        <mc:Choice xmlns:a14="http://schemas.microsoft.com/office/drawing/2010/main" Requires="a14">
+      <mc:AlternateContent xmlns:mc="http://schemas.openxmlformats.org/markup-compatibility/2006" xmlns:a14="http://schemas.microsoft.com/office/drawing/2010/main">
+        <mc:Choice Requires="a14">
           <p:sp>
             <p:nvSpPr>
               <p:cNvPr id="8" name="Rectangle 7">
@@ -5120,7 +6524,7 @@
             </p:txBody>
           </p:sp>
         </mc:Choice>
-        <mc:Fallback>
+        <mc:Fallback xmlns="">
           <p:sp>
             <p:nvSpPr>
               <p:cNvPr id="8" name="Rectangle 7">
@@ -5182,7 +6586,7 @@
             </p:nvSpPr>
             <p:spPr>
               <a:xfrm>
-                <a:off x="2236636" y="2973573"/>
+                <a:off x="2229962" y="2970967"/>
                 <a:ext cx="1078030" cy="540000"/>
               </a:xfrm>
               <a:prstGeom prst="rect">
@@ -5254,7 +6658,7 @@
             </p:nvSpPr>
             <p:spPr>
               <a:xfrm>
-                <a:off x="2236636" y="2973573"/>
+                <a:off x="2229962" y="2970967"/>
                 <a:ext cx="1078030" cy="540000"/>
               </a:xfrm>
               <a:prstGeom prst="rect">
@@ -5285,12 +6689,867 @@
           </p:sp>
         </mc:Fallback>
       </mc:AlternateContent>
+      <mc:AlternateContent xmlns:mc="http://schemas.openxmlformats.org/markup-compatibility/2006">
+        <mc:Choice xmlns:a14="http://schemas.microsoft.com/office/drawing/2010/main" Requires="a14">
+          <p:sp>
+            <p:nvSpPr>
+              <p:cNvPr id="14" name="Rectangle 13">
+                <a:extLst>
+                  <a:ext uri="{FF2B5EF4-FFF2-40B4-BE49-F238E27FC236}">
+                    <a16:creationId xmlns:a16="http://schemas.microsoft.com/office/drawing/2014/main" id="{E51802BD-3999-48AB-BBE9-DB4D0E205FEF}"/>
+                  </a:ext>
+                </a:extLst>
+              </p:cNvPr>
+              <p:cNvSpPr/>
+              <p:nvPr/>
+            </p:nvSpPr>
+            <p:spPr>
+              <a:xfrm>
+                <a:off x="3314666" y="1507521"/>
+                <a:ext cx="1087654" cy="720000"/>
+              </a:xfrm>
+              <a:prstGeom prst="rect">
+                <a:avLst/>
+              </a:prstGeom>
+              <a:ln w="28575"/>
+            </p:spPr>
+            <p:style>
+              <a:lnRef idx="2">
+                <a:schemeClr val="dk1"/>
+              </a:lnRef>
+              <a:fillRef idx="1">
+                <a:schemeClr val="lt1"/>
+              </a:fillRef>
+              <a:effectRef idx="0">
+                <a:schemeClr val="dk1"/>
+              </a:effectRef>
+              <a:fontRef idx="minor">
+                <a:schemeClr val="dk1"/>
+              </a:fontRef>
+            </p:style>
+            <p:txBody>
+              <a:bodyPr rtlCol="0" anchor="ctr"/>
+              <a:lstStyle/>
+              <a:p>
+                <a:pPr algn="ctr"/>
+                <a14:m>
+                  <m:oMathPara xmlns:m="http://schemas.openxmlformats.org/officeDocument/2006/math">
+                    <m:oMathParaPr>
+                      <m:jc m:val="centerGroup"/>
+                    </m:oMathParaPr>
+                    <m:oMath xmlns:m="http://schemas.openxmlformats.org/officeDocument/2006/math">
+                      <m:sSub>
+                        <m:sSubPr>
+                          <m:ctrlPr>
+                            <a:rPr lang="de-DE" i="1" smtClean="0">
+                              <a:latin typeface="Cambria Math" panose="02040503050406030204" pitchFamily="18" charset="0"/>
+                              <a:ea typeface="CMU Serif" panose="02000603000000000000" pitchFamily="2" charset="0"/>
+                              <a:cs typeface="CMU Serif" panose="02000603000000000000" pitchFamily="2" charset="0"/>
+                            </a:rPr>
+                          </m:ctrlPr>
+                        </m:sSubPr>
+                        <m:e>
+                          <m:r>
+                            <a:rPr lang="de-DE" b="1" i="1" smtClean="0">
+                              <a:latin typeface="Cambria Math" panose="02040503050406030204" pitchFamily="18" charset="0"/>
+                              <a:ea typeface="CMU Serif" panose="02000603000000000000" pitchFamily="2" charset="0"/>
+                              <a:cs typeface="CMU Serif" panose="02000603000000000000" pitchFamily="2" charset="0"/>
+                            </a:rPr>
+                            <m:t>(</m:t>
+                          </m:r>
+                          <m:r>
+                            <a:rPr lang="de-DE" b="1" i="1" smtClean="0">
+                              <a:latin typeface="Cambria Math" panose="02040503050406030204" pitchFamily="18" charset="0"/>
+                              <a:ea typeface="CMU Serif" panose="02000603000000000000" pitchFamily="2" charset="0"/>
+                              <a:cs typeface="CMU Serif" panose="02000603000000000000" pitchFamily="2" charset="0"/>
+                            </a:rPr>
+                            <m:t>𝑿</m:t>
+                          </m:r>
+                        </m:e>
+                        <m:sub>
+                          <m:r>
+                            <a:rPr lang="de-DE" i="1">
+                              <a:latin typeface="Cambria Math" panose="02040503050406030204" pitchFamily="18" charset="0"/>
+                              <a:ea typeface="CMU Serif" panose="02000603000000000000" pitchFamily="2" charset="0"/>
+                              <a:cs typeface="CMU Serif" panose="02000603000000000000" pitchFamily="2" charset="0"/>
+                            </a:rPr>
+                            <m:t>1</m:t>
+                          </m:r>
+                        </m:sub>
+                      </m:sSub>
+                      <m:r>
+                        <a:rPr lang="de-DE" b="0" i="1" smtClean="0">
+                          <a:latin typeface="Cambria Math" panose="02040503050406030204" pitchFamily="18" charset="0"/>
+                          <a:ea typeface="CMU Serif" panose="02000603000000000000" pitchFamily="2" charset="0"/>
+                          <a:cs typeface="CMU Serif" panose="02000603000000000000" pitchFamily="2" charset="0"/>
+                        </a:rPr>
+                        <m:t>,</m:t>
+                      </m:r>
+                      <m:sSub>
+                        <m:sSubPr>
+                          <m:ctrlPr>
+                            <a:rPr lang="de-DE" b="0" i="1" smtClean="0">
+                              <a:latin typeface="Cambria Math" panose="02040503050406030204" pitchFamily="18" charset="0"/>
+                              <a:ea typeface="CMU Serif" panose="02000603000000000000" pitchFamily="2" charset="0"/>
+                              <a:cs typeface="CMU Serif" panose="02000603000000000000" pitchFamily="2" charset="0"/>
+                            </a:rPr>
+                          </m:ctrlPr>
+                        </m:sSubPr>
+                        <m:e>
+                          <m:acc>
+                            <m:accPr>
+                              <m:chr m:val="̂"/>
+                              <m:ctrlPr>
+                                <a:rPr lang="de-DE" b="0" i="1" smtClean="0">
+                                  <a:latin typeface="Cambria Math" panose="02040503050406030204" pitchFamily="18" charset="0"/>
+                                  <a:ea typeface="CMU Serif" panose="02000603000000000000" pitchFamily="2" charset="0"/>
+                                  <a:cs typeface="CMU Serif" panose="02000603000000000000" pitchFamily="2" charset="0"/>
+                                </a:rPr>
+                              </m:ctrlPr>
+                            </m:accPr>
+                            <m:e>
+                              <m:r>
+                                <a:rPr lang="de-DE" b="1" i="1">
+                                  <a:latin typeface="Cambria Math" panose="02040503050406030204" pitchFamily="18" charset="0"/>
+                                  <a:ea typeface="CMU Serif" panose="02000603000000000000" pitchFamily="2" charset="0"/>
+                                  <a:cs typeface="CMU Serif" panose="02000603000000000000" pitchFamily="2" charset="0"/>
+                                </a:rPr>
+                                <m:t>𝒖</m:t>
+                              </m:r>
+                            </m:e>
+                          </m:acc>
+                        </m:e>
+                        <m:sub>
+                          <m:r>
+                            <a:rPr lang="de-DE" b="0" i="1" smtClean="0">
+                              <a:latin typeface="Cambria Math" panose="02040503050406030204" pitchFamily="18" charset="0"/>
+                              <a:ea typeface="CMU Serif" panose="02000603000000000000" pitchFamily="2" charset="0"/>
+                              <a:cs typeface="CMU Serif" panose="02000603000000000000" pitchFamily="2" charset="0"/>
+                            </a:rPr>
+                            <m:t>1</m:t>
+                          </m:r>
+                        </m:sub>
+                      </m:sSub>
+                      <m:r>
+                        <a:rPr lang="de-DE" b="0" i="1" smtClean="0">
+                          <a:latin typeface="Cambria Math" panose="02040503050406030204" pitchFamily="18" charset="0"/>
+                          <a:ea typeface="CMU Serif" panose="02000603000000000000" pitchFamily="2" charset="0"/>
+                          <a:cs typeface="CMU Serif" panose="02000603000000000000" pitchFamily="2" charset="0"/>
+                        </a:rPr>
+                        <m:t>)</m:t>
+                      </m:r>
+                    </m:oMath>
+                  </m:oMathPara>
+                </a14:m>
+                <a:endParaRPr lang="de-DE" dirty="0">
+                  <a:latin typeface="CMU Serif" panose="02000603000000000000" pitchFamily="2" charset="0"/>
+                  <a:ea typeface="CMU Serif" panose="02000603000000000000" pitchFamily="2" charset="0"/>
+                  <a:cs typeface="CMU Serif" panose="02000603000000000000" pitchFamily="2" charset="0"/>
+                </a:endParaRPr>
+              </a:p>
+            </p:txBody>
+          </p:sp>
+        </mc:Choice>
+        <mc:Fallback>
+          <p:sp>
+            <p:nvSpPr>
+              <p:cNvPr id="14" name="Rectangle 13">
+                <a:extLst>
+                  <a:ext uri="{FF2B5EF4-FFF2-40B4-BE49-F238E27FC236}">
+                    <a16:creationId xmlns:a16="http://schemas.microsoft.com/office/drawing/2014/main" id="{E51802BD-3999-48AB-BBE9-DB4D0E205FEF}"/>
+                  </a:ext>
+                </a:extLst>
+              </p:cNvPr>
+              <p:cNvSpPr>
+                <a:spLocks noRot="1" noChangeAspect="1" noMove="1" noResize="1" noEditPoints="1" noAdjustHandles="1" noChangeArrowheads="1" noChangeShapeType="1" noTextEdit="1"/>
+              </p:cNvSpPr>
+              <p:nvPr/>
+            </p:nvSpPr>
+            <p:spPr>
+              <a:xfrm>
+                <a:off x="3314666" y="1507521"/>
+                <a:ext cx="1087654" cy="720000"/>
+              </a:xfrm>
+              <a:prstGeom prst="rect">
+                <a:avLst/>
+              </a:prstGeom>
+              <a:blipFill>
+                <a:blip r:embed="rId6"/>
+                <a:stretch>
+                  <a:fillRect r="-7104"/>
+                </a:stretch>
+              </a:blipFill>
+              <a:ln w="28575"/>
+            </p:spPr>
+            <p:txBody>
+              <a:bodyPr/>
+              <a:lstStyle/>
+              <a:p>
+                <a:r>
+                  <a:rPr lang="de-DE">
+                    <a:noFill/>
+                  </a:rPr>
+                  <a:t> </a:t>
+                </a:r>
+              </a:p>
+            </p:txBody>
+          </p:sp>
+        </mc:Fallback>
+      </mc:AlternateContent>
+      <mc:AlternateContent xmlns:mc="http://schemas.openxmlformats.org/markup-compatibility/2006">
+        <mc:Choice xmlns:a14="http://schemas.microsoft.com/office/drawing/2010/main" Requires="a14">
+          <p:sp>
+            <p:nvSpPr>
+              <p:cNvPr id="15" name="Rectangle 14">
+                <a:extLst>
+                  <a:ext uri="{FF2B5EF4-FFF2-40B4-BE49-F238E27FC236}">
+                    <a16:creationId xmlns:a16="http://schemas.microsoft.com/office/drawing/2014/main" id="{483DF976-E777-4F2E-8EBB-EBAA5019B1C5}"/>
+                  </a:ext>
+                </a:extLst>
+              </p:cNvPr>
+              <p:cNvSpPr/>
+              <p:nvPr/>
+            </p:nvSpPr>
+            <p:spPr>
+              <a:xfrm>
+                <a:off x="3314666" y="2327942"/>
+                <a:ext cx="1087654" cy="542605"/>
+              </a:xfrm>
+              <a:prstGeom prst="rect">
+                <a:avLst/>
+              </a:prstGeom>
+              <a:ln w="28575"/>
+            </p:spPr>
+            <p:style>
+              <a:lnRef idx="2">
+                <a:schemeClr val="dk1"/>
+              </a:lnRef>
+              <a:fillRef idx="1">
+                <a:schemeClr val="lt1"/>
+              </a:fillRef>
+              <a:effectRef idx="0">
+                <a:schemeClr val="dk1"/>
+              </a:effectRef>
+              <a:fontRef idx="minor">
+                <a:schemeClr val="dk1"/>
+              </a:fontRef>
+            </p:style>
+            <p:txBody>
+              <a:bodyPr rtlCol="0" anchor="ctr"/>
+              <a:lstStyle/>
+              <a:p>
+                <a:pPr algn="ctr"/>
+                <a14:m>
+                  <m:oMathPara xmlns:m="http://schemas.openxmlformats.org/officeDocument/2006/math">
+                    <m:oMathParaPr>
+                      <m:jc m:val="centerGroup"/>
+                    </m:oMathParaPr>
+                    <m:oMath xmlns:m="http://schemas.openxmlformats.org/officeDocument/2006/math">
+                      <m:sSub>
+                        <m:sSubPr>
+                          <m:ctrlPr>
+                            <a:rPr lang="de-DE" i="1" smtClean="0">
+                              <a:latin typeface="Cambria Math" panose="02040503050406030204" pitchFamily="18" charset="0"/>
+                              <a:ea typeface="CMU Serif" panose="02000603000000000000" pitchFamily="2" charset="0"/>
+                              <a:cs typeface="CMU Serif" panose="02000603000000000000" pitchFamily="2" charset="0"/>
+                            </a:rPr>
+                          </m:ctrlPr>
+                        </m:sSubPr>
+                        <m:e>
+                          <m:r>
+                            <a:rPr lang="de-DE" b="1" i="1">
+                              <a:latin typeface="Cambria Math" panose="02040503050406030204" pitchFamily="18" charset="0"/>
+                              <a:ea typeface="CMU Serif" panose="02000603000000000000" pitchFamily="2" charset="0"/>
+                              <a:cs typeface="CMU Serif" panose="02000603000000000000" pitchFamily="2" charset="0"/>
+                            </a:rPr>
+                            <m:t>(</m:t>
+                          </m:r>
+                          <m:r>
+                            <a:rPr lang="de-DE" b="1" i="1">
+                              <a:latin typeface="Cambria Math" panose="02040503050406030204" pitchFamily="18" charset="0"/>
+                              <a:ea typeface="CMU Serif" panose="02000603000000000000" pitchFamily="2" charset="0"/>
+                              <a:cs typeface="CMU Serif" panose="02000603000000000000" pitchFamily="2" charset="0"/>
+                            </a:rPr>
+                            <m:t>𝑿</m:t>
+                          </m:r>
+                        </m:e>
+                        <m:sub>
+                          <m:r>
+                            <a:rPr lang="de-DE" b="0" i="1" smtClean="0">
+                              <a:latin typeface="Cambria Math" panose="02040503050406030204" pitchFamily="18" charset="0"/>
+                              <a:ea typeface="CMU Serif" panose="02000603000000000000" pitchFamily="2" charset="0"/>
+                              <a:cs typeface="CMU Serif" panose="02000603000000000000" pitchFamily="2" charset="0"/>
+                            </a:rPr>
+                            <m:t>2</m:t>
+                          </m:r>
+                        </m:sub>
+                      </m:sSub>
+                      <m:r>
+                        <a:rPr lang="de-DE" i="1">
+                          <a:latin typeface="Cambria Math" panose="02040503050406030204" pitchFamily="18" charset="0"/>
+                          <a:ea typeface="CMU Serif" panose="02000603000000000000" pitchFamily="2" charset="0"/>
+                          <a:cs typeface="CMU Serif" panose="02000603000000000000" pitchFamily="2" charset="0"/>
+                        </a:rPr>
+                        <m:t>,</m:t>
+                      </m:r>
+                      <m:sSub>
+                        <m:sSubPr>
+                          <m:ctrlPr>
+                            <a:rPr lang="de-DE" i="1">
+                              <a:latin typeface="Cambria Math" panose="02040503050406030204" pitchFamily="18" charset="0"/>
+                              <a:ea typeface="CMU Serif" panose="02000603000000000000" pitchFamily="2" charset="0"/>
+                              <a:cs typeface="CMU Serif" panose="02000603000000000000" pitchFamily="2" charset="0"/>
+                            </a:rPr>
+                          </m:ctrlPr>
+                        </m:sSubPr>
+                        <m:e>
+                          <m:acc>
+                            <m:accPr>
+                              <m:chr m:val="̂"/>
+                              <m:ctrlPr>
+                                <a:rPr lang="de-DE" i="1">
+                                  <a:latin typeface="Cambria Math" panose="02040503050406030204" pitchFamily="18" charset="0"/>
+                                  <a:ea typeface="CMU Serif" panose="02000603000000000000" pitchFamily="2" charset="0"/>
+                                  <a:cs typeface="CMU Serif" panose="02000603000000000000" pitchFamily="2" charset="0"/>
+                                </a:rPr>
+                              </m:ctrlPr>
+                            </m:accPr>
+                            <m:e>
+                              <m:r>
+                                <a:rPr lang="de-DE" b="1" i="1">
+                                  <a:latin typeface="Cambria Math" panose="02040503050406030204" pitchFamily="18" charset="0"/>
+                                  <a:ea typeface="CMU Serif" panose="02000603000000000000" pitchFamily="2" charset="0"/>
+                                  <a:cs typeface="CMU Serif" panose="02000603000000000000" pitchFamily="2" charset="0"/>
+                                </a:rPr>
+                                <m:t>𝒖</m:t>
+                              </m:r>
+                            </m:e>
+                          </m:acc>
+                        </m:e>
+                        <m:sub>
+                          <m:r>
+                            <a:rPr lang="de-DE" b="0" i="1" smtClean="0">
+                              <a:latin typeface="Cambria Math" panose="02040503050406030204" pitchFamily="18" charset="0"/>
+                              <a:ea typeface="CMU Serif" panose="02000603000000000000" pitchFamily="2" charset="0"/>
+                              <a:cs typeface="CMU Serif" panose="02000603000000000000" pitchFamily="2" charset="0"/>
+                            </a:rPr>
+                            <m:t>2</m:t>
+                          </m:r>
+                        </m:sub>
+                      </m:sSub>
+                      <m:r>
+                        <a:rPr lang="de-DE" i="1">
+                          <a:latin typeface="Cambria Math" panose="02040503050406030204" pitchFamily="18" charset="0"/>
+                          <a:ea typeface="CMU Serif" panose="02000603000000000000" pitchFamily="2" charset="0"/>
+                          <a:cs typeface="CMU Serif" panose="02000603000000000000" pitchFamily="2" charset="0"/>
+                        </a:rPr>
+                        <m:t>)</m:t>
+                      </m:r>
+                    </m:oMath>
+                  </m:oMathPara>
+                </a14:m>
+                <a:endParaRPr lang="de-DE" dirty="0">
+                  <a:latin typeface="CMU Serif" panose="02000603000000000000" pitchFamily="2" charset="0"/>
+                  <a:ea typeface="CMU Serif" panose="02000603000000000000" pitchFamily="2" charset="0"/>
+                  <a:cs typeface="CMU Serif" panose="02000603000000000000" pitchFamily="2" charset="0"/>
+                </a:endParaRPr>
+              </a:p>
+            </p:txBody>
+          </p:sp>
+        </mc:Choice>
+        <mc:Fallback>
+          <p:sp>
+            <p:nvSpPr>
+              <p:cNvPr id="15" name="Rectangle 14">
+                <a:extLst>
+                  <a:ext uri="{FF2B5EF4-FFF2-40B4-BE49-F238E27FC236}">
+                    <a16:creationId xmlns:a16="http://schemas.microsoft.com/office/drawing/2014/main" id="{483DF976-E777-4F2E-8EBB-EBAA5019B1C5}"/>
+                  </a:ext>
+                </a:extLst>
+              </p:cNvPr>
+              <p:cNvSpPr>
+                <a:spLocks noRot="1" noChangeAspect="1" noMove="1" noResize="1" noEditPoints="1" noAdjustHandles="1" noChangeArrowheads="1" noChangeShapeType="1" noTextEdit="1"/>
+              </p:cNvSpPr>
+              <p:nvPr/>
+            </p:nvSpPr>
+            <p:spPr>
+              <a:xfrm>
+                <a:off x="3314666" y="2327942"/>
+                <a:ext cx="1087654" cy="542605"/>
+              </a:xfrm>
+              <a:prstGeom prst="rect">
+                <a:avLst/>
+              </a:prstGeom>
+              <a:blipFill>
+                <a:blip r:embed="rId7"/>
+                <a:stretch>
+                  <a:fillRect r="-7104"/>
+                </a:stretch>
+              </a:blipFill>
+              <a:ln w="28575"/>
+            </p:spPr>
+            <p:txBody>
+              <a:bodyPr/>
+              <a:lstStyle/>
+              <a:p>
+                <a:r>
+                  <a:rPr lang="de-DE">
+                    <a:noFill/>
+                  </a:rPr>
+                  <a:t> </a:t>
+                </a:r>
+              </a:p>
+            </p:txBody>
+          </p:sp>
+        </mc:Fallback>
+      </mc:AlternateContent>
+      <mc:AlternateContent xmlns:mc="http://schemas.openxmlformats.org/markup-compatibility/2006">
+        <mc:Choice xmlns:a14="http://schemas.microsoft.com/office/drawing/2010/main" Requires="a14">
+          <p:sp>
+            <p:nvSpPr>
+              <p:cNvPr id="16" name="Rectangle 15">
+                <a:extLst>
+                  <a:ext uri="{FF2B5EF4-FFF2-40B4-BE49-F238E27FC236}">
+                    <a16:creationId xmlns:a16="http://schemas.microsoft.com/office/drawing/2014/main" id="{EAF09AE8-0250-4CEE-9219-0BCAD4AEFB27}"/>
+                  </a:ext>
+                </a:extLst>
+              </p:cNvPr>
+              <p:cNvSpPr/>
+              <p:nvPr/>
+            </p:nvSpPr>
+            <p:spPr>
+              <a:xfrm>
+                <a:off x="3314667" y="3616599"/>
+                <a:ext cx="1087654" cy="768692"/>
+              </a:xfrm>
+              <a:prstGeom prst="rect">
+                <a:avLst/>
+              </a:prstGeom>
+              <a:ln w="28575"/>
+            </p:spPr>
+            <p:style>
+              <a:lnRef idx="2">
+                <a:schemeClr val="dk1"/>
+              </a:lnRef>
+              <a:fillRef idx="1">
+                <a:schemeClr val="lt1"/>
+              </a:fillRef>
+              <a:effectRef idx="0">
+                <a:schemeClr val="dk1"/>
+              </a:effectRef>
+              <a:fontRef idx="minor">
+                <a:schemeClr val="dk1"/>
+              </a:fontRef>
+            </p:style>
+            <p:txBody>
+              <a:bodyPr rtlCol="0" anchor="ctr"/>
+              <a:lstStyle/>
+              <a:p>
+                <a:pPr algn="ctr"/>
+                <a14:m>
+                  <m:oMathPara xmlns:m="http://schemas.openxmlformats.org/officeDocument/2006/math">
+                    <m:oMathParaPr>
+                      <m:jc m:val="centerGroup"/>
+                    </m:oMathParaPr>
+                    <m:oMath xmlns:m="http://schemas.openxmlformats.org/officeDocument/2006/math">
+                      <m:sSub>
+                        <m:sSubPr>
+                          <m:ctrlPr>
+                            <a:rPr lang="de-DE" i="1" smtClean="0">
+                              <a:latin typeface="Cambria Math" panose="02040503050406030204" pitchFamily="18" charset="0"/>
+                              <a:ea typeface="CMU Serif" panose="02000603000000000000" pitchFamily="2" charset="0"/>
+                              <a:cs typeface="CMU Serif" panose="02000603000000000000" pitchFamily="2" charset="0"/>
+                            </a:rPr>
+                          </m:ctrlPr>
+                        </m:sSubPr>
+                        <m:e>
+                          <m:r>
+                            <a:rPr lang="de-DE" b="1" i="1">
+                              <a:latin typeface="Cambria Math" panose="02040503050406030204" pitchFamily="18" charset="0"/>
+                              <a:ea typeface="CMU Serif" panose="02000603000000000000" pitchFamily="2" charset="0"/>
+                              <a:cs typeface="CMU Serif" panose="02000603000000000000" pitchFamily="2" charset="0"/>
+                            </a:rPr>
+                            <m:t>(</m:t>
+                          </m:r>
+                          <m:r>
+                            <a:rPr lang="de-DE" b="1" i="1">
+                              <a:latin typeface="Cambria Math" panose="02040503050406030204" pitchFamily="18" charset="0"/>
+                              <a:ea typeface="CMU Serif" panose="02000603000000000000" pitchFamily="2" charset="0"/>
+                              <a:cs typeface="CMU Serif" panose="02000603000000000000" pitchFamily="2" charset="0"/>
+                            </a:rPr>
+                            <m:t>𝑿</m:t>
+                          </m:r>
+                        </m:e>
+                        <m:sub>
+                          <m:r>
+                            <a:rPr lang="de-DE" b="0" i="1" smtClean="0">
+                              <a:latin typeface="Cambria Math" panose="02040503050406030204" pitchFamily="18" charset="0"/>
+                              <a:ea typeface="CMU Serif" panose="02000603000000000000" pitchFamily="2" charset="0"/>
+                              <a:cs typeface="CMU Serif" panose="02000603000000000000" pitchFamily="2" charset="0"/>
+                            </a:rPr>
+                            <m:t>𝐺</m:t>
+                          </m:r>
+                        </m:sub>
+                      </m:sSub>
+                      <m:r>
+                        <a:rPr lang="de-DE" i="1">
+                          <a:latin typeface="Cambria Math" panose="02040503050406030204" pitchFamily="18" charset="0"/>
+                          <a:ea typeface="CMU Serif" panose="02000603000000000000" pitchFamily="2" charset="0"/>
+                          <a:cs typeface="CMU Serif" panose="02000603000000000000" pitchFamily="2" charset="0"/>
+                        </a:rPr>
+                        <m:t>,</m:t>
+                      </m:r>
+                      <m:sSub>
+                        <m:sSubPr>
+                          <m:ctrlPr>
+                            <a:rPr lang="de-DE" i="1">
+                              <a:latin typeface="Cambria Math" panose="02040503050406030204" pitchFamily="18" charset="0"/>
+                              <a:ea typeface="CMU Serif" panose="02000603000000000000" pitchFamily="2" charset="0"/>
+                              <a:cs typeface="CMU Serif" panose="02000603000000000000" pitchFamily="2" charset="0"/>
+                            </a:rPr>
+                          </m:ctrlPr>
+                        </m:sSubPr>
+                        <m:e>
+                          <m:acc>
+                            <m:accPr>
+                              <m:chr m:val="̂"/>
+                              <m:ctrlPr>
+                                <a:rPr lang="de-DE" i="1">
+                                  <a:latin typeface="Cambria Math" panose="02040503050406030204" pitchFamily="18" charset="0"/>
+                                  <a:ea typeface="CMU Serif" panose="02000603000000000000" pitchFamily="2" charset="0"/>
+                                  <a:cs typeface="CMU Serif" panose="02000603000000000000" pitchFamily="2" charset="0"/>
+                                </a:rPr>
+                              </m:ctrlPr>
+                            </m:accPr>
+                            <m:e>
+                              <m:r>
+                                <a:rPr lang="de-DE" b="1" i="1">
+                                  <a:latin typeface="Cambria Math" panose="02040503050406030204" pitchFamily="18" charset="0"/>
+                                  <a:ea typeface="CMU Serif" panose="02000603000000000000" pitchFamily="2" charset="0"/>
+                                  <a:cs typeface="CMU Serif" panose="02000603000000000000" pitchFamily="2" charset="0"/>
+                                </a:rPr>
+                                <m:t>𝒖</m:t>
+                              </m:r>
+                            </m:e>
+                          </m:acc>
+                        </m:e>
+                        <m:sub>
+                          <m:r>
+                            <a:rPr lang="de-DE" b="0" i="1" smtClean="0">
+                              <a:latin typeface="Cambria Math" panose="02040503050406030204" pitchFamily="18" charset="0"/>
+                              <a:ea typeface="CMU Serif" panose="02000603000000000000" pitchFamily="2" charset="0"/>
+                              <a:cs typeface="CMU Serif" panose="02000603000000000000" pitchFamily="2" charset="0"/>
+                            </a:rPr>
+                            <m:t>𝐺</m:t>
+                          </m:r>
+                        </m:sub>
+                      </m:sSub>
+                      <m:r>
+                        <a:rPr lang="de-DE" i="1">
+                          <a:latin typeface="Cambria Math" panose="02040503050406030204" pitchFamily="18" charset="0"/>
+                          <a:ea typeface="CMU Serif" panose="02000603000000000000" pitchFamily="2" charset="0"/>
+                          <a:cs typeface="CMU Serif" panose="02000603000000000000" pitchFamily="2" charset="0"/>
+                        </a:rPr>
+                        <m:t>)</m:t>
+                      </m:r>
+                    </m:oMath>
+                  </m:oMathPara>
+                </a14:m>
+                <a:endParaRPr lang="de-DE" dirty="0">
+                  <a:latin typeface="CMU Serif" panose="02000603000000000000" pitchFamily="2" charset="0"/>
+                  <a:ea typeface="CMU Serif" panose="02000603000000000000" pitchFamily="2" charset="0"/>
+                  <a:cs typeface="CMU Serif" panose="02000603000000000000" pitchFamily="2" charset="0"/>
+                </a:endParaRPr>
+              </a:p>
+            </p:txBody>
+          </p:sp>
+        </mc:Choice>
+        <mc:Fallback>
+          <p:sp>
+            <p:nvSpPr>
+              <p:cNvPr id="16" name="Rectangle 15">
+                <a:extLst>
+                  <a:ext uri="{FF2B5EF4-FFF2-40B4-BE49-F238E27FC236}">
+                    <a16:creationId xmlns:a16="http://schemas.microsoft.com/office/drawing/2014/main" id="{EAF09AE8-0250-4CEE-9219-0BCAD4AEFB27}"/>
+                  </a:ext>
+                </a:extLst>
+              </p:cNvPr>
+              <p:cNvSpPr>
+                <a:spLocks noRot="1" noChangeAspect="1" noMove="1" noResize="1" noEditPoints="1" noAdjustHandles="1" noChangeArrowheads="1" noChangeShapeType="1" noTextEdit="1"/>
+              </p:cNvSpPr>
+              <p:nvPr/>
+            </p:nvSpPr>
+            <p:spPr>
+              <a:xfrm>
+                <a:off x="3314667" y="3616599"/>
+                <a:ext cx="1087654" cy="768692"/>
+              </a:xfrm>
+              <a:prstGeom prst="rect">
+                <a:avLst/>
+              </a:prstGeom>
+              <a:blipFill>
+                <a:blip r:embed="rId8"/>
+                <a:stretch>
+                  <a:fillRect l="-546" r="-7104"/>
+                </a:stretch>
+              </a:blipFill>
+              <a:ln w="28575"/>
+            </p:spPr>
+            <p:txBody>
+              <a:bodyPr/>
+              <a:lstStyle/>
+              <a:p>
+                <a:r>
+                  <a:rPr lang="de-DE">
+                    <a:noFill/>
+                  </a:rPr>
+                  <a:t> </a:t>
+                </a:r>
+              </a:p>
+            </p:txBody>
+          </p:sp>
+        </mc:Fallback>
+      </mc:AlternateContent>
+      <mc:AlternateContent xmlns:mc="http://schemas.openxmlformats.org/markup-compatibility/2006">
+        <mc:Choice xmlns:a14="http://schemas.microsoft.com/office/drawing/2010/main" Requires="a14">
+          <p:sp>
+            <p:nvSpPr>
+              <p:cNvPr id="17" name="Rectangle 16">
+                <a:extLst>
+                  <a:ext uri="{FF2B5EF4-FFF2-40B4-BE49-F238E27FC236}">
+                    <a16:creationId xmlns:a16="http://schemas.microsoft.com/office/drawing/2014/main" id="{629DE20F-5128-42ED-9826-DDBE37C8D681}"/>
+                  </a:ext>
+                </a:extLst>
+              </p:cNvPr>
+              <p:cNvSpPr/>
+              <p:nvPr/>
+            </p:nvSpPr>
+            <p:spPr>
+              <a:xfrm>
+                <a:off x="3285991" y="2970968"/>
+                <a:ext cx="1087654" cy="540000"/>
+              </a:xfrm>
+              <a:prstGeom prst="rect">
+                <a:avLst/>
+              </a:prstGeom>
+              <a:ln w="28575">
+                <a:noFill/>
+              </a:ln>
+            </p:spPr>
+            <p:style>
+              <a:lnRef idx="2">
+                <a:schemeClr val="dk1"/>
+              </a:lnRef>
+              <a:fillRef idx="1">
+                <a:schemeClr val="lt1"/>
+              </a:fillRef>
+              <a:effectRef idx="0">
+                <a:schemeClr val="dk1"/>
+              </a:effectRef>
+              <a:fontRef idx="minor">
+                <a:schemeClr val="dk1"/>
+              </a:fontRef>
+            </p:style>
+            <p:txBody>
+              <a:bodyPr rtlCol="0" anchor="ctr"/>
+              <a:lstStyle/>
+              <a:p>
+                <a:pPr algn="ctr"/>
+                <a14:m>
+                  <m:oMathPara xmlns:m="http://schemas.openxmlformats.org/officeDocument/2006/math">
+                    <m:oMathParaPr>
+                      <m:jc m:val="center"/>
+                    </m:oMathParaPr>
+                    <m:oMath xmlns:m="http://schemas.openxmlformats.org/officeDocument/2006/math">
+                      <m:r>
+                        <a:rPr lang="de-DE" b="0" i="1" smtClean="0">
+                          <a:latin typeface="Cambria Math" panose="02040503050406030204" pitchFamily="18" charset="0"/>
+                          <a:ea typeface="CMU Serif" panose="02000603000000000000" pitchFamily="2" charset="0"/>
+                          <a:cs typeface="CMU Serif" panose="02000603000000000000" pitchFamily="2" charset="0"/>
+                        </a:rPr>
+                        <m:t>⋮</m:t>
+                      </m:r>
+                    </m:oMath>
+                  </m:oMathPara>
+                </a14:m>
+                <a:endParaRPr lang="de-DE" dirty="0">
+                  <a:latin typeface="CMU Serif" panose="02000603000000000000" pitchFamily="2" charset="0"/>
+                  <a:ea typeface="CMU Serif" panose="02000603000000000000" pitchFamily="2" charset="0"/>
+                  <a:cs typeface="CMU Serif" panose="02000603000000000000" pitchFamily="2" charset="0"/>
+                </a:endParaRPr>
+              </a:p>
+            </p:txBody>
+          </p:sp>
+        </mc:Choice>
+        <mc:Fallback>
+          <p:sp>
+            <p:nvSpPr>
+              <p:cNvPr id="17" name="Rectangle 16">
+                <a:extLst>
+                  <a:ext uri="{FF2B5EF4-FFF2-40B4-BE49-F238E27FC236}">
+                    <a16:creationId xmlns:a16="http://schemas.microsoft.com/office/drawing/2014/main" id="{629DE20F-5128-42ED-9826-DDBE37C8D681}"/>
+                  </a:ext>
+                </a:extLst>
+              </p:cNvPr>
+              <p:cNvSpPr>
+                <a:spLocks noRot="1" noChangeAspect="1" noMove="1" noResize="1" noEditPoints="1" noAdjustHandles="1" noChangeArrowheads="1" noChangeShapeType="1" noTextEdit="1"/>
+              </p:cNvSpPr>
+              <p:nvPr/>
+            </p:nvSpPr>
+            <p:spPr>
+              <a:xfrm>
+                <a:off x="3285991" y="2970968"/>
+                <a:ext cx="1087654" cy="540000"/>
+              </a:xfrm>
+              <a:prstGeom prst="rect">
+                <a:avLst/>
+              </a:prstGeom>
+              <a:blipFill>
+                <a:blip r:embed="rId9"/>
+                <a:stretch>
+                  <a:fillRect/>
+                </a:stretch>
+              </a:blipFill>
+              <a:ln w="28575">
+                <a:noFill/>
+              </a:ln>
+            </p:spPr>
+            <p:txBody>
+              <a:bodyPr/>
+              <a:lstStyle/>
+              <a:p>
+                <a:r>
+                  <a:rPr lang="de-DE">
+                    <a:noFill/>
+                  </a:rPr>
+                  <a:t> </a:t>
+                </a:r>
+              </a:p>
+            </p:txBody>
+          </p:sp>
+        </mc:Fallback>
+      </mc:AlternateContent>
+      <mc:AlternateContent xmlns:mc="http://schemas.openxmlformats.org/markup-compatibility/2006" xmlns:a14="http://schemas.microsoft.com/office/drawing/2010/main">
+        <mc:Choice Requires="a14">
+          <p:sp>
+            <p:nvSpPr>
+              <p:cNvPr id="19" name="Rectangle 18">
+                <a:extLst>
+                  <a:ext uri="{FF2B5EF4-FFF2-40B4-BE49-F238E27FC236}">
+                    <a16:creationId xmlns:a16="http://schemas.microsoft.com/office/drawing/2014/main" id="{C9898B9F-3147-483A-876E-179431028A1A}"/>
+                  </a:ext>
+                </a:extLst>
+              </p:cNvPr>
+              <p:cNvSpPr/>
+              <p:nvPr/>
+            </p:nvSpPr>
+            <p:spPr>
+              <a:xfrm>
+                <a:off x="4498425" y="1525449"/>
+                <a:ext cx="314208" cy="2891037"/>
+              </a:xfrm>
+              <a:prstGeom prst="rect">
+                <a:avLst/>
+              </a:prstGeom>
+              <a:ln w="28575"/>
+            </p:spPr>
+            <p:style>
+              <a:lnRef idx="2">
+                <a:schemeClr val="dk1"/>
+              </a:lnRef>
+              <a:fillRef idx="1">
+                <a:schemeClr val="lt1"/>
+              </a:fillRef>
+              <a:effectRef idx="0">
+                <a:schemeClr val="dk1"/>
+              </a:effectRef>
+              <a:fontRef idx="minor">
+                <a:schemeClr val="dk1"/>
+              </a:fontRef>
+            </p:style>
+            <p:txBody>
+              <a:bodyPr rtlCol="0" anchor="ctr"/>
+              <a:lstStyle/>
+              <a:p>
+                <a:pPr algn="ctr"/>
+                <a14:m>
+                  <m:oMathPara xmlns:m="http://schemas.openxmlformats.org/officeDocument/2006/math">
+                    <m:oMathParaPr>
+                      <m:jc m:val="center"/>
+                    </m:oMathParaPr>
+                    <m:oMath xmlns:m="http://schemas.openxmlformats.org/officeDocument/2006/math">
+                      <m:r>
+                        <a:rPr lang="de-DE" b="1" i="1" smtClean="0">
+                          <a:latin typeface="Cambria Math" panose="02040503050406030204" pitchFamily="18" charset="0"/>
+                          <a:ea typeface="CMU Serif" panose="02000603000000000000" pitchFamily="2" charset="0"/>
+                          <a:cs typeface="CMU Serif" panose="02000603000000000000" pitchFamily="2" charset="0"/>
+                        </a:rPr>
+                        <m:t>𝜷</m:t>
+                      </m:r>
+                    </m:oMath>
+                  </m:oMathPara>
+                </a14:m>
+                <a:endParaRPr lang="de-DE" b="1" dirty="0">
+                  <a:latin typeface="CMU Serif" panose="02000603000000000000" pitchFamily="2" charset="0"/>
+                  <a:ea typeface="CMU Serif" panose="02000603000000000000" pitchFamily="2" charset="0"/>
+                  <a:cs typeface="CMU Serif" panose="02000603000000000000" pitchFamily="2" charset="0"/>
+                </a:endParaRPr>
+              </a:p>
+            </p:txBody>
+          </p:sp>
+        </mc:Choice>
+        <mc:Fallback xmlns="">
+          <p:sp>
+            <p:nvSpPr>
+              <p:cNvPr id="19" name="Rectangle 18">
+                <a:extLst>
+                  <a:ext uri="{FF2B5EF4-FFF2-40B4-BE49-F238E27FC236}">
+                    <a16:creationId xmlns:a16="http://schemas.microsoft.com/office/drawing/2014/main" id="{C9898B9F-3147-483A-876E-179431028A1A}"/>
+                  </a:ext>
+                </a:extLst>
+              </p:cNvPr>
+              <p:cNvSpPr>
+                <a:spLocks noRot="1" noChangeAspect="1" noMove="1" noResize="1" noEditPoints="1" noAdjustHandles="1" noChangeArrowheads="1" noChangeShapeType="1" noTextEdit="1"/>
+              </p:cNvSpPr>
+              <p:nvPr/>
+            </p:nvSpPr>
+            <p:spPr>
+              <a:xfrm>
+                <a:off x="4498425" y="1525449"/>
+                <a:ext cx="314208" cy="2891037"/>
+              </a:xfrm>
+              <a:prstGeom prst="rect">
+                <a:avLst/>
+              </a:prstGeom>
+              <a:blipFill>
+                <a:blip r:embed="rId15"/>
+                <a:stretch>
+                  <a:fillRect l="-17857"/>
+                </a:stretch>
+              </a:blipFill>
+              <a:ln w="28575"/>
+            </p:spPr>
+            <p:txBody>
+              <a:bodyPr/>
+              <a:lstStyle/>
+              <a:p>
+                <a:r>
+                  <a:rPr lang="de-DE">
+                    <a:noFill/>
+                  </a:rPr>
+                  <a:t> </a:t>
+                </a:r>
+              </a:p>
+            </p:txBody>
+          </p:sp>
+        </mc:Fallback>
+      </mc:AlternateContent>
       <p:sp>
         <p:nvSpPr>
-          <p:cNvPr id="20" name="Rectangle 19">
+          <p:cNvPr id="26" name="Rectangle 25">
             <a:extLst>
               <a:ext uri="{FF2B5EF4-FFF2-40B4-BE49-F238E27FC236}">
-                <a16:creationId xmlns:a16="http://schemas.microsoft.com/office/drawing/2014/main" id="{B1FC22D8-3507-420B-8EA9-8522049FB4FD}"/>
+                <a16:creationId xmlns:a16="http://schemas.microsoft.com/office/drawing/2014/main" id="{9F73E892-22CB-428C-AF76-DD677379BDA4}"/>
               </a:ext>
             </a:extLst>
           </p:cNvPr>
@@ -5299,8 +7558,8 @@
         </p:nvSpPr>
         <p:spPr>
           <a:xfrm>
-            <a:off x="7073686" y="1126156"/>
-            <a:ext cx="1440000" cy="3416403"/>
+            <a:off x="6060963" y="1139988"/>
+            <a:ext cx="2466986" cy="3416403"/>
           </a:xfrm>
           <a:prstGeom prst="rect">
             <a:avLst/>
@@ -5330,7 +7589,7 @@
             <a:r>
               <a:rPr lang="de-DE" dirty="0">
                 <a:solidFill>
-                  <a:schemeClr val="tx1"/>
+                  <a:schemeClr val="bg1"/>
                 </a:solidFill>
                 <a:latin typeface="CMU Serif" panose="02000603000000000000" pitchFamily="2" charset="0"/>
                 <a:ea typeface="CMU Serif" panose="02000603000000000000" pitchFamily="2" charset="0"/>
@@ -5345,10 +7604,10 @@
         <mc:Choice xmlns:a14="http://schemas.microsoft.com/office/drawing/2010/main" Requires="a14">
           <p:sp>
             <p:nvSpPr>
-              <p:cNvPr id="21" name="Rectangle 20">
+              <p:cNvPr id="27" name="Rectangle 26">
                 <a:extLst>
                   <a:ext uri="{FF2B5EF4-FFF2-40B4-BE49-F238E27FC236}">
-                    <a16:creationId xmlns:a16="http://schemas.microsoft.com/office/drawing/2014/main" id="{B919971F-EA18-4AC9-BAD1-2C77A569E1B6}"/>
+                    <a16:creationId xmlns:a16="http://schemas.microsoft.com/office/drawing/2014/main" id="{44030562-A316-443F-9649-07904BB2E95B}"/>
                   </a:ext>
                 </a:extLst>
               </p:cNvPr>
@@ -5357,7 +7616,7 @@
             </p:nvSpPr>
             <p:spPr>
               <a:xfrm>
-                <a:off x="7254671" y="1520788"/>
+                <a:off x="6241949" y="1534620"/>
                 <a:ext cx="1078030" cy="468000"/>
               </a:xfrm>
               <a:prstGeom prst="rect">
@@ -5455,10 +7714,10 @@
         <mc:Fallback>
           <p:sp>
             <p:nvSpPr>
-              <p:cNvPr id="21" name="Rectangle 20">
+              <p:cNvPr id="27" name="Rectangle 26">
                 <a:extLst>
                   <a:ext uri="{FF2B5EF4-FFF2-40B4-BE49-F238E27FC236}">
-                    <a16:creationId xmlns:a16="http://schemas.microsoft.com/office/drawing/2014/main" id="{B919971F-EA18-4AC9-BAD1-2C77A569E1B6}"/>
+                    <a16:creationId xmlns:a16="http://schemas.microsoft.com/office/drawing/2014/main" id="{44030562-A316-443F-9649-07904BB2E95B}"/>
                   </a:ext>
                 </a:extLst>
               </p:cNvPr>
@@ -5469,14 +7728,14 @@
             </p:nvSpPr>
             <p:spPr>
               <a:xfrm>
-                <a:off x="7254671" y="1520788"/>
+                <a:off x="6241949" y="1534620"/>
                 <a:ext cx="1078030" cy="468000"/>
               </a:xfrm>
               <a:prstGeom prst="rect">
                 <a:avLst/>
               </a:prstGeom>
               <a:blipFill>
-                <a:blip r:embed="rId6"/>
+                <a:blip r:embed="rId16"/>
                 <a:stretch>
                   <a:fillRect t="-12195"/>
                 </a:stretch>
@@ -5502,10 +7761,10 @@
         <mc:Choice xmlns:a14="http://schemas.microsoft.com/office/drawing/2010/main" Requires="a14">
           <p:sp>
             <p:nvSpPr>
-              <p:cNvPr id="22" name="Rectangle 21">
+              <p:cNvPr id="28" name="Rectangle 27">
                 <a:extLst>
                   <a:ext uri="{FF2B5EF4-FFF2-40B4-BE49-F238E27FC236}">
-                    <a16:creationId xmlns:a16="http://schemas.microsoft.com/office/drawing/2014/main" id="{6F66203B-5ADD-4B06-BE8C-953B533ABDB9}"/>
+                    <a16:creationId xmlns:a16="http://schemas.microsoft.com/office/drawing/2014/main" id="{7DBF67E6-A5C8-443C-B881-4B1C6EB1181D}"/>
                   </a:ext>
                 </a:extLst>
               </p:cNvPr>
@@ -5514,7 +7773,7 @@
             </p:nvSpPr>
             <p:spPr>
               <a:xfrm>
-                <a:off x="7254671" y="2088169"/>
+                <a:off x="6241949" y="2102001"/>
                 <a:ext cx="1078030" cy="720000"/>
               </a:xfrm>
               <a:prstGeom prst="rect">
@@ -5612,10 +7871,10 @@
         <mc:Fallback>
           <p:sp>
             <p:nvSpPr>
-              <p:cNvPr id="22" name="Rectangle 21">
+              <p:cNvPr id="28" name="Rectangle 27">
                 <a:extLst>
                   <a:ext uri="{FF2B5EF4-FFF2-40B4-BE49-F238E27FC236}">
-                    <a16:creationId xmlns:a16="http://schemas.microsoft.com/office/drawing/2014/main" id="{6F66203B-5ADD-4B06-BE8C-953B533ABDB9}"/>
+                    <a16:creationId xmlns:a16="http://schemas.microsoft.com/office/drawing/2014/main" id="{7DBF67E6-A5C8-443C-B881-4B1C6EB1181D}"/>
                   </a:ext>
                 </a:extLst>
               </p:cNvPr>
@@ -5626,16 +7885,16 @@
             </p:nvSpPr>
             <p:spPr>
               <a:xfrm>
-                <a:off x="7254671" y="2088169"/>
+                <a:off x="6241949" y="2102001"/>
                 <a:ext cx="1078030" cy="720000"/>
               </a:xfrm>
               <a:prstGeom prst="rect">
                 <a:avLst/>
               </a:prstGeom>
               <a:blipFill>
-                <a:blip r:embed="rId7"/>
+                <a:blip r:embed="rId17"/>
                 <a:stretch>
-                  <a:fillRect l="-549"/>
+                  <a:fillRect l="-1099"/>
                 </a:stretch>
               </a:blipFill>
               <a:ln w="28575"/>
@@ -5659,10 +7918,10 @@
         <mc:Choice xmlns:a14="http://schemas.microsoft.com/office/drawing/2010/main" Requires="a14">
           <p:sp>
             <p:nvSpPr>
-              <p:cNvPr id="23" name="Rectangle 22">
+              <p:cNvPr id="29" name="Rectangle 28">
                 <a:extLst>
                   <a:ext uri="{FF2B5EF4-FFF2-40B4-BE49-F238E27FC236}">
-                    <a16:creationId xmlns:a16="http://schemas.microsoft.com/office/drawing/2014/main" id="{8F5B6D4F-2919-4216-9426-B51A0A0105D8}"/>
+                    <a16:creationId xmlns:a16="http://schemas.microsoft.com/office/drawing/2014/main" id="{495E6E60-DF09-4203-8828-C605281DD032}"/>
                   </a:ext>
                 </a:extLst>
               </p:cNvPr>
@@ -5671,7 +7930,7 @@
             </p:nvSpPr>
             <p:spPr>
               <a:xfrm>
-                <a:off x="7254671" y="3629866"/>
+                <a:off x="6238844" y="3632471"/>
                 <a:ext cx="1078030" cy="768692"/>
               </a:xfrm>
               <a:prstGeom prst="rect">
@@ -5776,14 +8035,37 @@
                           </m:r>
                         </m:e>
                         <m:sub>
-                          <m:r>
-                            <a:rPr lang="de-DE" sz="1200" b="0" i="1" smtClean="0">
-                              <a:latin typeface="Cambria Math" panose="02040503050406030204" pitchFamily="18" charset="0"/>
-                              <a:ea typeface="CMU Serif" panose="02000603000000000000" pitchFamily="2" charset="0"/>
-                              <a:cs typeface="CMU Serif" panose="02000603000000000000" pitchFamily="2" charset="0"/>
-                            </a:rPr>
-                            <m:t>𝐺</m:t>
-                          </m:r>
+                          <m:sSub>
+                            <m:sSubPr>
+                              <m:ctrlPr>
+                                <a:rPr lang="de-DE" sz="1200" b="0" i="1" smtClean="0">
+                                  <a:latin typeface="Cambria Math" panose="02040503050406030204" pitchFamily="18" charset="0"/>
+                                  <a:ea typeface="CMU Serif" panose="02000603000000000000" pitchFamily="2" charset="0"/>
+                                  <a:cs typeface="CMU Serif" panose="02000603000000000000" pitchFamily="2" charset="0"/>
+                                </a:rPr>
+                              </m:ctrlPr>
+                            </m:sSubPr>
+                            <m:e>
+                              <m:r>
+                                <a:rPr lang="de-DE" sz="1200" b="0" i="1" smtClean="0">
+                                  <a:latin typeface="Cambria Math" panose="02040503050406030204" pitchFamily="18" charset="0"/>
+                                  <a:ea typeface="CMU Serif" panose="02000603000000000000" pitchFamily="2" charset="0"/>
+                                  <a:cs typeface="CMU Serif" panose="02000603000000000000" pitchFamily="2" charset="0"/>
+                                </a:rPr>
+                                <m:t>𝐺</m:t>
+                              </m:r>
+                            </m:e>
+                            <m:sub>
+                              <m:r>
+                                <a:rPr lang="de-DE" sz="1200" b="0" i="1" smtClean="0">
+                                  <a:latin typeface="Cambria Math" panose="02040503050406030204" pitchFamily="18" charset="0"/>
+                                  <a:ea typeface="CMU Serif" panose="02000603000000000000" pitchFamily="2" charset="0"/>
+                                  <a:cs typeface="CMU Serif" panose="02000603000000000000" pitchFamily="2" charset="0"/>
+                                </a:rPr>
+                                <m:t>𝑏</m:t>
+                              </m:r>
+                            </m:sub>
+                          </m:sSub>
                         </m:sub>
                       </m:sSub>
                       <m:r>
@@ -5809,10 +8091,10 @@
         <mc:Fallback>
           <p:sp>
             <p:nvSpPr>
-              <p:cNvPr id="23" name="Rectangle 22">
+              <p:cNvPr id="29" name="Rectangle 28">
                 <a:extLst>
                   <a:ext uri="{FF2B5EF4-FFF2-40B4-BE49-F238E27FC236}">
-                    <a16:creationId xmlns:a16="http://schemas.microsoft.com/office/drawing/2014/main" id="{8F5B6D4F-2919-4216-9426-B51A0A0105D8}"/>
+                    <a16:creationId xmlns:a16="http://schemas.microsoft.com/office/drawing/2014/main" id="{495E6E60-DF09-4203-8828-C605281DD032}"/>
                   </a:ext>
                 </a:extLst>
               </p:cNvPr>
@@ -5823,14 +8105,14 @@
             </p:nvSpPr>
             <p:spPr>
               <a:xfrm>
-                <a:off x="7254671" y="3629866"/>
+                <a:off x="6238844" y="3632471"/>
                 <a:ext cx="1078030" cy="768692"/>
               </a:xfrm>
               <a:prstGeom prst="rect">
                 <a:avLst/>
               </a:prstGeom>
               <a:blipFill>
-                <a:blip r:embed="rId8"/>
+                <a:blip r:embed="rId18"/>
                 <a:stretch>
                   <a:fillRect l="-1099"/>
                 </a:stretch>
@@ -5856,10 +8138,10 @@
         <mc:Choice xmlns:a14="http://schemas.microsoft.com/office/drawing/2010/main" Requires="a14">
           <p:sp>
             <p:nvSpPr>
-              <p:cNvPr id="24" name="Rectangle 23">
+              <p:cNvPr id="30" name="Rectangle 29">
                 <a:extLst>
                   <a:ext uri="{FF2B5EF4-FFF2-40B4-BE49-F238E27FC236}">
-                    <a16:creationId xmlns:a16="http://schemas.microsoft.com/office/drawing/2014/main" id="{CC9BE411-C3E6-4B80-8821-F7D54BE0C9D0}"/>
+                    <a16:creationId xmlns:a16="http://schemas.microsoft.com/office/drawing/2014/main" id="{17FC0AC2-F035-42BD-85AA-D6313B729545}"/>
                   </a:ext>
                 </a:extLst>
               </p:cNvPr>
@@ -5868,15 +8150,13 @@
             </p:nvSpPr>
             <p:spPr>
               <a:xfrm>
-                <a:off x="7254671" y="2986840"/>
-                <a:ext cx="1078030" cy="540000"/>
+                <a:off x="6238844" y="2897646"/>
+                <a:ext cx="1078030" cy="643026"/>
               </a:xfrm>
               <a:prstGeom prst="rect">
                 <a:avLst/>
               </a:prstGeom>
-              <a:ln w="28575">
-                <a:noFill/>
-              </a:ln>
+              <a:ln w="28575"/>
             </p:spPr>
             <p:style>
               <a:lnRef idx="2">
@@ -5904,12 +8184,211 @@
                     </m:oMathParaPr>
                     <m:oMath xmlns:m="http://schemas.openxmlformats.org/officeDocument/2006/math">
                       <m:r>
+                        <a:rPr lang="de-DE"/>
+                        <m:t>⋮</m:t>
+                      </m:r>
+                    </m:oMath>
+                  </m:oMathPara>
+                </a14:m>
+                <a:endParaRPr lang="de-DE" dirty="0"/>
+              </a:p>
+            </p:txBody>
+          </p:sp>
+        </mc:Choice>
+        <mc:Fallback>
+          <p:sp>
+            <p:nvSpPr>
+              <p:cNvPr id="30" name="Rectangle 29">
+                <a:extLst>
+                  <a:ext uri="{FF2B5EF4-FFF2-40B4-BE49-F238E27FC236}">
+                    <a16:creationId xmlns:a16="http://schemas.microsoft.com/office/drawing/2014/main" id="{17FC0AC2-F035-42BD-85AA-D6313B729545}"/>
+                  </a:ext>
+                </a:extLst>
+              </p:cNvPr>
+              <p:cNvSpPr>
+                <a:spLocks noRot="1" noChangeAspect="1" noMove="1" noResize="1" noEditPoints="1" noAdjustHandles="1" noChangeArrowheads="1" noChangeShapeType="1" noTextEdit="1"/>
+              </p:cNvSpPr>
+              <p:nvPr/>
+            </p:nvSpPr>
+            <p:spPr>
+              <a:xfrm>
+                <a:off x="6238844" y="2897646"/>
+                <a:ext cx="1078030" cy="643026"/>
+              </a:xfrm>
+              <a:prstGeom prst="rect">
+                <a:avLst/>
+              </a:prstGeom>
+              <a:blipFill>
+                <a:blip r:embed="rId19"/>
+                <a:stretch>
+                  <a:fillRect/>
+                </a:stretch>
+              </a:blipFill>
+              <a:ln w="28575"/>
+            </p:spPr>
+            <p:txBody>
+              <a:bodyPr/>
+              <a:lstStyle/>
+              <a:p>
+                <a:r>
+                  <a:rPr lang="de-DE">
+                    <a:noFill/>
+                  </a:rPr>
+                  <a:t> </a:t>
+                </a:r>
+              </a:p>
+            </p:txBody>
+          </p:sp>
+        </mc:Fallback>
+      </mc:AlternateContent>
+      <mc:AlternateContent xmlns:mc="http://schemas.openxmlformats.org/markup-compatibility/2006">
+        <mc:Choice xmlns:a14="http://schemas.microsoft.com/office/drawing/2010/main" Requires="a14">
+          <p:sp>
+            <p:nvSpPr>
+              <p:cNvPr id="31" name="Rectangle 30">
+                <a:extLst>
+                  <a:ext uri="{FF2B5EF4-FFF2-40B4-BE49-F238E27FC236}">
+                    <a16:creationId xmlns:a16="http://schemas.microsoft.com/office/drawing/2014/main" id="{77F716B5-7E72-456E-BFAD-C0EA81A56B44}"/>
+                  </a:ext>
+                </a:extLst>
+              </p:cNvPr>
+              <p:cNvSpPr/>
+              <p:nvPr/>
+            </p:nvSpPr>
+            <p:spPr>
+              <a:xfrm>
+                <a:off x="7319979" y="1534620"/>
+                <a:ext cx="1074926" cy="469610"/>
+              </a:xfrm>
+              <a:prstGeom prst="rect">
+                <a:avLst/>
+              </a:prstGeom>
+              <a:ln w="28575"/>
+            </p:spPr>
+            <p:style>
+              <a:lnRef idx="2">
+                <a:schemeClr val="dk1"/>
+              </a:lnRef>
+              <a:fillRef idx="1">
+                <a:schemeClr val="lt1"/>
+              </a:fillRef>
+              <a:effectRef idx="0">
+                <a:schemeClr val="dk1"/>
+              </a:effectRef>
+              <a:fontRef idx="minor">
+                <a:schemeClr val="dk1"/>
+              </a:fontRef>
+            </p:style>
+            <p:txBody>
+              <a:bodyPr rtlCol="0" anchor="ctr"/>
+              <a:lstStyle/>
+              <a:p>
+                <a:pPr algn="ctr"/>
+                <a14:m>
+                  <m:oMathPara xmlns:m="http://schemas.openxmlformats.org/officeDocument/2006/math">
+                    <m:oMathParaPr>
+                      <m:jc m:val="centerGroup"/>
+                    </m:oMathParaPr>
+                    <m:oMath xmlns:m="http://schemas.openxmlformats.org/officeDocument/2006/math">
+                      <m:sSub>
+                        <m:sSubPr>
+                          <m:ctrlPr>
+                            <a:rPr lang="de-DE" i="1" smtClean="0">
+                              <a:latin typeface="Cambria Math" panose="02040503050406030204" pitchFamily="18" charset="0"/>
+                              <a:ea typeface="CMU Serif" panose="02000603000000000000" pitchFamily="2" charset="0"/>
+                              <a:cs typeface="CMU Serif" panose="02000603000000000000" pitchFamily="2" charset="0"/>
+                            </a:rPr>
+                          </m:ctrlPr>
+                        </m:sSubPr>
+                        <m:e>
+                          <m:r>
+                            <a:rPr lang="de-DE" b="1" i="1" smtClean="0">
+                              <a:latin typeface="Cambria Math" panose="02040503050406030204" pitchFamily="18" charset="0"/>
+                              <a:ea typeface="CMU Serif" panose="02000603000000000000" pitchFamily="2" charset="0"/>
+                              <a:cs typeface="CMU Serif" panose="02000603000000000000" pitchFamily="2" charset="0"/>
+                            </a:rPr>
+                            <m:t>(</m:t>
+                          </m:r>
+                          <m:sSub>
+                            <m:sSubPr>
+                              <m:ctrlPr>
+                                <a:rPr lang="de-DE" b="1" i="1" smtClean="0">
+                                  <a:latin typeface="Cambria Math" panose="02040503050406030204" pitchFamily="18" charset="0"/>
+                                  <a:ea typeface="CMU Serif" panose="02000603000000000000" pitchFamily="2" charset="0"/>
+                                  <a:cs typeface="CMU Serif" panose="02000603000000000000" pitchFamily="2" charset="0"/>
+                                </a:rPr>
+                              </m:ctrlPr>
+                            </m:sSubPr>
+                            <m:e>
+                              <m:acc>
+                                <m:accPr>
+                                  <m:chr m:val="̂"/>
+                                  <m:ctrlPr>
+                                    <a:rPr lang="de-DE" b="1" i="1" smtClean="0">
+                                      <a:latin typeface="Cambria Math" panose="02040503050406030204" pitchFamily="18" charset="0"/>
+                                      <a:ea typeface="CMU Serif" panose="02000603000000000000" pitchFamily="2" charset="0"/>
+                                      <a:cs typeface="CMU Serif" panose="02000603000000000000" pitchFamily="2" charset="0"/>
+                                    </a:rPr>
+                                  </m:ctrlPr>
+                                </m:accPr>
+                                <m:e>
+                                  <m:r>
+                                    <a:rPr lang="de-DE" b="1" i="1">
+                                      <a:latin typeface="Cambria Math" panose="02040503050406030204" pitchFamily="18" charset="0"/>
+                                      <a:ea typeface="CMU Serif" panose="02000603000000000000" pitchFamily="2" charset="0"/>
+                                      <a:cs typeface="CMU Serif" panose="02000603000000000000" pitchFamily="2" charset="0"/>
+                                    </a:rPr>
+                                    <m:t>𝒚</m:t>
+                                  </m:r>
+                                </m:e>
+                              </m:acc>
+                            </m:e>
+                            <m:sub>
+                              <m:r>
+                                <a:rPr lang="de-DE" b="1" i="1" smtClean="0">
+                                  <a:latin typeface="Cambria Math" panose="02040503050406030204" pitchFamily="18" charset="0"/>
+                                  <a:ea typeface="CMU Serif" panose="02000603000000000000" pitchFamily="2" charset="0"/>
+                                  <a:cs typeface="CMU Serif" panose="02000603000000000000" pitchFamily="2" charset="0"/>
+                                </a:rPr>
+                                <m:t>𝟒</m:t>
+                              </m:r>
+                            </m:sub>
+                          </m:sSub>
+                          <m:r>
+                            <a:rPr lang="de-DE" b="1" i="1" smtClean="0">
+                              <a:latin typeface="Cambria Math" panose="02040503050406030204" pitchFamily="18" charset="0"/>
+                              <a:ea typeface="CMU Serif" panose="02000603000000000000" pitchFamily="2" charset="0"/>
+                              <a:cs typeface="CMU Serif" panose="02000603000000000000" pitchFamily="2" charset="0"/>
+                            </a:rPr>
+                            <m:t>,</m:t>
+                          </m:r>
+                          <m:r>
+                            <a:rPr lang="de-DE" b="1" i="1" smtClean="0">
+                              <a:latin typeface="Cambria Math" panose="02040503050406030204" pitchFamily="18" charset="0"/>
+                              <a:ea typeface="CMU Serif" panose="02000603000000000000" pitchFamily="2" charset="0"/>
+                              <a:cs typeface="CMU Serif" panose="02000603000000000000" pitchFamily="2" charset="0"/>
+                            </a:rPr>
+                            <m:t>𝑿</m:t>
+                          </m:r>
+                        </m:e>
+                        <m:sub>
+                          <m:r>
+                            <a:rPr lang="de-DE" b="0" i="1" smtClean="0">
+                              <a:latin typeface="Cambria Math" panose="02040503050406030204" pitchFamily="18" charset="0"/>
+                              <a:ea typeface="CMU Serif" panose="02000603000000000000" pitchFamily="2" charset="0"/>
+                              <a:cs typeface="CMU Serif" panose="02000603000000000000" pitchFamily="2" charset="0"/>
+                            </a:rPr>
+                            <m:t>4</m:t>
+                          </m:r>
+                        </m:sub>
+                      </m:sSub>
+                      <m:r>
                         <a:rPr lang="de-DE" b="0" i="1" smtClean="0">
                           <a:latin typeface="Cambria Math" panose="02040503050406030204" pitchFamily="18" charset="0"/>
                           <a:ea typeface="CMU Serif" panose="02000603000000000000" pitchFamily="2" charset="0"/>
                           <a:cs typeface="CMU Serif" panose="02000603000000000000" pitchFamily="2" charset="0"/>
                         </a:rPr>
-                        <m:t>⋮</m:t>
+                        <m:t>)</m:t>
                       </m:r>
                     </m:oMath>
                   </m:oMathPara>
@@ -5926,10 +8405,10 @@
         <mc:Fallback>
           <p:sp>
             <p:nvSpPr>
-              <p:cNvPr id="24" name="Rectangle 23">
+              <p:cNvPr id="31" name="Rectangle 30">
                 <a:extLst>
                   <a:ext uri="{FF2B5EF4-FFF2-40B4-BE49-F238E27FC236}">
-                    <a16:creationId xmlns:a16="http://schemas.microsoft.com/office/drawing/2014/main" id="{CC9BE411-C3E6-4B80-8821-F7D54BE0C9D0}"/>
+                    <a16:creationId xmlns:a16="http://schemas.microsoft.com/office/drawing/2014/main" id="{77F716B5-7E72-456E-BFAD-C0EA81A56B44}"/>
                   </a:ext>
                 </a:extLst>
               </p:cNvPr>
@@ -5940,21 +8419,586 @@
             </p:nvSpPr>
             <p:spPr>
               <a:xfrm>
-                <a:off x="7254671" y="2986840"/>
-                <a:ext cx="1078030" cy="540000"/>
+                <a:off x="7319979" y="1534620"/>
+                <a:ext cx="1074926" cy="469610"/>
               </a:xfrm>
               <a:prstGeom prst="rect">
                 <a:avLst/>
               </a:prstGeom>
               <a:blipFill>
-                <a:blip r:embed="rId9"/>
+                <a:blip r:embed="rId20"/>
                 <a:stretch>
                   <a:fillRect/>
                 </a:stretch>
               </a:blipFill>
-              <a:ln w="28575">
-                <a:noFill/>
-              </a:ln>
+              <a:ln w="28575"/>
+            </p:spPr>
+            <p:txBody>
+              <a:bodyPr/>
+              <a:lstStyle/>
+              <a:p>
+                <a:r>
+                  <a:rPr lang="de-DE">
+                    <a:noFill/>
+                  </a:rPr>
+                  <a:t> </a:t>
+                </a:r>
+              </a:p>
+            </p:txBody>
+          </p:sp>
+        </mc:Fallback>
+      </mc:AlternateContent>
+      <mc:AlternateContent xmlns:mc="http://schemas.openxmlformats.org/markup-compatibility/2006">
+        <mc:Choice xmlns:a14="http://schemas.microsoft.com/office/drawing/2010/main" Requires="a14">
+          <p:sp>
+            <p:nvSpPr>
+              <p:cNvPr id="32" name="Rectangle 31">
+                <a:extLst>
+                  <a:ext uri="{FF2B5EF4-FFF2-40B4-BE49-F238E27FC236}">
+                    <a16:creationId xmlns:a16="http://schemas.microsoft.com/office/drawing/2014/main" id="{469465DD-F55F-46F1-9EA7-D72D1989F4A7}"/>
+                  </a:ext>
+                </a:extLst>
+              </p:cNvPr>
+              <p:cNvSpPr/>
+              <p:nvPr/>
+            </p:nvSpPr>
+            <p:spPr>
+              <a:xfrm>
+                <a:off x="7319979" y="2102001"/>
+                <a:ext cx="1074926" cy="720000"/>
+              </a:xfrm>
+              <a:prstGeom prst="rect">
+                <a:avLst/>
+              </a:prstGeom>
+              <a:ln w="28575"/>
+            </p:spPr>
+            <p:style>
+              <a:lnRef idx="2">
+                <a:schemeClr val="dk1"/>
+              </a:lnRef>
+              <a:fillRef idx="1">
+                <a:schemeClr val="lt1"/>
+              </a:fillRef>
+              <a:effectRef idx="0">
+                <a:schemeClr val="dk1"/>
+              </a:effectRef>
+              <a:fontRef idx="minor">
+                <a:schemeClr val="dk1"/>
+              </a:fontRef>
+            </p:style>
+            <p:txBody>
+              <a:bodyPr rtlCol="0" anchor="ctr"/>
+              <a:lstStyle/>
+              <a:p>
+                <a:pPr algn="ctr"/>
+                <a14:m>
+                  <m:oMathPara xmlns:m="http://schemas.openxmlformats.org/officeDocument/2006/math">
+                    <m:oMathParaPr>
+                      <m:jc m:val="centerGroup"/>
+                    </m:oMathParaPr>
+                    <m:oMath xmlns:m="http://schemas.openxmlformats.org/officeDocument/2006/math">
+                      <m:sSub>
+                        <m:sSubPr>
+                          <m:ctrlPr>
+                            <a:rPr lang="de-DE" i="1" smtClean="0">
+                              <a:latin typeface="Cambria Math" panose="02040503050406030204" pitchFamily="18" charset="0"/>
+                              <a:ea typeface="CMU Serif" panose="02000603000000000000" pitchFamily="2" charset="0"/>
+                              <a:cs typeface="CMU Serif" panose="02000603000000000000" pitchFamily="2" charset="0"/>
+                            </a:rPr>
+                          </m:ctrlPr>
+                        </m:sSubPr>
+                        <m:e>
+                          <m:r>
+                            <a:rPr lang="de-DE" b="1" i="1" smtClean="0">
+                              <a:latin typeface="Cambria Math" panose="02040503050406030204" pitchFamily="18" charset="0"/>
+                              <a:ea typeface="CMU Serif" panose="02000603000000000000" pitchFamily="2" charset="0"/>
+                              <a:cs typeface="CMU Serif" panose="02000603000000000000" pitchFamily="2" charset="0"/>
+                            </a:rPr>
+                            <m:t>(</m:t>
+                          </m:r>
+                          <m:sSub>
+                            <m:sSubPr>
+                              <m:ctrlPr>
+                                <a:rPr lang="de-DE" b="1" i="1" smtClean="0">
+                                  <a:latin typeface="Cambria Math" panose="02040503050406030204" pitchFamily="18" charset="0"/>
+                                  <a:ea typeface="CMU Serif" panose="02000603000000000000" pitchFamily="2" charset="0"/>
+                                  <a:cs typeface="CMU Serif" panose="02000603000000000000" pitchFamily="2" charset="0"/>
+                                </a:rPr>
+                              </m:ctrlPr>
+                            </m:sSubPr>
+                            <m:e>
+                              <m:acc>
+                                <m:accPr>
+                                  <m:chr m:val="̂"/>
+                                  <m:ctrlPr>
+                                    <a:rPr lang="de-DE" b="1" i="1">
+                                      <a:latin typeface="Cambria Math" panose="02040503050406030204" pitchFamily="18" charset="0"/>
+                                      <a:ea typeface="CMU Serif" panose="02000603000000000000" pitchFamily="2" charset="0"/>
+                                      <a:cs typeface="CMU Serif" panose="02000603000000000000" pitchFamily="2" charset="0"/>
+                                    </a:rPr>
+                                  </m:ctrlPr>
+                                </m:accPr>
+                                <m:e>
+                                  <m:r>
+                                    <a:rPr lang="de-DE" b="1" i="1">
+                                      <a:latin typeface="Cambria Math" panose="02040503050406030204" pitchFamily="18" charset="0"/>
+                                      <a:ea typeface="CMU Serif" panose="02000603000000000000" pitchFamily="2" charset="0"/>
+                                      <a:cs typeface="CMU Serif" panose="02000603000000000000" pitchFamily="2" charset="0"/>
+                                    </a:rPr>
+                                    <m:t>𝒚</m:t>
+                                  </m:r>
+                                </m:e>
+                              </m:acc>
+                            </m:e>
+                            <m:sub>
+                              <m:r>
+                                <a:rPr lang="de-DE" b="1" i="1" smtClean="0">
+                                  <a:latin typeface="Cambria Math" panose="02040503050406030204" pitchFamily="18" charset="0"/>
+                                  <a:ea typeface="CMU Serif" panose="02000603000000000000" pitchFamily="2" charset="0"/>
+                                  <a:cs typeface="CMU Serif" panose="02000603000000000000" pitchFamily="2" charset="0"/>
+                                </a:rPr>
+                                <m:t>𝟒𝟓</m:t>
+                              </m:r>
+                            </m:sub>
+                          </m:sSub>
+                          <m:r>
+                            <a:rPr lang="de-DE" b="1" i="1" smtClean="0">
+                              <a:latin typeface="Cambria Math" panose="02040503050406030204" pitchFamily="18" charset="0"/>
+                              <a:ea typeface="CMU Serif" panose="02000603000000000000" pitchFamily="2" charset="0"/>
+                              <a:cs typeface="CMU Serif" panose="02000603000000000000" pitchFamily="2" charset="0"/>
+                            </a:rPr>
+                            <m:t>,</m:t>
+                          </m:r>
+                          <m:r>
+                            <a:rPr lang="de-DE" b="1" i="1" smtClean="0">
+                              <a:latin typeface="Cambria Math" panose="02040503050406030204" pitchFamily="18" charset="0"/>
+                              <a:ea typeface="CMU Serif" panose="02000603000000000000" pitchFamily="2" charset="0"/>
+                              <a:cs typeface="CMU Serif" panose="02000603000000000000" pitchFamily="2" charset="0"/>
+                            </a:rPr>
+                            <m:t>𝑿</m:t>
+                          </m:r>
+                        </m:e>
+                        <m:sub>
+                          <m:r>
+                            <a:rPr lang="de-DE" b="0" i="1" smtClean="0">
+                              <a:latin typeface="Cambria Math" panose="02040503050406030204" pitchFamily="18" charset="0"/>
+                              <a:ea typeface="CMU Serif" panose="02000603000000000000" pitchFamily="2" charset="0"/>
+                              <a:cs typeface="CMU Serif" panose="02000603000000000000" pitchFamily="2" charset="0"/>
+                            </a:rPr>
+                            <m:t>45</m:t>
+                          </m:r>
+                        </m:sub>
+                      </m:sSub>
+                      <m:r>
+                        <a:rPr lang="de-DE" b="0" i="1" smtClean="0">
+                          <a:latin typeface="Cambria Math" panose="02040503050406030204" pitchFamily="18" charset="0"/>
+                          <a:ea typeface="CMU Serif" panose="02000603000000000000" pitchFamily="2" charset="0"/>
+                          <a:cs typeface="CMU Serif" panose="02000603000000000000" pitchFamily="2" charset="0"/>
+                        </a:rPr>
+                        <m:t>)</m:t>
+                      </m:r>
+                    </m:oMath>
+                  </m:oMathPara>
+                </a14:m>
+                <a:endParaRPr lang="de-DE" dirty="0">
+                  <a:latin typeface="CMU Serif" panose="02000603000000000000" pitchFamily="2" charset="0"/>
+                  <a:ea typeface="CMU Serif" panose="02000603000000000000" pitchFamily="2" charset="0"/>
+                  <a:cs typeface="CMU Serif" panose="02000603000000000000" pitchFamily="2" charset="0"/>
+                </a:endParaRPr>
+              </a:p>
+            </p:txBody>
+          </p:sp>
+        </mc:Choice>
+        <mc:Fallback>
+          <p:sp>
+            <p:nvSpPr>
+              <p:cNvPr id="32" name="Rectangle 31">
+                <a:extLst>
+                  <a:ext uri="{FF2B5EF4-FFF2-40B4-BE49-F238E27FC236}">
+                    <a16:creationId xmlns:a16="http://schemas.microsoft.com/office/drawing/2014/main" id="{469465DD-F55F-46F1-9EA7-D72D1989F4A7}"/>
+                  </a:ext>
+                </a:extLst>
+              </p:cNvPr>
+              <p:cNvSpPr>
+                <a:spLocks noRot="1" noChangeAspect="1" noMove="1" noResize="1" noEditPoints="1" noAdjustHandles="1" noChangeArrowheads="1" noChangeShapeType="1" noTextEdit="1"/>
+              </p:cNvSpPr>
+              <p:nvPr/>
+            </p:nvSpPr>
+            <p:spPr>
+              <a:xfrm>
+                <a:off x="7319979" y="2102001"/>
+                <a:ext cx="1074926" cy="720000"/>
+              </a:xfrm>
+              <a:prstGeom prst="rect">
+                <a:avLst/>
+              </a:prstGeom>
+              <a:blipFill>
+                <a:blip r:embed="rId21"/>
+                <a:stretch>
+                  <a:fillRect l="-8287" r="-1105"/>
+                </a:stretch>
+              </a:blipFill>
+              <a:ln w="28575"/>
+            </p:spPr>
+            <p:txBody>
+              <a:bodyPr/>
+              <a:lstStyle/>
+              <a:p>
+                <a:r>
+                  <a:rPr lang="de-DE">
+                    <a:noFill/>
+                  </a:rPr>
+                  <a:t> </a:t>
+                </a:r>
+              </a:p>
+            </p:txBody>
+          </p:sp>
+        </mc:Fallback>
+      </mc:AlternateContent>
+      <mc:AlternateContent xmlns:mc="http://schemas.openxmlformats.org/markup-compatibility/2006">
+        <mc:Choice xmlns:a14="http://schemas.microsoft.com/office/drawing/2010/main" Requires="a14">
+          <p:sp>
+            <p:nvSpPr>
+              <p:cNvPr id="33" name="Rectangle 32">
+                <a:extLst>
+                  <a:ext uri="{FF2B5EF4-FFF2-40B4-BE49-F238E27FC236}">
+                    <a16:creationId xmlns:a16="http://schemas.microsoft.com/office/drawing/2014/main" id="{7350109F-6625-4EA9-B605-59BC69760F9E}"/>
+                  </a:ext>
+                </a:extLst>
+              </p:cNvPr>
+              <p:cNvSpPr/>
+              <p:nvPr/>
+            </p:nvSpPr>
+            <p:spPr>
+              <a:xfrm>
+                <a:off x="7316874" y="2897645"/>
+                <a:ext cx="1078030" cy="643025"/>
+              </a:xfrm>
+              <a:prstGeom prst="rect">
+                <a:avLst/>
+              </a:prstGeom>
+              <a:ln w="28575"/>
+            </p:spPr>
+            <p:style>
+              <a:lnRef idx="2">
+                <a:schemeClr val="dk1"/>
+              </a:lnRef>
+              <a:fillRef idx="1">
+                <a:schemeClr val="lt1"/>
+              </a:fillRef>
+              <a:effectRef idx="0">
+                <a:schemeClr val="dk1"/>
+              </a:effectRef>
+              <a:fontRef idx="minor">
+                <a:schemeClr val="dk1"/>
+              </a:fontRef>
+            </p:style>
+            <p:txBody>
+              <a:bodyPr rtlCol="0" anchor="ctr"/>
+              <a:lstStyle/>
+              <a:p>
+                <a:pPr algn="ctr"/>
+                <a14:m>
+                  <m:oMathPara xmlns:m="http://schemas.openxmlformats.org/officeDocument/2006/math">
+                    <m:oMathParaPr>
+                      <m:jc m:val="center"/>
+                    </m:oMathParaPr>
+                    <m:oMath xmlns:m="http://schemas.openxmlformats.org/officeDocument/2006/math">
+                      <m:r>
+                        <a:rPr lang="de-DE"/>
+                        <m:t>⋮</m:t>
+                      </m:r>
+                    </m:oMath>
+                  </m:oMathPara>
+                </a14:m>
+                <a:endParaRPr lang="de-DE" dirty="0"/>
+              </a:p>
+            </p:txBody>
+          </p:sp>
+        </mc:Choice>
+        <mc:Fallback>
+          <p:sp>
+            <p:nvSpPr>
+              <p:cNvPr id="33" name="Rectangle 32">
+                <a:extLst>
+                  <a:ext uri="{FF2B5EF4-FFF2-40B4-BE49-F238E27FC236}">
+                    <a16:creationId xmlns:a16="http://schemas.microsoft.com/office/drawing/2014/main" id="{7350109F-6625-4EA9-B605-59BC69760F9E}"/>
+                  </a:ext>
+                </a:extLst>
+              </p:cNvPr>
+              <p:cNvSpPr>
+                <a:spLocks noRot="1" noChangeAspect="1" noMove="1" noResize="1" noEditPoints="1" noAdjustHandles="1" noChangeArrowheads="1" noChangeShapeType="1" noTextEdit="1"/>
+              </p:cNvSpPr>
+              <p:nvPr/>
+            </p:nvSpPr>
+            <p:spPr>
+              <a:xfrm>
+                <a:off x="7316874" y="2897645"/>
+                <a:ext cx="1078030" cy="643025"/>
+              </a:xfrm>
+              <a:prstGeom prst="rect">
+                <a:avLst/>
+              </a:prstGeom>
+              <a:blipFill>
+                <a:blip r:embed="rId22"/>
+                <a:stretch>
+                  <a:fillRect/>
+                </a:stretch>
+              </a:blipFill>
+              <a:ln w="28575"/>
+            </p:spPr>
+            <p:txBody>
+              <a:bodyPr/>
+              <a:lstStyle/>
+              <a:p>
+                <a:r>
+                  <a:rPr lang="de-DE">
+                    <a:noFill/>
+                  </a:rPr>
+                  <a:t> </a:t>
+                </a:r>
+              </a:p>
+            </p:txBody>
+          </p:sp>
+        </mc:Fallback>
+      </mc:AlternateContent>
+      <mc:AlternateContent xmlns:mc="http://schemas.openxmlformats.org/markup-compatibility/2006">
+        <mc:Choice xmlns:a14="http://schemas.microsoft.com/office/drawing/2010/main" Requires="a14">
+          <p:sp>
+            <p:nvSpPr>
+              <p:cNvPr id="34" name="Rectangle 33">
+                <a:extLst>
+                  <a:ext uri="{FF2B5EF4-FFF2-40B4-BE49-F238E27FC236}">
+                    <a16:creationId xmlns:a16="http://schemas.microsoft.com/office/drawing/2014/main" id="{74056145-E0CD-479E-B39F-7E87F5D48309}"/>
+                  </a:ext>
+                </a:extLst>
+              </p:cNvPr>
+              <p:cNvSpPr/>
+              <p:nvPr/>
+            </p:nvSpPr>
+            <p:spPr>
+              <a:xfrm>
+                <a:off x="7316874" y="3632471"/>
+                <a:ext cx="1078030" cy="768692"/>
+              </a:xfrm>
+              <a:prstGeom prst="rect">
+                <a:avLst/>
+              </a:prstGeom>
+              <a:ln w="28575"/>
+            </p:spPr>
+            <p:style>
+              <a:lnRef idx="2">
+                <a:schemeClr val="dk1"/>
+              </a:lnRef>
+              <a:fillRef idx="1">
+                <a:schemeClr val="lt1"/>
+              </a:fillRef>
+              <a:effectRef idx="0">
+                <a:schemeClr val="dk1"/>
+              </a:effectRef>
+              <a:fontRef idx="minor">
+                <a:schemeClr val="dk1"/>
+              </a:fontRef>
+            </p:style>
+            <p:txBody>
+              <a:bodyPr rtlCol="0" anchor="ctr"/>
+              <a:lstStyle/>
+              <a:p>
+                <a:pPr algn="ctr"/>
+                <a14:m>
+                  <m:oMathPara xmlns:m="http://schemas.openxmlformats.org/officeDocument/2006/math">
+                    <m:oMathParaPr>
+                      <m:jc m:val="centerGroup"/>
+                    </m:oMathParaPr>
+                    <m:oMath xmlns:m="http://schemas.openxmlformats.org/officeDocument/2006/math">
+                      <m:sSub>
+                        <m:sSubPr>
+                          <m:ctrlPr>
+                            <a:rPr lang="de-DE" i="1" smtClean="0">
+                              <a:latin typeface="Cambria Math" panose="02040503050406030204" pitchFamily="18" charset="0"/>
+                              <a:ea typeface="CMU Serif" panose="02000603000000000000" pitchFamily="2" charset="0"/>
+                              <a:cs typeface="CMU Serif" panose="02000603000000000000" pitchFamily="2" charset="0"/>
+                            </a:rPr>
+                          </m:ctrlPr>
+                        </m:sSubPr>
+                        <m:e>
+                          <m:r>
+                            <a:rPr lang="de-DE" b="1" i="1">
+                              <a:latin typeface="Cambria Math" panose="02040503050406030204" pitchFamily="18" charset="0"/>
+                              <a:ea typeface="CMU Serif" panose="02000603000000000000" pitchFamily="2" charset="0"/>
+                              <a:cs typeface="CMU Serif" panose="02000603000000000000" pitchFamily="2" charset="0"/>
+                            </a:rPr>
+                            <m:t>(</m:t>
+                          </m:r>
+                          <m:sSub>
+                            <m:sSubPr>
+                              <m:ctrlPr>
+                                <a:rPr lang="de-DE" b="1" i="1">
+                                  <a:latin typeface="Cambria Math" panose="02040503050406030204" pitchFamily="18" charset="0"/>
+                                  <a:ea typeface="CMU Serif" panose="02000603000000000000" pitchFamily="2" charset="0"/>
+                                  <a:cs typeface="CMU Serif" panose="02000603000000000000" pitchFamily="2" charset="0"/>
+                                </a:rPr>
+                              </m:ctrlPr>
+                            </m:sSubPr>
+                            <m:e>
+                              <m:acc>
+                                <m:accPr>
+                                  <m:chr m:val="̂"/>
+                                  <m:ctrlPr>
+                                    <a:rPr lang="de-DE" b="1" i="1">
+                                      <a:latin typeface="Cambria Math" panose="02040503050406030204" pitchFamily="18" charset="0"/>
+                                      <a:ea typeface="CMU Serif" panose="02000603000000000000" pitchFamily="2" charset="0"/>
+                                      <a:cs typeface="CMU Serif" panose="02000603000000000000" pitchFamily="2" charset="0"/>
+                                    </a:rPr>
+                                  </m:ctrlPr>
+                                </m:accPr>
+                                <m:e>
+                                  <m:r>
+                                    <a:rPr lang="de-DE" b="1" i="1">
+                                      <a:latin typeface="Cambria Math" panose="02040503050406030204" pitchFamily="18" charset="0"/>
+                                      <a:ea typeface="CMU Serif" panose="02000603000000000000" pitchFamily="2" charset="0"/>
+                                      <a:cs typeface="CMU Serif" panose="02000603000000000000" pitchFamily="2" charset="0"/>
+                                    </a:rPr>
+                                    <m:t>𝒚</m:t>
+                                  </m:r>
+                                </m:e>
+                              </m:acc>
+                            </m:e>
+                            <m:sub>
+                              <m:sSub>
+                                <m:sSubPr>
+                                  <m:ctrlPr>
+                                    <a:rPr lang="de-DE" b="0" i="1" smtClean="0">
+                                      <a:latin typeface="Cambria Math" panose="02040503050406030204" pitchFamily="18" charset="0"/>
+                                      <a:ea typeface="CMU Serif" panose="02000603000000000000" pitchFamily="2" charset="0"/>
+                                      <a:cs typeface="CMU Serif" panose="02000603000000000000" pitchFamily="2" charset="0"/>
+                                    </a:rPr>
+                                  </m:ctrlPr>
+                                </m:sSubPr>
+                                <m:e>
+                                  <m:r>
+                                    <a:rPr lang="de-DE" b="0" i="1" smtClean="0">
+                                      <a:latin typeface="Cambria Math" panose="02040503050406030204" pitchFamily="18" charset="0"/>
+                                      <a:ea typeface="CMU Serif" panose="02000603000000000000" pitchFamily="2" charset="0"/>
+                                      <a:cs typeface="CMU Serif" panose="02000603000000000000" pitchFamily="2" charset="0"/>
+                                    </a:rPr>
+                                    <m:t>𝐺</m:t>
+                                  </m:r>
+                                </m:e>
+                                <m:sub>
+                                  <m:r>
+                                    <a:rPr lang="de-DE" b="0" i="1" smtClean="0">
+                                      <a:latin typeface="Cambria Math" panose="02040503050406030204" pitchFamily="18" charset="0"/>
+                                      <a:ea typeface="CMU Serif" panose="02000603000000000000" pitchFamily="2" charset="0"/>
+                                      <a:cs typeface="CMU Serif" panose="02000603000000000000" pitchFamily="2" charset="0"/>
+                                    </a:rPr>
+                                    <m:t>𝑏</m:t>
+                                  </m:r>
+                                </m:sub>
+                              </m:sSub>
+                            </m:sub>
+                          </m:sSub>
+                          <m:r>
+                            <a:rPr lang="de-DE" b="1" i="1">
+                              <a:latin typeface="Cambria Math" panose="02040503050406030204" pitchFamily="18" charset="0"/>
+                              <a:ea typeface="CMU Serif" panose="02000603000000000000" pitchFamily="2" charset="0"/>
+                              <a:cs typeface="CMU Serif" panose="02000603000000000000" pitchFamily="2" charset="0"/>
+                            </a:rPr>
+                            <m:t>,</m:t>
+                          </m:r>
+                          <m:r>
+                            <a:rPr lang="de-DE" b="1" i="1">
+                              <a:latin typeface="Cambria Math" panose="02040503050406030204" pitchFamily="18" charset="0"/>
+                              <a:ea typeface="CMU Serif" panose="02000603000000000000" pitchFamily="2" charset="0"/>
+                              <a:cs typeface="CMU Serif" panose="02000603000000000000" pitchFamily="2" charset="0"/>
+                            </a:rPr>
+                            <m:t>𝑿</m:t>
+                          </m:r>
+                        </m:e>
+                        <m:sub>
+                          <m:sSub>
+                            <m:sSubPr>
+                              <m:ctrlPr>
+                                <a:rPr lang="de-DE" b="0" i="1" smtClean="0">
+                                  <a:latin typeface="Cambria Math" panose="02040503050406030204" pitchFamily="18" charset="0"/>
+                                  <a:ea typeface="CMU Serif" panose="02000603000000000000" pitchFamily="2" charset="0"/>
+                                  <a:cs typeface="CMU Serif" panose="02000603000000000000" pitchFamily="2" charset="0"/>
+                                </a:rPr>
+                              </m:ctrlPr>
+                            </m:sSubPr>
+                            <m:e>
+                              <m:r>
+                                <a:rPr lang="de-DE" b="0" i="1" smtClean="0">
+                                  <a:latin typeface="Cambria Math" panose="02040503050406030204" pitchFamily="18" charset="0"/>
+                                  <a:ea typeface="CMU Serif" panose="02000603000000000000" pitchFamily="2" charset="0"/>
+                                  <a:cs typeface="CMU Serif" panose="02000603000000000000" pitchFamily="2" charset="0"/>
+                                </a:rPr>
+                                <m:t>𝐺</m:t>
+                              </m:r>
+                            </m:e>
+                            <m:sub>
+                              <m:r>
+                                <a:rPr lang="de-DE" b="0" i="1" smtClean="0">
+                                  <a:latin typeface="Cambria Math" panose="02040503050406030204" pitchFamily="18" charset="0"/>
+                                  <a:ea typeface="CMU Serif" panose="02000603000000000000" pitchFamily="2" charset="0"/>
+                                  <a:cs typeface="CMU Serif" panose="02000603000000000000" pitchFamily="2" charset="0"/>
+                                </a:rPr>
+                                <m:t>𝑏</m:t>
+                              </m:r>
+                            </m:sub>
+                          </m:sSub>
+                        </m:sub>
+                      </m:sSub>
+                      <m:r>
+                        <a:rPr lang="de-DE" i="1">
+                          <a:latin typeface="Cambria Math" panose="02040503050406030204" pitchFamily="18" charset="0"/>
+                          <a:ea typeface="CMU Serif" panose="02000603000000000000" pitchFamily="2" charset="0"/>
+                          <a:cs typeface="CMU Serif" panose="02000603000000000000" pitchFamily="2" charset="0"/>
+                        </a:rPr>
+                        <m:t>)</m:t>
+                      </m:r>
+                    </m:oMath>
+                  </m:oMathPara>
+                </a14:m>
+                <a:endParaRPr lang="de-DE" dirty="0">
+                  <a:latin typeface="CMU Serif" panose="02000603000000000000" pitchFamily="2" charset="0"/>
+                  <a:ea typeface="CMU Serif" panose="02000603000000000000" pitchFamily="2" charset="0"/>
+                  <a:cs typeface="CMU Serif" panose="02000603000000000000" pitchFamily="2" charset="0"/>
+                </a:endParaRPr>
+              </a:p>
+            </p:txBody>
+          </p:sp>
+        </mc:Choice>
+        <mc:Fallback>
+          <p:sp>
+            <p:nvSpPr>
+              <p:cNvPr id="34" name="Rectangle 33">
+                <a:extLst>
+                  <a:ext uri="{FF2B5EF4-FFF2-40B4-BE49-F238E27FC236}">
+                    <a16:creationId xmlns:a16="http://schemas.microsoft.com/office/drawing/2014/main" id="{74056145-E0CD-479E-B39F-7E87F5D48309}"/>
+                  </a:ext>
+                </a:extLst>
+              </p:cNvPr>
+              <p:cNvSpPr>
+                <a:spLocks noRot="1" noChangeAspect="1" noMove="1" noResize="1" noEditPoints="1" noAdjustHandles="1" noChangeArrowheads="1" noChangeShapeType="1" noTextEdit="1"/>
+              </p:cNvSpPr>
+              <p:nvPr/>
+            </p:nvSpPr>
+            <p:spPr>
+              <a:xfrm>
+                <a:off x="7316874" y="3632471"/>
+                <a:ext cx="1078030" cy="768692"/>
+              </a:xfrm>
+              <a:prstGeom prst="rect">
+                <a:avLst/>
+              </a:prstGeom>
+              <a:blipFill>
+                <a:blip r:embed="rId23"/>
+                <a:stretch>
+                  <a:fillRect l="-8791" r="-1648"/>
+                </a:stretch>
+              </a:blipFill>
+              <a:ln w="28575"/>
             </p:spPr>
             <p:txBody>
               <a:bodyPr/>
@@ -5987,13 +9031,13 @@
             </p:nvSpPr>
             <p:spPr>
               <a:xfrm flipH="1">
-                <a:off x="4954221" y="1622899"/>
-                <a:ext cx="2283557" cy="2495295"/>
+                <a:off x="4920105" y="1666663"/>
+                <a:ext cx="1279307" cy="2461964"/>
               </a:xfrm>
               <a:prstGeom prst="leftArrow">
                 <a:avLst>
-                  <a:gd name="adj1" fmla="val 41985"/>
-                  <a:gd name="adj2" fmla="val 47928"/>
+                  <a:gd name="adj1" fmla="val 61128"/>
+                  <a:gd name="adj2" fmla="val 29904"/>
                 </a:avLst>
               </a:prstGeom>
             </p:spPr>
@@ -6014,7 +9058,7 @@
               </a:fontRef>
             </p:style>
             <p:txBody>
-              <a:bodyPr rtlCol="0" anchor="ctr"/>
+              <a:bodyPr wrap="square" lIns="0" rIns="0" rtlCol="0" anchor="ctr"/>
               <a:lstStyle/>
               <a:p>
                 <a:pPr algn="ctr"/>
@@ -6148,7 +9192,21 @@
                     <a:ea typeface="CMU Serif" panose="02000603000000000000" pitchFamily="2" charset="0"/>
                     <a:cs typeface="CMU Serif" panose="02000603000000000000" pitchFamily="2" charset="0"/>
                   </a:rPr>
-                  <a:t> and use </a:t>
+                  <a:t> </a:t>
+                </a:r>
+              </a:p>
+              <a:p>
+                <a:pPr algn="ctr"/>
+                <a:r>
+                  <a:rPr lang="de-DE" sz="1200" dirty="0">
+                    <a:solidFill>
+                      <a:schemeClr val="tx1"/>
+                    </a:solidFill>
+                    <a:latin typeface="CMU Serif" panose="02000603000000000000" pitchFamily="2" charset="0"/>
+                    <a:ea typeface="CMU Serif" panose="02000603000000000000" pitchFamily="2" charset="0"/>
+                    <a:cs typeface="CMU Serif" panose="02000603000000000000" pitchFamily="2" charset="0"/>
+                  </a:rPr>
+                  <a:t>Use </a:t>
                 </a:r>
                 <a14:m>
                   <m:oMath xmlns:m="http://schemas.openxmlformats.org/officeDocument/2006/math">
@@ -6166,17 +9224,28 @@
                         </m:ctrlPr>
                       </m:sSubPr>
                       <m:e>
-                        <m:r>
-                          <a:rPr lang="de-DE" sz="1200" b="1" i="1">
-                            <a:solidFill>
-                              <a:schemeClr val="tx1"/>
-                            </a:solidFill>
-                            <a:latin typeface="Cambria Math" panose="02040503050406030204" pitchFamily="18" charset="0"/>
-                            <a:ea typeface="CMU Serif" panose="02000603000000000000" pitchFamily="2" charset="0"/>
-                            <a:cs typeface="CMU Serif" panose="02000603000000000000" pitchFamily="2" charset="0"/>
-                          </a:rPr>
-                          <m:t>𝒖</m:t>
-                        </m:r>
+                        <m:acc>
+                          <m:accPr>
+                            <m:chr m:val="̂"/>
+                            <m:ctrlPr>
+                              <a:rPr lang="de-DE" sz="1200" i="1">
+                                <a:latin typeface="Cambria Math" panose="02040503050406030204" pitchFamily="18" charset="0"/>
+                                <a:ea typeface="CMU Serif" panose="02000603000000000000" pitchFamily="2" charset="0"/>
+                                <a:cs typeface="CMU Serif" panose="02000603000000000000" pitchFamily="2" charset="0"/>
+                              </a:rPr>
+                            </m:ctrlPr>
+                          </m:accPr>
+                          <m:e>
+                            <m:r>
+                              <a:rPr lang="de-DE" sz="1200" b="1" i="1">
+                                <a:latin typeface="Cambria Math" panose="02040503050406030204" pitchFamily="18" charset="0"/>
+                                <a:ea typeface="CMU Serif" panose="02000603000000000000" pitchFamily="2" charset="0"/>
+                                <a:cs typeface="CMU Serif" panose="02000603000000000000" pitchFamily="2" charset="0"/>
+                              </a:rPr>
+                              <m:t>𝒖</m:t>
+                            </m:r>
+                          </m:e>
+                        </m:acc>
                       </m:e>
                       <m:sub>
                         <m:r>
@@ -6441,876 +9510,21 @@
             </p:nvSpPr>
             <p:spPr>
               <a:xfrm flipH="1">
-                <a:off x="4954221" y="1622899"/>
-                <a:ext cx="2283557" cy="2495295"/>
+                <a:off x="4920105" y="1666663"/>
+                <a:ext cx="1279307" cy="2461964"/>
               </a:xfrm>
               <a:prstGeom prst="leftArrow">
                 <a:avLst>
-                  <a:gd name="adj1" fmla="val 41985"/>
-                  <a:gd name="adj2" fmla="val 47928"/>
+                  <a:gd name="adj1" fmla="val 61128"/>
+                  <a:gd name="adj2" fmla="val 29904"/>
                 </a:avLst>
               </a:prstGeom>
               <a:blipFill>
-                <a:blip r:embed="rId10"/>
+                <a:blip r:embed="rId24"/>
                 <a:stretch>
-                  <a:fillRect/>
+                  <a:fillRect l="-4695" r="-1408"/>
                 </a:stretch>
               </a:blipFill>
-            </p:spPr>
-            <p:txBody>
-              <a:bodyPr/>
-              <a:lstStyle/>
-              <a:p>
-                <a:r>
-                  <a:rPr lang="de-DE">
-                    <a:noFill/>
-                  </a:rPr>
-                  <a:t> </a:t>
-                </a:r>
-              </a:p>
-            </p:txBody>
-          </p:sp>
-        </mc:Fallback>
-      </mc:AlternateContent>
-      <mc:AlternateContent xmlns:mc="http://schemas.openxmlformats.org/markup-compatibility/2006">
-        <mc:Choice xmlns:a14="http://schemas.microsoft.com/office/drawing/2010/main" Requires="a14">
-          <p:sp>
-            <p:nvSpPr>
-              <p:cNvPr id="14" name="Rectangle 13">
-                <a:extLst>
-                  <a:ext uri="{FF2B5EF4-FFF2-40B4-BE49-F238E27FC236}">
-                    <a16:creationId xmlns:a16="http://schemas.microsoft.com/office/drawing/2014/main" id="{E51802BD-3999-48AB-BBE9-DB4D0E205FEF}"/>
-                  </a:ext>
-                </a:extLst>
-              </p:cNvPr>
-              <p:cNvSpPr/>
-              <p:nvPr/>
-            </p:nvSpPr>
-            <p:spPr>
-              <a:xfrm>
-                <a:off x="3440376" y="1507521"/>
-                <a:ext cx="961944" cy="720000"/>
-              </a:xfrm>
-              <a:prstGeom prst="rect">
-                <a:avLst/>
-              </a:prstGeom>
-              <a:ln w="28575"/>
-            </p:spPr>
-            <p:style>
-              <a:lnRef idx="2">
-                <a:schemeClr val="dk1"/>
-              </a:lnRef>
-              <a:fillRef idx="1">
-                <a:schemeClr val="lt1"/>
-              </a:fillRef>
-              <a:effectRef idx="0">
-                <a:schemeClr val="dk1"/>
-              </a:effectRef>
-              <a:fontRef idx="minor">
-                <a:schemeClr val="dk1"/>
-              </a:fontRef>
-            </p:style>
-            <p:txBody>
-              <a:bodyPr rtlCol="0" anchor="ctr"/>
-              <a:lstStyle/>
-              <a:p>
-                <a:pPr algn="ctr"/>
-                <a14:m>
-                  <m:oMathPara xmlns:m="http://schemas.openxmlformats.org/officeDocument/2006/math">
-                    <m:oMathParaPr>
-                      <m:jc m:val="centerGroup"/>
-                    </m:oMathParaPr>
-                    <m:oMath xmlns:m="http://schemas.openxmlformats.org/officeDocument/2006/math">
-                      <m:sSub>
-                        <m:sSubPr>
-                          <m:ctrlPr>
-                            <a:rPr lang="de-DE" i="1" smtClean="0">
-                              <a:latin typeface="Cambria Math" panose="02040503050406030204" pitchFamily="18" charset="0"/>
-                              <a:ea typeface="CMU Serif" panose="02000603000000000000" pitchFamily="2" charset="0"/>
-                              <a:cs typeface="CMU Serif" panose="02000603000000000000" pitchFamily="2" charset="0"/>
-                            </a:rPr>
-                          </m:ctrlPr>
-                        </m:sSubPr>
-                        <m:e>
-                          <m:r>
-                            <a:rPr lang="de-DE" b="1" i="1" smtClean="0">
-                              <a:latin typeface="Cambria Math" panose="02040503050406030204" pitchFamily="18" charset="0"/>
-                              <a:ea typeface="CMU Serif" panose="02000603000000000000" pitchFamily="2" charset="0"/>
-                              <a:cs typeface="CMU Serif" panose="02000603000000000000" pitchFamily="2" charset="0"/>
-                            </a:rPr>
-                            <m:t>(</m:t>
-                          </m:r>
-                          <m:r>
-                            <a:rPr lang="de-DE" b="1" i="1" smtClean="0">
-                              <a:latin typeface="Cambria Math" panose="02040503050406030204" pitchFamily="18" charset="0"/>
-                              <a:ea typeface="CMU Serif" panose="02000603000000000000" pitchFamily="2" charset="0"/>
-                              <a:cs typeface="CMU Serif" panose="02000603000000000000" pitchFamily="2" charset="0"/>
-                            </a:rPr>
-                            <m:t>𝑿</m:t>
-                          </m:r>
-                        </m:e>
-                        <m:sub>
-                          <m:r>
-                            <a:rPr lang="de-DE" i="1">
-                              <a:latin typeface="Cambria Math" panose="02040503050406030204" pitchFamily="18" charset="0"/>
-                              <a:ea typeface="CMU Serif" panose="02000603000000000000" pitchFamily="2" charset="0"/>
-                              <a:cs typeface="CMU Serif" panose="02000603000000000000" pitchFamily="2" charset="0"/>
-                            </a:rPr>
-                            <m:t>1</m:t>
-                          </m:r>
-                        </m:sub>
-                      </m:sSub>
-                      <m:r>
-                        <a:rPr lang="de-DE" b="0" i="1" smtClean="0">
-                          <a:latin typeface="Cambria Math" panose="02040503050406030204" pitchFamily="18" charset="0"/>
-                          <a:ea typeface="CMU Serif" panose="02000603000000000000" pitchFamily="2" charset="0"/>
-                          <a:cs typeface="CMU Serif" panose="02000603000000000000" pitchFamily="2" charset="0"/>
-                        </a:rPr>
-                        <m:t>,</m:t>
-                      </m:r>
-                      <m:sSub>
-                        <m:sSubPr>
-                          <m:ctrlPr>
-                            <a:rPr lang="de-DE" b="0" i="1" smtClean="0">
-                              <a:latin typeface="Cambria Math" panose="02040503050406030204" pitchFamily="18" charset="0"/>
-                              <a:ea typeface="CMU Serif" panose="02000603000000000000" pitchFamily="2" charset="0"/>
-                              <a:cs typeface="CMU Serif" panose="02000603000000000000" pitchFamily="2" charset="0"/>
-                            </a:rPr>
-                          </m:ctrlPr>
-                        </m:sSubPr>
-                        <m:e>
-                          <m:acc>
-                            <m:accPr>
-                              <m:chr m:val="̂"/>
-                              <m:ctrlPr>
-                                <a:rPr lang="de-DE" b="0" i="1" smtClean="0">
-                                  <a:latin typeface="Cambria Math" panose="02040503050406030204" pitchFamily="18" charset="0"/>
-                                  <a:ea typeface="CMU Serif" panose="02000603000000000000" pitchFamily="2" charset="0"/>
-                                  <a:cs typeface="CMU Serif" panose="02000603000000000000" pitchFamily="2" charset="0"/>
-                                </a:rPr>
-                              </m:ctrlPr>
-                            </m:accPr>
-                            <m:e>
-                              <m:r>
-                                <a:rPr lang="de-DE" b="1" i="1">
-                                  <a:latin typeface="Cambria Math" panose="02040503050406030204" pitchFamily="18" charset="0"/>
-                                  <a:ea typeface="CMU Serif" panose="02000603000000000000" pitchFamily="2" charset="0"/>
-                                  <a:cs typeface="CMU Serif" panose="02000603000000000000" pitchFamily="2" charset="0"/>
-                                </a:rPr>
-                                <m:t>𝒖</m:t>
-                              </m:r>
-                            </m:e>
-                          </m:acc>
-                        </m:e>
-                        <m:sub>
-                          <m:r>
-                            <a:rPr lang="de-DE" b="0" i="1" smtClean="0">
-                              <a:latin typeface="Cambria Math" panose="02040503050406030204" pitchFamily="18" charset="0"/>
-                              <a:ea typeface="CMU Serif" panose="02000603000000000000" pitchFamily="2" charset="0"/>
-                              <a:cs typeface="CMU Serif" panose="02000603000000000000" pitchFamily="2" charset="0"/>
-                            </a:rPr>
-                            <m:t>1</m:t>
-                          </m:r>
-                        </m:sub>
-                      </m:sSub>
-                      <m:r>
-                        <a:rPr lang="de-DE" b="0" i="1" smtClean="0">
-                          <a:latin typeface="Cambria Math" panose="02040503050406030204" pitchFamily="18" charset="0"/>
-                          <a:ea typeface="CMU Serif" panose="02000603000000000000" pitchFamily="2" charset="0"/>
-                          <a:cs typeface="CMU Serif" panose="02000603000000000000" pitchFamily="2" charset="0"/>
-                        </a:rPr>
-                        <m:t>)</m:t>
-                      </m:r>
-                    </m:oMath>
-                  </m:oMathPara>
-                </a14:m>
-                <a:endParaRPr lang="de-DE" dirty="0">
-                  <a:latin typeface="CMU Serif" panose="02000603000000000000" pitchFamily="2" charset="0"/>
-                  <a:ea typeface="CMU Serif" panose="02000603000000000000" pitchFamily="2" charset="0"/>
-                  <a:cs typeface="CMU Serif" panose="02000603000000000000" pitchFamily="2" charset="0"/>
-                </a:endParaRPr>
-              </a:p>
-            </p:txBody>
-          </p:sp>
-        </mc:Choice>
-        <mc:Fallback>
-          <p:sp>
-            <p:nvSpPr>
-              <p:cNvPr id="14" name="Rectangle 13">
-                <a:extLst>
-                  <a:ext uri="{FF2B5EF4-FFF2-40B4-BE49-F238E27FC236}">
-                    <a16:creationId xmlns:a16="http://schemas.microsoft.com/office/drawing/2014/main" id="{E51802BD-3999-48AB-BBE9-DB4D0E205FEF}"/>
-                  </a:ext>
-                </a:extLst>
-              </p:cNvPr>
-              <p:cNvSpPr>
-                <a:spLocks noRot="1" noChangeAspect="1" noMove="1" noResize="1" noEditPoints="1" noAdjustHandles="1" noChangeArrowheads="1" noChangeShapeType="1" noTextEdit="1"/>
-              </p:cNvSpPr>
-              <p:nvPr/>
-            </p:nvSpPr>
-            <p:spPr>
-              <a:xfrm>
-                <a:off x="3440376" y="1507521"/>
-                <a:ext cx="961944" cy="720000"/>
-              </a:xfrm>
-              <a:prstGeom prst="rect">
-                <a:avLst/>
-              </a:prstGeom>
-              <a:blipFill>
-                <a:blip r:embed="rId11"/>
-                <a:stretch>
-                  <a:fillRect l="-4294" r="-14110"/>
-                </a:stretch>
-              </a:blipFill>
-              <a:ln w="28575"/>
-            </p:spPr>
-            <p:txBody>
-              <a:bodyPr/>
-              <a:lstStyle/>
-              <a:p>
-                <a:r>
-                  <a:rPr lang="de-DE">
-                    <a:noFill/>
-                  </a:rPr>
-                  <a:t> </a:t>
-                </a:r>
-              </a:p>
-            </p:txBody>
-          </p:sp>
-        </mc:Fallback>
-      </mc:AlternateContent>
-      <mc:AlternateContent xmlns:mc="http://schemas.openxmlformats.org/markup-compatibility/2006">
-        <mc:Choice xmlns:a14="http://schemas.microsoft.com/office/drawing/2010/main" Requires="a14">
-          <p:sp>
-            <p:nvSpPr>
-              <p:cNvPr id="15" name="Rectangle 14">
-                <a:extLst>
-                  <a:ext uri="{FF2B5EF4-FFF2-40B4-BE49-F238E27FC236}">
-                    <a16:creationId xmlns:a16="http://schemas.microsoft.com/office/drawing/2014/main" id="{483DF976-E777-4F2E-8EBB-EBAA5019B1C5}"/>
-                  </a:ext>
-                </a:extLst>
-              </p:cNvPr>
-              <p:cNvSpPr/>
-              <p:nvPr/>
-            </p:nvSpPr>
-            <p:spPr>
-              <a:xfrm>
-                <a:off x="3440376" y="2333740"/>
-                <a:ext cx="961944" cy="536807"/>
-              </a:xfrm>
-              <a:prstGeom prst="rect">
-                <a:avLst/>
-              </a:prstGeom>
-              <a:ln w="28575"/>
-            </p:spPr>
-            <p:style>
-              <a:lnRef idx="2">
-                <a:schemeClr val="dk1"/>
-              </a:lnRef>
-              <a:fillRef idx="1">
-                <a:schemeClr val="lt1"/>
-              </a:fillRef>
-              <a:effectRef idx="0">
-                <a:schemeClr val="dk1"/>
-              </a:effectRef>
-              <a:fontRef idx="minor">
-                <a:schemeClr val="dk1"/>
-              </a:fontRef>
-            </p:style>
-            <p:txBody>
-              <a:bodyPr rtlCol="0" anchor="ctr"/>
-              <a:lstStyle/>
-              <a:p>
-                <a:pPr algn="ctr"/>
-                <a14:m>
-                  <m:oMathPara xmlns:m="http://schemas.openxmlformats.org/officeDocument/2006/math">
-                    <m:oMathParaPr>
-                      <m:jc m:val="centerGroup"/>
-                    </m:oMathParaPr>
-                    <m:oMath xmlns:m="http://schemas.openxmlformats.org/officeDocument/2006/math">
-                      <m:sSub>
-                        <m:sSubPr>
-                          <m:ctrlPr>
-                            <a:rPr lang="de-DE" i="1" smtClean="0">
-                              <a:latin typeface="Cambria Math" panose="02040503050406030204" pitchFamily="18" charset="0"/>
-                              <a:ea typeface="CMU Serif" panose="02000603000000000000" pitchFamily="2" charset="0"/>
-                              <a:cs typeface="CMU Serif" panose="02000603000000000000" pitchFamily="2" charset="0"/>
-                            </a:rPr>
-                          </m:ctrlPr>
-                        </m:sSubPr>
-                        <m:e>
-                          <m:r>
-                            <a:rPr lang="de-DE" b="1" i="1">
-                              <a:latin typeface="Cambria Math" panose="02040503050406030204" pitchFamily="18" charset="0"/>
-                              <a:ea typeface="CMU Serif" panose="02000603000000000000" pitchFamily="2" charset="0"/>
-                              <a:cs typeface="CMU Serif" panose="02000603000000000000" pitchFamily="2" charset="0"/>
-                            </a:rPr>
-                            <m:t>(</m:t>
-                          </m:r>
-                          <m:r>
-                            <a:rPr lang="de-DE" b="1" i="1">
-                              <a:latin typeface="Cambria Math" panose="02040503050406030204" pitchFamily="18" charset="0"/>
-                              <a:ea typeface="CMU Serif" panose="02000603000000000000" pitchFamily="2" charset="0"/>
-                              <a:cs typeface="CMU Serif" panose="02000603000000000000" pitchFamily="2" charset="0"/>
-                            </a:rPr>
-                            <m:t>𝑿</m:t>
-                          </m:r>
-                        </m:e>
-                        <m:sub>
-                          <m:r>
-                            <a:rPr lang="de-DE" b="0" i="1" smtClean="0">
-                              <a:latin typeface="Cambria Math" panose="02040503050406030204" pitchFamily="18" charset="0"/>
-                              <a:ea typeface="CMU Serif" panose="02000603000000000000" pitchFamily="2" charset="0"/>
-                              <a:cs typeface="CMU Serif" panose="02000603000000000000" pitchFamily="2" charset="0"/>
-                            </a:rPr>
-                            <m:t>2</m:t>
-                          </m:r>
-                        </m:sub>
-                      </m:sSub>
-                      <m:r>
-                        <a:rPr lang="de-DE" i="1">
-                          <a:latin typeface="Cambria Math" panose="02040503050406030204" pitchFamily="18" charset="0"/>
-                          <a:ea typeface="CMU Serif" panose="02000603000000000000" pitchFamily="2" charset="0"/>
-                          <a:cs typeface="CMU Serif" panose="02000603000000000000" pitchFamily="2" charset="0"/>
-                        </a:rPr>
-                        <m:t>,</m:t>
-                      </m:r>
-                      <m:sSub>
-                        <m:sSubPr>
-                          <m:ctrlPr>
-                            <a:rPr lang="de-DE" i="1">
-                              <a:latin typeface="Cambria Math" panose="02040503050406030204" pitchFamily="18" charset="0"/>
-                              <a:ea typeface="CMU Serif" panose="02000603000000000000" pitchFamily="2" charset="0"/>
-                              <a:cs typeface="CMU Serif" panose="02000603000000000000" pitchFamily="2" charset="0"/>
-                            </a:rPr>
-                          </m:ctrlPr>
-                        </m:sSubPr>
-                        <m:e>
-                          <m:acc>
-                            <m:accPr>
-                              <m:chr m:val="̂"/>
-                              <m:ctrlPr>
-                                <a:rPr lang="de-DE" i="1">
-                                  <a:latin typeface="Cambria Math" panose="02040503050406030204" pitchFamily="18" charset="0"/>
-                                  <a:ea typeface="CMU Serif" panose="02000603000000000000" pitchFamily="2" charset="0"/>
-                                  <a:cs typeface="CMU Serif" panose="02000603000000000000" pitchFamily="2" charset="0"/>
-                                </a:rPr>
-                              </m:ctrlPr>
-                            </m:accPr>
-                            <m:e>
-                              <m:r>
-                                <a:rPr lang="de-DE" b="1" i="1">
-                                  <a:latin typeface="Cambria Math" panose="02040503050406030204" pitchFamily="18" charset="0"/>
-                                  <a:ea typeface="CMU Serif" panose="02000603000000000000" pitchFamily="2" charset="0"/>
-                                  <a:cs typeface="CMU Serif" panose="02000603000000000000" pitchFamily="2" charset="0"/>
-                                </a:rPr>
-                                <m:t>𝒖</m:t>
-                              </m:r>
-                            </m:e>
-                          </m:acc>
-                        </m:e>
-                        <m:sub>
-                          <m:r>
-                            <a:rPr lang="de-DE" b="0" i="1" smtClean="0">
-                              <a:latin typeface="Cambria Math" panose="02040503050406030204" pitchFamily="18" charset="0"/>
-                              <a:ea typeface="CMU Serif" panose="02000603000000000000" pitchFamily="2" charset="0"/>
-                              <a:cs typeface="CMU Serif" panose="02000603000000000000" pitchFamily="2" charset="0"/>
-                            </a:rPr>
-                            <m:t>2</m:t>
-                          </m:r>
-                        </m:sub>
-                      </m:sSub>
-                      <m:r>
-                        <a:rPr lang="de-DE" i="1">
-                          <a:latin typeface="Cambria Math" panose="02040503050406030204" pitchFamily="18" charset="0"/>
-                          <a:ea typeface="CMU Serif" panose="02000603000000000000" pitchFamily="2" charset="0"/>
-                          <a:cs typeface="CMU Serif" panose="02000603000000000000" pitchFamily="2" charset="0"/>
-                        </a:rPr>
-                        <m:t>)</m:t>
-                      </m:r>
-                    </m:oMath>
-                  </m:oMathPara>
-                </a14:m>
-                <a:endParaRPr lang="de-DE" dirty="0">
-                  <a:latin typeface="CMU Serif" panose="02000603000000000000" pitchFamily="2" charset="0"/>
-                  <a:ea typeface="CMU Serif" panose="02000603000000000000" pitchFamily="2" charset="0"/>
-                  <a:cs typeface="CMU Serif" panose="02000603000000000000" pitchFamily="2" charset="0"/>
-                </a:endParaRPr>
-              </a:p>
-            </p:txBody>
-          </p:sp>
-        </mc:Choice>
-        <mc:Fallback>
-          <p:sp>
-            <p:nvSpPr>
-              <p:cNvPr id="15" name="Rectangle 14">
-                <a:extLst>
-                  <a:ext uri="{FF2B5EF4-FFF2-40B4-BE49-F238E27FC236}">
-                    <a16:creationId xmlns:a16="http://schemas.microsoft.com/office/drawing/2014/main" id="{483DF976-E777-4F2E-8EBB-EBAA5019B1C5}"/>
-                  </a:ext>
-                </a:extLst>
-              </p:cNvPr>
-              <p:cNvSpPr>
-                <a:spLocks noRot="1" noChangeAspect="1" noMove="1" noResize="1" noEditPoints="1" noAdjustHandles="1" noChangeArrowheads="1" noChangeShapeType="1" noTextEdit="1"/>
-              </p:cNvSpPr>
-              <p:nvPr/>
-            </p:nvSpPr>
-            <p:spPr>
-              <a:xfrm>
-                <a:off x="3440376" y="2333740"/>
-                <a:ext cx="961944" cy="536807"/>
-              </a:xfrm>
-              <a:prstGeom prst="rect">
-                <a:avLst/>
-              </a:prstGeom>
-              <a:blipFill>
-                <a:blip r:embed="rId12"/>
-                <a:stretch>
-                  <a:fillRect l="-4908" r="-14110"/>
-                </a:stretch>
-              </a:blipFill>
-              <a:ln w="28575"/>
-            </p:spPr>
-            <p:txBody>
-              <a:bodyPr/>
-              <a:lstStyle/>
-              <a:p>
-                <a:r>
-                  <a:rPr lang="de-DE">
-                    <a:noFill/>
-                  </a:rPr>
-                  <a:t> </a:t>
-                </a:r>
-              </a:p>
-            </p:txBody>
-          </p:sp>
-        </mc:Fallback>
-      </mc:AlternateContent>
-      <mc:AlternateContent xmlns:mc="http://schemas.openxmlformats.org/markup-compatibility/2006">
-        <mc:Choice xmlns:a14="http://schemas.microsoft.com/office/drawing/2010/main" Requires="a14">
-          <p:sp>
-            <p:nvSpPr>
-              <p:cNvPr id="16" name="Rectangle 15">
-                <a:extLst>
-                  <a:ext uri="{FF2B5EF4-FFF2-40B4-BE49-F238E27FC236}">
-                    <a16:creationId xmlns:a16="http://schemas.microsoft.com/office/drawing/2014/main" id="{EAF09AE8-0250-4CEE-9219-0BCAD4AEFB27}"/>
-                  </a:ext>
-                </a:extLst>
-              </p:cNvPr>
-              <p:cNvSpPr/>
-              <p:nvPr/>
-            </p:nvSpPr>
-            <p:spPr>
-              <a:xfrm>
-                <a:off x="3416022" y="3616599"/>
-                <a:ext cx="986298" cy="768692"/>
-              </a:xfrm>
-              <a:prstGeom prst="rect">
-                <a:avLst/>
-              </a:prstGeom>
-              <a:ln w="28575"/>
-            </p:spPr>
-            <p:style>
-              <a:lnRef idx="2">
-                <a:schemeClr val="dk1"/>
-              </a:lnRef>
-              <a:fillRef idx="1">
-                <a:schemeClr val="lt1"/>
-              </a:fillRef>
-              <a:effectRef idx="0">
-                <a:schemeClr val="dk1"/>
-              </a:effectRef>
-              <a:fontRef idx="minor">
-                <a:schemeClr val="dk1"/>
-              </a:fontRef>
-            </p:style>
-            <p:txBody>
-              <a:bodyPr rtlCol="0" anchor="ctr"/>
-              <a:lstStyle/>
-              <a:p>
-                <a:pPr algn="ctr"/>
-                <a14:m>
-                  <m:oMathPara xmlns:m="http://schemas.openxmlformats.org/officeDocument/2006/math">
-                    <m:oMathParaPr>
-                      <m:jc m:val="centerGroup"/>
-                    </m:oMathParaPr>
-                    <m:oMath xmlns:m="http://schemas.openxmlformats.org/officeDocument/2006/math">
-                      <m:sSub>
-                        <m:sSubPr>
-                          <m:ctrlPr>
-                            <a:rPr lang="de-DE" i="1" smtClean="0">
-                              <a:latin typeface="Cambria Math" panose="02040503050406030204" pitchFamily="18" charset="0"/>
-                              <a:ea typeface="CMU Serif" panose="02000603000000000000" pitchFamily="2" charset="0"/>
-                              <a:cs typeface="CMU Serif" panose="02000603000000000000" pitchFamily="2" charset="0"/>
-                            </a:rPr>
-                          </m:ctrlPr>
-                        </m:sSubPr>
-                        <m:e>
-                          <m:r>
-                            <a:rPr lang="de-DE" b="1" i="1">
-                              <a:latin typeface="Cambria Math" panose="02040503050406030204" pitchFamily="18" charset="0"/>
-                              <a:ea typeface="CMU Serif" panose="02000603000000000000" pitchFamily="2" charset="0"/>
-                              <a:cs typeface="CMU Serif" panose="02000603000000000000" pitchFamily="2" charset="0"/>
-                            </a:rPr>
-                            <m:t>(</m:t>
-                          </m:r>
-                          <m:r>
-                            <a:rPr lang="de-DE" b="1" i="1">
-                              <a:latin typeface="Cambria Math" panose="02040503050406030204" pitchFamily="18" charset="0"/>
-                              <a:ea typeface="CMU Serif" panose="02000603000000000000" pitchFamily="2" charset="0"/>
-                              <a:cs typeface="CMU Serif" panose="02000603000000000000" pitchFamily="2" charset="0"/>
-                            </a:rPr>
-                            <m:t>𝑿</m:t>
-                          </m:r>
-                        </m:e>
-                        <m:sub>
-                          <m:r>
-                            <a:rPr lang="de-DE" b="0" i="1" smtClean="0">
-                              <a:latin typeface="Cambria Math" panose="02040503050406030204" pitchFamily="18" charset="0"/>
-                              <a:ea typeface="CMU Serif" panose="02000603000000000000" pitchFamily="2" charset="0"/>
-                              <a:cs typeface="CMU Serif" panose="02000603000000000000" pitchFamily="2" charset="0"/>
-                            </a:rPr>
-                            <m:t>𝐺</m:t>
-                          </m:r>
-                        </m:sub>
-                      </m:sSub>
-                      <m:r>
-                        <a:rPr lang="de-DE" i="1">
-                          <a:latin typeface="Cambria Math" panose="02040503050406030204" pitchFamily="18" charset="0"/>
-                          <a:ea typeface="CMU Serif" panose="02000603000000000000" pitchFamily="2" charset="0"/>
-                          <a:cs typeface="CMU Serif" panose="02000603000000000000" pitchFamily="2" charset="0"/>
-                        </a:rPr>
-                        <m:t>,</m:t>
-                      </m:r>
-                      <m:sSub>
-                        <m:sSubPr>
-                          <m:ctrlPr>
-                            <a:rPr lang="de-DE" i="1">
-                              <a:latin typeface="Cambria Math" panose="02040503050406030204" pitchFamily="18" charset="0"/>
-                              <a:ea typeface="CMU Serif" panose="02000603000000000000" pitchFamily="2" charset="0"/>
-                              <a:cs typeface="CMU Serif" panose="02000603000000000000" pitchFamily="2" charset="0"/>
-                            </a:rPr>
-                          </m:ctrlPr>
-                        </m:sSubPr>
-                        <m:e>
-                          <m:acc>
-                            <m:accPr>
-                              <m:chr m:val="̂"/>
-                              <m:ctrlPr>
-                                <a:rPr lang="de-DE" i="1">
-                                  <a:latin typeface="Cambria Math" panose="02040503050406030204" pitchFamily="18" charset="0"/>
-                                  <a:ea typeface="CMU Serif" panose="02000603000000000000" pitchFamily="2" charset="0"/>
-                                  <a:cs typeface="CMU Serif" panose="02000603000000000000" pitchFamily="2" charset="0"/>
-                                </a:rPr>
-                              </m:ctrlPr>
-                            </m:accPr>
-                            <m:e>
-                              <m:r>
-                                <a:rPr lang="de-DE" b="1" i="1">
-                                  <a:latin typeface="Cambria Math" panose="02040503050406030204" pitchFamily="18" charset="0"/>
-                                  <a:ea typeface="CMU Serif" panose="02000603000000000000" pitchFamily="2" charset="0"/>
-                                  <a:cs typeface="CMU Serif" panose="02000603000000000000" pitchFamily="2" charset="0"/>
-                                </a:rPr>
-                                <m:t>𝒖</m:t>
-                              </m:r>
-                            </m:e>
-                          </m:acc>
-                        </m:e>
-                        <m:sub>
-                          <m:r>
-                            <a:rPr lang="de-DE" b="0" i="1" smtClean="0">
-                              <a:latin typeface="Cambria Math" panose="02040503050406030204" pitchFamily="18" charset="0"/>
-                              <a:ea typeface="CMU Serif" panose="02000603000000000000" pitchFamily="2" charset="0"/>
-                              <a:cs typeface="CMU Serif" panose="02000603000000000000" pitchFamily="2" charset="0"/>
-                            </a:rPr>
-                            <m:t>𝐺</m:t>
-                          </m:r>
-                        </m:sub>
-                      </m:sSub>
-                      <m:r>
-                        <a:rPr lang="de-DE" i="1">
-                          <a:latin typeface="Cambria Math" panose="02040503050406030204" pitchFamily="18" charset="0"/>
-                          <a:ea typeface="CMU Serif" panose="02000603000000000000" pitchFamily="2" charset="0"/>
-                          <a:cs typeface="CMU Serif" panose="02000603000000000000" pitchFamily="2" charset="0"/>
-                        </a:rPr>
-                        <m:t>)</m:t>
-                      </m:r>
-                    </m:oMath>
-                  </m:oMathPara>
-                </a14:m>
-                <a:endParaRPr lang="de-DE" dirty="0">
-                  <a:latin typeface="CMU Serif" panose="02000603000000000000" pitchFamily="2" charset="0"/>
-                  <a:ea typeface="CMU Serif" panose="02000603000000000000" pitchFamily="2" charset="0"/>
-                  <a:cs typeface="CMU Serif" panose="02000603000000000000" pitchFamily="2" charset="0"/>
-                </a:endParaRPr>
-              </a:p>
-            </p:txBody>
-          </p:sp>
-        </mc:Choice>
-        <mc:Fallback>
-          <p:sp>
-            <p:nvSpPr>
-              <p:cNvPr id="16" name="Rectangle 15">
-                <a:extLst>
-                  <a:ext uri="{FF2B5EF4-FFF2-40B4-BE49-F238E27FC236}">
-                    <a16:creationId xmlns:a16="http://schemas.microsoft.com/office/drawing/2014/main" id="{EAF09AE8-0250-4CEE-9219-0BCAD4AEFB27}"/>
-                  </a:ext>
-                </a:extLst>
-              </p:cNvPr>
-              <p:cNvSpPr>
-                <a:spLocks noRot="1" noChangeAspect="1" noMove="1" noResize="1" noEditPoints="1" noAdjustHandles="1" noChangeArrowheads="1" noChangeShapeType="1" noTextEdit="1"/>
-              </p:cNvSpPr>
-              <p:nvPr/>
-            </p:nvSpPr>
-            <p:spPr>
-              <a:xfrm>
-                <a:off x="3416022" y="3616599"/>
-                <a:ext cx="986298" cy="768692"/>
-              </a:xfrm>
-              <a:prstGeom prst="rect">
-                <a:avLst/>
-              </a:prstGeom>
-              <a:blipFill>
-                <a:blip r:embed="rId13"/>
-                <a:stretch>
-                  <a:fillRect l="-5389" r="-12575"/>
-                </a:stretch>
-              </a:blipFill>
-              <a:ln w="28575"/>
-            </p:spPr>
-            <p:txBody>
-              <a:bodyPr/>
-              <a:lstStyle/>
-              <a:p>
-                <a:r>
-                  <a:rPr lang="de-DE">
-                    <a:noFill/>
-                  </a:rPr>
-                  <a:t> </a:t>
-                </a:r>
-              </a:p>
-            </p:txBody>
-          </p:sp>
-        </mc:Fallback>
-      </mc:AlternateContent>
-      <mc:AlternateContent xmlns:mc="http://schemas.openxmlformats.org/markup-compatibility/2006">
-        <mc:Choice xmlns:a14="http://schemas.microsoft.com/office/drawing/2010/main" Requires="a14">
-          <p:sp>
-            <p:nvSpPr>
-              <p:cNvPr id="17" name="Rectangle 16">
-                <a:extLst>
-                  <a:ext uri="{FF2B5EF4-FFF2-40B4-BE49-F238E27FC236}">
-                    <a16:creationId xmlns:a16="http://schemas.microsoft.com/office/drawing/2014/main" id="{629DE20F-5128-42ED-9826-DDBE37C8D681}"/>
-                  </a:ext>
-                </a:extLst>
-              </p:cNvPr>
-              <p:cNvSpPr/>
-              <p:nvPr/>
-            </p:nvSpPr>
-            <p:spPr>
-              <a:xfrm>
-                <a:off x="3413396" y="2970968"/>
-                <a:ext cx="986298" cy="540000"/>
-              </a:xfrm>
-              <a:prstGeom prst="rect">
-                <a:avLst/>
-              </a:prstGeom>
-              <a:ln w="28575">
-                <a:noFill/>
-              </a:ln>
-            </p:spPr>
-            <p:style>
-              <a:lnRef idx="2">
-                <a:schemeClr val="dk1"/>
-              </a:lnRef>
-              <a:fillRef idx="1">
-                <a:schemeClr val="lt1"/>
-              </a:fillRef>
-              <a:effectRef idx="0">
-                <a:schemeClr val="dk1"/>
-              </a:effectRef>
-              <a:fontRef idx="minor">
-                <a:schemeClr val="dk1"/>
-              </a:fontRef>
-            </p:style>
-            <p:txBody>
-              <a:bodyPr rtlCol="0" anchor="ctr"/>
-              <a:lstStyle/>
-              <a:p>
-                <a:pPr algn="ctr"/>
-                <a14:m>
-                  <m:oMathPara xmlns:m="http://schemas.openxmlformats.org/officeDocument/2006/math">
-                    <m:oMathParaPr>
-                      <m:jc m:val="center"/>
-                    </m:oMathParaPr>
-                    <m:oMath xmlns:m="http://schemas.openxmlformats.org/officeDocument/2006/math">
-                      <m:r>
-                        <a:rPr lang="de-DE" b="0" i="1" smtClean="0">
-                          <a:latin typeface="Cambria Math" panose="02040503050406030204" pitchFamily="18" charset="0"/>
-                          <a:ea typeface="CMU Serif" panose="02000603000000000000" pitchFamily="2" charset="0"/>
-                          <a:cs typeface="CMU Serif" panose="02000603000000000000" pitchFamily="2" charset="0"/>
-                        </a:rPr>
-                        <m:t>⋮</m:t>
-                      </m:r>
-                    </m:oMath>
-                  </m:oMathPara>
-                </a14:m>
-                <a:endParaRPr lang="de-DE" dirty="0">
-                  <a:latin typeface="CMU Serif" panose="02000603000000000000" pitchFamily="2" charset="0"/>
-                  <a:ea typeface="CMU Serif" panose="02000603000000000000" pitchFamily="2" charset="0"/>
-                  <a:cs typeface="CMU Serif" panose="02000603000000000000" pitchFamily="2" charset="0"/>
-                </a:endParaRPr>
-              </a:p>
-            </p:txBody>
-          </p:sp>
-        </mc:Choice>
-        <mc:Fallback>
-          <p:sp>
-            <p:nvSpPr>
-              <p:cNvPr id="17" name="Rectangle 16">
-                <a:extLst>
-                  <a:ext uri="{FF2B5EF4-FFF2-40B4-BE49-F238E27FC236}">
-                    <a16:creationId xmlns:a16="http://schemas.microsoft.com/office/drawing/2014/main" id="{629DE20F-5128-42ED-9826-DDBE37C8D681}"/>
-                  </a:ext>
-                </a:extLst>
-              </p:cNvPr>
-              <p:cNvSpPr>
-                <a:spLocks noRot="1" noChangeAspect="1" noMove="1" noResize="1" noEditPoints="1" noAdjustHandles="1" noChangeArrowheads="1" noChangeShapeType="1" noTextEdit="1"/>
-              </p:cNvSpPr>
-              <p:nvPr/>
-            </p:nvSpPr>
-            <p:spPr>
-              <a:xfrm>
-                <a:off x="3413396" y="2970968"/>
-                <a:ext cx="986298" cy="540000"/>
-              </a:xfrm>
-              <a:prstGeom prst="rect">
-                <a:avLst/>
-              </a:prstGeom>
-              <a:blipFill>
-                <a:blip r:embed="rId14"/>
-                <a:stretch>
-                  <a:fillRect/>
-                </a:stretch>
-              </a:blipFill>
-              <a:ln w="28575">
-                <a:noFill/>
-              </a:ln>
-            </p:spPr>
-            <p:txBody>
-              <a:bodyPr/>
-              <a:lstStyle/>
-              <a:p>
-                <a:r>
-                  <a:rPr lang="de-DE">
-                    <a:noFill/>
-                  </a:rPr>
-                  <a:t> </a:t>
-                </a:r>
-              </a:p>
-            </p:txBody>
-          </p:sp>
-        </mc:Fallback>
-      </mc:AlternateContent>
-      <mc:AlternateContent xmlns:mc="http://schemas.openxmlformats.org/markup-compatibility/2006">
-        <mc:Choice xmlns:a14="http://schemas.microsoft.com/office/drawing/2010/main" Requires="a14">
-          <p:sp>
-            <p:nvSpPr>
-              <p:cNvPr id="19" name="Rectangle 18">
-                <a:extLst>
-                  <a:ext uri="{FF2B5EF4-FFF2-40B4-BE49-F238E27FC236}">
-                    <a16:creationId xmlns:a16="http://schemas.microsoft.com/office/drawing/2014/main" id="{C9898B9F-3147-483A-876E-179431028A1A}"/>
-                  </a:ext>
-                </a:extLst>
-              </p:cNvPr>
-              <p:cNvSpPr/>
-              <p:nvPr/>
-            </p:nvSpPr>
-            <p:spPr>
-              <a:xfrm>
-                <a:off x="4498425" y="1525449"/>
-                <a:ext cx="314208" cy="2891037"/>
-              </a:xfrm>
-              <a:prstGeom prst="rect">
-                <a:avLst/>
-              </a:prstGeom>
-              <a:ln w="28575"/>
-            </p:spPr>
-            <p:style>
-              <a:lnRef idx="2">
-                <a:schemeClr val="dk1"/>
-              </a:lnRef>
-              <a:fillRef idx="1">
-                <a:schemeClr val="lt1"/>
-              </a:fillRef>
-              <a:effectRef idx="0">
-                <a:schemeClr val="dk1"/>
-              </a:effectRef>
-              <a:fontRef idx="minor">
-                <a:schemeClr val="dk1"/>
-              </a:fontRef>
-            </p:style>
-            <p:txBody>
-              <a:bodyPr rtlCol="0" anchor="ctr"/>
-              <a:lstStyle/>
-              <a:p>
-                <a:pPr algn="ctr"/>
-                <a14:m>
-                  <m:oMathPara xmlns:m="http://schemas.openxmlformats.org/officeDocument/2006/math">
-                    <m:oMathParaPr>
-                      <m:jc m:val="center"/>
-                    </m:oMathParaPr>
-                    <m:oMath xmlns:m="http://schemas.openxmlformats.org/officeDocument/2006/math">
-                      <m:r>
-                        <a:rPr lang="de-DE" b="1" i="1" smtClean="0">
-                          <a:latin typeface="Cambria Math" panose="02040503050406030204" pitchFamily="18" charset="0"/>
-                          <a:ea typeface="CMU Serif" panose="02000603000000000000" pitchFamily="2" charset="0"/>
-                          <a:cs typeface="CMU Serif" panose="02000603000000000000" pitchFamily="2" charset="0"/>
-                        </a:rPr>
-                        <m:t>𝜷</m:t>
-                      </m:r>
-                    </m:oMath>
-                  </m:oMathPara>
-                </a14:m>
-                <a:endParaRPr lang="de-DE" b="1" dirty="0">
-                  <a:latin typeface="CMU Serif" panose="02000603000000000000" pitchFamily="2" charset="0"/>
-                  <a:ea typeface="CMU Serif" panose="02000603000000000000" pitchFamily="2" charset="0"/>
-                  <a:cs typeface="CMU Serif" panose="02000603000000000000" pitchFamily="2" charset="0"/>
-                </a:endParaRPr>
-              </a:p>
-            </p:txBody>
-          </p:sp>
-        </mc:Choice>
-        <mc:Fallback>
-          <p:sp>
-            <p:nvSpPr>
-              <p:cNvPr id="19" name="Rectangle 18">
-                <a:extLst>
-                  <a:ext uri="{FF2B5EF4-FFF2-40B4-BE49-F238E27FC236}">
-                    <a16:creationId xmlns:a16="http://schemas.microsoft.com/office/drawing/2014/main" id="{C9898B9F-3147-483A-876E-179431028A1A}"/>
-                  </a:ext>
-                </a:extLst>
-              </p:cNvPr>
-              <p:cNvSpPr>
-                <a:spLocks noRot="1" noChangeAspect="1" noMove="1" noResize="1" noEditPoints="1" noAdjustHandles="1" noChangeArrowheads="1" noChangeShapeType="1" noTextEdit="1"/>
-              </p:cNvSpPr>
-              <p:nvPr/>
-            </p:nvSpPr>
-            <p:spPr>
-              <a:xfrm>
-                <a:off x="4498425" y="1525449"/>
-                <a:ext cx="314208" cy="2891037"/>
-              </a:xfrm>
-              <a:prstGeom prst="rect">
-                <a:avLst/>
-              </a:prstGeom>
-              <a:blipFill>
-                <a:blip r:embed="rId15"/>
-                <a:stretch>
-                  <a:fillRect l="-17857"/>
-                </a:stretch>
-              </a:blipFill>
-              <a:ln w="28575"/>
             </p:spPr>
             <p:txBody>
               <a:bodyPr/>
